--- a/데이터요소추출을위한검토.pptx
+++ b/데이터요소추출을위한검토.pptx
@@ -105,6 +105,11 @@
       </a:defRPr>
     </a:lvl9pPr>
   </p:defaultTextStyle>
+  <p:extLst>
+    <p:ext uri="{EFAFB233-063F-42B5-8137-9DF3F51BA10A}">
+      <p15:sldGuideLst xmlns:p15="http://schemas.microsoft.com/office/powerpoint/2012/main"/>
+    </p:ext>
+  </p:extLst>
 </p:presentation>
 </file>
 
@@ -255,7 +260,7 @@
           <a:p>
             <a:fld id="{FDFA5DEF-9C31-4D46-8B30-273D3F2540A7}" type="datetimeFigureOut">
               <a:rPr lang="ko-KR" altLang="en-US" smtClean="0"/>
-              <a:t>2024-02-15</a:t>
+              <a:t>2024-02-16</a:t>
             </a:fld>
             <a:endParaRPr lang="ko-KR" altLang="en-US"/>
           </a:p>
@@ -453,7 +458,7 @@
           <a:p>
             <a:fld id="{FDFA5DEF-9C31-4D46-8B30-273D3F2540A7}" type="datetimeFigureOut">
               <a:rPr lang="ko-KR" altLang="en-US" smtClean="0"/>
-              <a:t>2024-02-15</a:t>
+              <a:t>2024-02-16</a:t>
             </a:fld>
             <a:endParaRPr lang="ko-KR" altLang="en-US"/>
           </a:p>
@@ -661,7 +666,7 @@
           <a:p>
             <a:fld id="{FDFA5DEF-9C31-4D46-8B30-273D3F2540A7}" type="datetimeFigureOut">
               <a:rPr lang="ko-KR" altLang="en-US" smtClean="0"/>
-              <a:t>2024-02-15</a:t>
+              <a:t>2024-02-16</a:t>
             </a:fld>
             <a:endParaRPr lang="ko-KR" altLang="en-US"/>
           </a:p>
@@ -859,7 +864,7 @@
           <a:p>
             <a:fld id="{FDFA5DEF-9C31-4D46-8B30-273D3F2540A7}" type="datetimeFigureOut">
               <a:rPr lang="ko-KR" altLang="en-US" smtClean="0"/>
-              <a:t>2024-02-15</a:t>
+              <a:t>2024-02-16</a:t>
             </a:fld>
             <a:endParaRPr lang="ko-KR" altLang="en-US"/>
           </a:p>
@@ -1134,7 +1139,7 @@
           <a:p>
             <a:fld id="{FDFA5DEF-9C31-4D46-8B30-273D3F2540A7}" type="datetimeFigureOut">
               <a:rPr lang="ko-KR" altLang="en-US" smtClean="0"/>
-              <a:t>2024-02-15</a:t>
+              <a:t>2024-02-16</a:t>
             </a:fld>
             <a:endParaRPr lang="ko-KR" altLang="en-US"/>
           </a:p>
@@ -1399,7 +1404,7 @@
           <a:p>
             <a:fld id="{FDFA5DEF-9C31-4D46-8B30-273D3F2540A7}" type="datetimeFigureOut">
               <a:rPr lang="ko-KR" altLang="en-US" smtClean="0"/>
-              <a:t>2024-02-15</a:t>
+              <a:t>2024-02-16</a:t>
             </a:fld>
             <a:endParaRPr lang="ko-KR" altLang="en-US"/>
           </a:p>
@@ -1811,7 +1816,7 @@
           <a:p>
             <a:fld id="{FDFA5DEF-9C31-4D46-8B30-273D3F2540A7}" type="datetimeFigureOut">
               <a:rPr lang="ko-KR" altLang="en-US" smtClean="0"/>
-              <a:t>2024-02-15</a:t>
+              <a:t>2024-02-16</a:t>
             </a:fld>
             <a:endParaRPr lang="ko-KR" altLang="en-US"/>
           </a:p>
@@ -1952,7 +1957,7 @@
           <a:p>
             <a:fld id="{FDFA5DEF-9C31-4D46-8B30-273D3F2540A7}" type="datetimeFigureOut">
               <a:rPr lang="ko-KR" altLang="en-US" smtClean="0"/>
-              <a:t>2024-02-15</a:t>
+              <a:t>2024-02-16</a:t>
             </a:fld>
             <a:endParaRPr lang="ko-KR" altLang="en-US"/>
           </a:p>
@@ -2065,7 +2070,7 @@
           <a:p>
             <a:fld id="{FDFA5DEF-9C31-4D46-8B30-273D3F2540A7}" type="datetimeFigureOut">
               <a:rPr lang="ko-KR" altLang="en-US" smtClean="0"/>
-              <a:t>2024-02-15</a:t>
+              <a:t>2024-02-16</a:t>
             </a:fld>
             <a:endParaRPr lang="ko-KR" altLang="en-US"/>
           </a:p>
@@ -2376,7 +2381,7 @@
           <a:p>
             <a:fld id="{FDFA5DEF-9C31-4D46-8B30-273D3F2540A7}" type="datetimeFigureOut">
               <a:rPr lang="ko-KR" altLang="en-US" smtClean="0"/>
-              <a:t>2024-02-15</a:t>
+              <a:t>2024-02-16</a:t>
             </a:fld>
             <a:endParaRPr lang="ko-KR" altLang="en-US"/>
           </a:p>
@@ -2664,7 +2669,7 @@
           <a:p>
             <a:fld id="{FDFA5DEF-9C31-4D46-8B30-273D3F2540A7}" type="datetimeFigureOut">
               <a:rPr lang="ko-KR" altLang="en-US" smtClean="0"/>
-              <a:t>2024-02-15</a:t>
+              <a:t>2024-02-16</a:t>
             </a:fld>
             <a:endParaRPr lang="ko-KR" altLang="en-US"/>
           </a:p>
@@ -2905,7 +2910,7 @@
           <a:p>
             <a:fld id="{FDFA5DEF-9C31-4D46-8B30-273D3F2540A7}" type="datetimeFigureOut">
               <a:rPr lang="ko-KR" altLang="en-US" smtClean="0"/>
-              <a:t>2024-02-15</a:t>
+              <a:t>2024-02-16</a:t>
             </a:fld>
             <a:endParaRPr lang="ko-KR" altLang="en-US"/>
           </a:p>
@@ -3337,7 +3342,7 @@
           <p:nvPr>
             <p:extLst>
               <p:ext uri="{D42A27DB-BD31-4B8C-83A1-F6EECF244321}">
-                <p14:modId xmlns:p14="http://schemas.microsoft.com/office/powerpoint/2010/main" val="3402328009"/>
+                <p14:modId xmlns:p14="http://schemas.microsoft.com/office/powerpoint/2010/main" val="4196427302"/>
               </p:ext>
             </p:extLst>
           </p:nvPr>
@@ -3639,6 +3644,22 @@
                           </a:solidFill>
                         </a:rPr>
                         <a:t>제어</a:t>
+                      </a:r>
+                      <a:r>
+                        <a:rPr lang="en-US" altLang="ko-KR" sz="800" dirty="0">
+                          <a:solidFill>
+                            <a:schemeClr val="tx1"/>
+                          </a:solidFill>
+                        </a:rPr>
+                        <a:t>, </a:t>
+                      </a:r>
+                      <a:r>
+                        <a:rPr lang="ko-KR" altLang="en-US" sz="800" dirty="0">
+                          <a:solidFill>
+                            <a:schemeClr val="tx1"/>
+                          </a:solidFill>
+                        </a:rPr>
+                        <a:t>설정</a:t>
                       </a:r>
                     </a:p>
                   </a:txBody>
@@ -5234,14 +5255,14 @@
           <p:nvPr>
             <p:extLst>
               <p:ext uri="{D42A27DB-BD31-4B8C-83A1-F6EECF244321}">
-                <p14:modId xmlns:p14="http://schemas.microsoft.com/office/powerpoint/2010/main" val="3402328009"/>
+                <p14:modId xmlns:p14="http://schemas.microsoft.com/office/powerpoint/2010/main" val="2609026937"/>
               </p:ext>
             </p:extLst>
           </p:nvPr>
         </p:nvGraphicFramePr>
         <p:xfrm>
           <a:off x="233082" y="3472412"/>
-          <a:ext cx="11734800" cy="2425776"/>
+          <a:ext cx="11734800" cy="1572336"/>
         </p:xfrm>
         <a:graphic>
           <a:graphicData uri="http://schemas.openxmlformats.org/drawingml/2006/table">
@@ -5537,6 +5558,22 @@
                         </a:rPr>
                         <a:t>제어</a:t>
                       </a:r>
+                      <a:r>
+                        <a:rPr lang="en-US" altLang="ko-KR" sz="800" dirty="0">
+                          <a:solidFill>
+                            <a:schemeClr val="tx1"/>
+                          </a:solidFill>
+                        </a:rPr>
+                        <a:t>, </a:t>
+                      </a:r>
+                      <a:r>
+                        <a:rPr lang="ko-KR" altLang="en-US" sz="800" dirty="0">
+                          <a:solidFill>
+                            <a:schemeClr val="tx1"/>
+                          </a:solidFill>
+                        </a:rPr>
+                        <a:t>설정</a:t>
+                      </a:r>
                     </a:p>
                   </a:txBody>
                   <a:tcPr anchor="ctr">
@@ -5933,202 +5970,20 @@
                         <a:t>1. </a:t>
                       </a:r>
                       <a:r>
+                        <a:rPr lang="en-US" altLang="ko-KR" sz="800" dirty="0" err="1">
+                          <a:solidFill>
+                            <a:schemeClr val="tx1"/>
+                          </a:solidFill>
+                        </a:rPr>
+                        <a:t>YoLo</a:t>
+                      </a:r>
+                      <a:r>
                         <a:rPr lang="ko-KR" altLang="en-US" sz="800" dirty="0">
                           <a:solidFill>
                             <a:schemeClr val="tx1"/>
                           </a:solidFill>
                         </a:rPr>
-                        <a:t>통계 데이터 </a:t>
-                      </a:r>
-                      <a:r>
-                        <a:rPr lang="en-US" altLang="ko-KR" sz="800" dirty="0">
-                          <a:solidFill>
-                            <a:schemeClr val="tx1"/>
-                          </a:solidFill>
-                        </a:rPr>
-                        <a:t>form Raw data (.csv)</a:t>
-                      </a:r>
-                    </a:p>
-                    <a:p>
-                      <a:r>
-                        <a:rPr lang="en-US" altLang="ko-KR" sz="800" dirty="0">
-                          <a:solidFill>
-                            <a:schemeClr val="tx1"/>
-                          </a:solidFill>
-                        </a:rPr>
-                        <a:t>- 5</a:t>
-                      </a:r>
-                      <a:r>
-                        <a:rPr lang="ko-KR" altLang="en-US" sz="800" dirty="0">
-                          <a:solidFill>
-                            <a:schemeClr val="tx1"/>
-                          </a:solidFill>
-                        </a:rPr>
-                        <a:t>개 채널 </a:t>
-                      </a:r>
-                      <a:r>
-                        <a:rPr lang="en-US" altLang="ko-KR" sz="800" dirty="0">
-                          <a:solidFill>
-                            <a:schemeClr val="tx1"/>
-                          </a:solidFill>
-                        </a:rPr>
-                        <a:t>60,000</a:t>
-                      </a:r>
-                      <a:r>
-                        <a:rPr lang="ko-KR" altLang="en-US" sz="800" dirty="0">
-                          <a:solidFill>
-                            <a:schemeClr val="tx1"/>
-                          </a:solidFill>
-                        </a:rPr>
-                        <a:t>건 </a:t>
-                      </a:r>
-                      <a:r>
-                        <a:rPr lang="en-US" altLang="ko-KR" sz="800" dirty="0">
-                          <a:solidFill>
-                            <a:schemeClr val="tx1"/>
-                          </a:solidFill>
-                        </a:rPr>
-                        <a:t>(60Hz 10</a:t>
-                      </a:r>
-                      <a:r>
-                        <a:rPr lang="ko-KR" altLang="en-US" sz="800" dirty="0">
-                          <a:solidFill>
-                            <a:schemeClr val="tx1"/>
-                          </a:solidFill>
-                        </a:rPr>
-                        <a:t>분데이터</a:t>
-                      </a:r>
-                      <a:r>
-                        <a:rPr lang="en-US" altLang="ko-KR" sz="800" dirty="0">
-                          <a:solidFill>
-                            <a:schemeClr val="tx1"/>
-                          </a:solidFill>
-                        </a:rPr>
-                        <a:t>)</a:t>
-                      </a:r>
-                    </a:p>
-                    <a:p>
-                      <a:r>
-                        <a:rPr lang="en-US" altLang="ko-KR" sz="800" dirty="0">
-                          <a:solidFill>
-                            <a:schemeClr val="tx1"/>
-                          </a:solidFill>
-                        </a:rPr>
-                        <a:t>2. Raw data </a:t>
-                      </a:r>
-                      <a:r>
-                        <a:rPr lang="ko-KR" altLang="en-US" sz="800" dirty="0">
-                          <a:solidFill>
-                            <a:schemeClr val="tx1"/>
-                          </a:solidFill>
-                        </a:rPr>
-                        <a:t>통계 </a:t>
-                      </a:r>
-                      <a:r>
-                        <a:rPr lang="en-US" altLang="ko-KR" sz="800" dirty="0">
-                          <a:solidFill>
-                            <a:schemeClr val="tx1"/>
-                          </a:solidFill>
-                        </a:rPr>
-                        <a:t>(.</a:t>
-                      </a:r>
-                      <a:r>
-                        <a:rPr lang="en-US" altLang="ko-KR" sz="800" dirty="0" err="1">
-                          <a:solidFill>
-                            <a:schemeClr val="tx1"/>
-                          </a:solidFill>
-                        </a:rPr>
-                        <a:t>py</a:t>
-                      </a:r>
-                      <a:r>
-                        <a:rPr lang="en-US" altLang="ko-KR" sz="800" dirty="0">
-                          <a:solidFill>
-                            <a:schemeClr val="tx1"/>
-                          </a:solidFill>
-                        </a:rPr>
-                        <a:t>)</a:t>
-                      </a:r>
-                    </a:p>
-                    <a:p>
-                      <a:r>
-                        <a:rPr lang="en-US" altLang="ko-KR" sz="800" dirty="0">
-                          <a:solidFill>
-                            <a:schemeClr val="tx1"/>
-                          </a:solidFill>
-                        </a:rPr>
-                        <a:t>- 5</a:t>
-                      </a:r>
-                      <a:r>
-                        <a:rPr lang="ko-KR" altLang="en-US" sz="800" dirty="0">
-                          <a:solidFill>
-                            <a:schemeClr val="tx1"/>
-                          </a:solidFill>
-                        </a:rPr>
-                        <a:t>개 채널</a:t>
-                      </a:r>
-                      <a:r>
-                        <a:rPr lang="en-US" altLang="ko-KR" sz="800" dirty="0">
-                          <a:solidFill>
-                            <a:schemeClr val="tx1"/>
-                          </a:solidFill>
-                        </a:rPr>
-                        <a:t>, </a:t>
-                      </a:r>
-                      <a:r>
-                        <a:rPr lang="ko-KR" altLang="en-US" sz="800" dirty="0">
-                          <a:solidFill>
-                            <a:schemeClr val="tx1"/>
-                          </a:solidFill>
-                        </a:rPr>
-                        <a:t>평균</a:t>
-                      </a:r>
-                      <a:r>
-                        <a:rPr lang="en-US" altLang="ko-KR" sz="800" dirty="0">
-                          <a:solidFill>
-                            <a:schemeClr val="tx1"/>
-                          </a:solidFill>
-                        </a:rPr>
-                        <a:t>,</a:t>
-                      </a:r>
-                      <a:r>
-                        <a:rPr lang="ko-KR" altLang="en-US" sz="800" dirty="0">
-                          <a:solidFill>
-                            <a:schemeClr val="tx1"/>
-                          </a:solidFill>
-                        </a:rPr>
-                        <a:t>최소</a:t>
-                      </a:r>
-                      <a:r>
-                        <a:rPr lang="en-US" altLang="ko-KR" sz="800" dirty="0">
-                          <a:solidFill>
-                            <a:schemeClr val="tx1"/>
-                          </a:solidFill>
-                        </a:rPr>
-                        <a:t>,</a:t>
-                      </a:r>
-                      <a:r>
-                        <a:rPr lang="ko-KR" altLang="en-US" sz="800" dirty="0">
-                          <a:solidFill>
-                            <a:schemeClr val="tx1"/>
-                          </a:solidFill>
-                        </a:rPr>
-                        <a:t>최대</a:t>
-                      </a:r>
-                      <a:r>
-                        <a:rPr lang="en-US" altLang="ko-KR" sz="800" dirty="0">
-                          <a:solidFill>
-                            <a:schemeClr val="tx1"/>
-                          </a:solidFill>
-                        </a:rPr>
-                        <a:t>,</a:t>
-                      </a:r>
-                      <a:r>
-                        <a:rPr lang="ko-KR" altLang="en-US" sz="800" dirty="0">
-                          <a:solidFill>
-                            <a:schemeClr val="tx1"/>
-                          </a:solidFill>
-                        </a:rPr>
-                        <a:t>표준편차</a:t>
+                        <a:t>에서 분석된 화재 위치 정보</a:t>
                       </a:r>
                       <a:endParaRPr lang="en-US" altLang="ko-KR" sz="800" dirty="0">
                         <a:solidFill>
@@ -6143,7 +5998,23 @@
                             <a:schemeClr val="tx1"/>
                           </a:solidFill>
                         </a:rPr>
-                        <a:t>3. </a:t>
+                        <a:t>- </a:t>
+                      </a:r>
+                      <a:r>
+                        <a:rPr lang="ko-KR" altLang="en-US" sz="800" dirty="0" err="1">
+                          <a:solidFill>
+                            <a:schemeClr val="tx1"/>
+                          </a:solidFill>
+                        </a:rPr>
+                        <a:t>위치순번</a:t>
+                      </a:r>
+                      <a:r>
+                        <a:rPr lang="en-US" altLang="ko-KR" sz="800" dirty="0">
+                          <a:solidFill>
+                            <a:schemeClr val="tx1"/>
+                          </a:solidFill>
+                        </a:rPr>
+                        <a:t>, X, Y, W, H, Confidence * 6</a:t>
                       </a:r>
                       <a:r>
                         <a:rPr lang="ko-KR" altLang="en-US" sz="800" dirty="0">
@@ -6151,7 +6022,7 @@
                             <a:schemeClr val="tx1"/>
                           </a:solidFill>
                         </a:rPr>
-                        <a:t>경사 및 변위 분석</a:t>
+                        <a:t>건</a:t>
                       </a:r>
                       <a:endParaRPr lang="en-US" altLang="ko-KR" sz="800" dirty="0">
                         <a:solidFill>
@@ -6166,265 +6037,15 @@
                             <a:schemeClr val="tx1"/>
                           </a:solidFill>
                         </a:rPr>
-                        <a:t>- 5</a:t>
-                      </a:r>
-                      <a:r>
-                        <a:rPr lang="ko-KR" altLang="en-US" sz="800" dirty="0">
-                          <a:solidFill>
-                            <a:schemeClr val="tx1"/>
-                          </a:solidFill>
-                        </a:rPr>
-                        <a:t>개</a:t>
-                      </a:r>
-                      <a:r>
-                        <a:rPr lang="en-US" altLang="ko-KR" sz="800" dirty="0">
-                          <a:solidFill>
-                            <a:schemeClr val="tx1"/>
-                          </a:solidFill>
-                        </a:rPr>
-                        <a:t>,</a:t>
-                      </a:r>
-                      <a:r>
-                        <a:rPr lang="ko-KR" altLang="en-US" sz="800" dirty="0">
-                          <a:solidFill>
-                            <a:schemeClr val="tx1"/>
-                          </a:solidFill>
-                        </a:rPr>
-                        <a:t> </a:t>
-                      </a:r>
-                      <a:r>
-                        <a:rPr lang="en-US" altLang="ko-KR" sz="800" dirty="0">
-                          <a:solidFill>
-                            <a:schemeClr val="tx1"/>
-                          </a:solidFill>
-                        </a:rPr>
-                        <a:t>3</a:t>
-                      </a:r>
-                      <a:r>
-                        <a:rPr lang="ko-KR" altLang="en-US" sz="800" dirty="0">
-                          <a:solidFill>
-                            <a:schemeClr val="tx1"/>
-                          </a:solidFill>
-                        </a:rPr>
-                        <a:t>개 </a:t>
-                      </a:r>
-                      <a:r>
-                        <a:rPr lang="en-US" altLang="ko-KR" sz="800" dirty="0">
-                          <a:solidFill>
-                            <a:schemeClr val="tx1"/>
-                          </a:solidFill>
-                        </a:rPr>
-                        <a:t>60,000</a:t>
-                      </a:r>
-                      <a:r>
-                        <a:rPr lang="ko-KR" altLang="en-US" sz="800" dirty="0">
-                          <a:solidFill>
-                            <a:schemeClr val="tx1"/>
-                          </a:solidFill>
-                        </a:rPr>
-                        <a:t>건 </a:t>
-                      </a:r>
-                      <a:r>
-                        <a:rPr lang="en-US" altLang="ko-KR" sz="800" dirty="0">
-                          <a:solidFill>
-                            <a:schemeClr val="tx1"/>
-                          </a:solidFill>
-                        </a:rPr>
-                        <a:t>(60Hz 10</a:t>
-                      </a:r>
-                      <a:r>
-                        <a:rPr lang="ko-KR" altLang="en-US" sz="800" dirty="0">
-                          <a:solidFill>
-                            <a:schemeClr val="tx1"/>
-                          </a:solidFill>
-                        </a:rPr>
-                        <a:t>분데이터</a:t>
-                      </a:r>
-                      <a:r>
-                        <a:rPr lang="en-US" altLang="ko-KR" sz="800" dirty="0">
-                          <a:solidFill>
-                            <a:schemeClr val="tx1"/>
-                          </a:solidFill>
-                        </a:rPr>
-                        <a:t>)</a:t>
-                      </a:r>
-                    </a:p>
-                    <a:p>
-                      <a:r>
-                        <a:rPr lang="en-US" altLang="ko-KR" sz="800" dirty="0">
-                          <a:solidFill>
-                            <a:schemeClr val="tx1"/>
-                          </a:solidFill>
-                        </a:rPr>
-                        <a:t>4. </a:t>
-                      </a:r>
-                      <a:r>
-                        <a:rPr lang="ko-KR" altLang="en-US" sz="800" dirty="0">
-                          <a:solidFill>
-                            <a:schemeClr val="tx1"/>
-                          </a:solidFill>
-                        </a:rPr>
-                        <a:t>분석 통계 </a:t>
-                      </a:r>
-                      <a:r>
-                        <a:rPr lang="en-US" altLang="ko-KR" sz="800" dirty="0">
-                          <a:solidFill>
-                            <a:schemeClr val="tx1"/>
-                          </a:solidFill>
-                        </a:rPr>
-                        <a:t>(.</a:t>
-                      </a:r>
-                      <a:r>
-                        <a:rPr lang="en-US" altLang="ko-KR" sz="800" dirty="0" err="1">
-                          <a:solidFill>
-                            <a:schemeClr val="tx1"/>
-                          </a:solidFill>
-                        </a:rPr>
-                        <a:t>py</a:t>
-                      </a:r>
-                      <a:r>
-                        <a:rPr lang="en-US" altLang="ko-KR" sz="800" dirty="0">
-                          <a:solidFill>
-                            <a:schemeClr val="tx1"/>
-                          </a:solidFill>
-                        </a:rPr>
-                        <a:t>)</a:t>
-                      </a:r>
-                    </a:p>
-                    <a:p>
-                      <a:r>
-                        <a:rPr lang="en-US" altLang="ko-KR" sz="800" dirty="0">
-                          <a:solidFill>
-                            <a:schemeClr val="tx1"/>
-                          </a:solidFill>
-                        </a:rPr>
-                        <a:t>- </a:t>
-                      </a:r>
-                      <a:r>
-                        <a:rPr lang="ko-KR" altLang="en-US" sz="800" dirty="0">
-                          <a:solidFill>
-                            <a:schemeClr val="tx1"/>
-                          </a:solidFill>
-                        </a:rPr>
-                        <a:t>경사 및 변위 </a:t>
-                      </a:r>
-                      <a:r>
-                        <a:rPr lang="en-US" altLang="ko-KR" sz="800" dirty="0">
-                          <a:solidFill>
-                            <a:schemeClr val="tx1"/>
-                          </a:solidFill>
-                        </a:rPr>
-                        <a:t>8</a:t>
-                      </a:r>
-                      <a:r>
-                        <a:rPr lang="ko-KR" altLang="en-US" sz="800" dirty="0">
-                          <a:solidFill>
-                            <a:schemeClr val="tx1"/>
-                          </a:solidFill>
-                        </a:rPr>
-                        <a:t>개</a:t>
-                      </a:r>
-                      <a:r>
-                        <a:rPr lang="en-US" altLang="ko-KR" sz="800" dirty="0">
-                          <a:solidFill>
-                            <a:schemeClr val="tx1"/>
-                          </a:solidFill>
-                        </a:rPr>
-                        <a:t> </a:t>
-                      </a:r>
-                      <a:r>
-                        <a:rPr lang="ko-KR" altLang="en-US" sz="800" dirty="0">
-                          <a:solidFill>
-                            <a:schemeClr val="tx1"/>
-                          </a:solidFill>
-                        </a:rPr>
-                        <a:t>평균</a:t>
-                      </a:r>
-                      <a:r>
-                        <a:rPr lang="en-US" altLang="ko-KR" sz="800" dirty="0">
-                          <a:solidFill>
-                            <a:schemeClr val="tx1"/>
-                          </a:solidFill>
-                        </a:rPr>
-                        <a:t>,</a:t>
-                      </a:r>
-                      <a:r>
-                        <a:rPr lang="ko-KR" altLang="en-US" sz="800" dirty="0">
-                          <a:solidFill>
-                            <a:schemeClr val="tx1"/>
-                          </a:solidFill>
-                        </a:rPr>
-                        <a:t>최소</a:t>
-                      </a:r>
-                      <a:r>
-                        <a:rPr lang="en-US" altLang="ko-KR" sz="800" dirty="0">
-                          <a:solidFill>
-                            <a:schemeClr val="tx1"/>
-                          </a:solidFill>
-                        </a:rPr>
-                        <a:t>,</a:t>
-                      </a:r>
-                      <a:r>
-                        <a:rPr lang="ko-KR" altLang="en-US" sz="800" dirty="0">
-                          <a:solidFill>
-                            <a:schemeClr val="tx1"/>
-                          </a:solidFill>
-                        </a:rPr>
-                        <a:t>최대</a:t>
-                      </a:r>
-                      <a:r>
-                        <a:rPr lang="en-US" altLang="ko-KR" sz="800" dirty="0">
-                          <a:solidFill>
-                            <a:schemeClr val="tx1"/>
-                          </a:solidFill>
-                        </a:rPr>
-                        <a:t>,</a:t>
-                      </a:r>
-                      <a:r>
-                        <a:rPr lang="ko-KR" altLang="en-US" sz="800" dirty="0">
-                          <a:solidFill>
-                            <a:schemeClr val="tx1"/>
-                          </a:solidFill>
-                        </a:rPr>
-                        <a:t>표준편차</a:t>
-                      </a:r>
+                        <a:t>2. </a:t>
+                      </a:r>
+                    </a:p>
+                    <a:p>
                       <a:endParaRPr lang="en-US" altLang="ko-KR" sz="800" dirty="0">
                         <a:solidFill>
                           <a:schemeClr val="tx1"/>
                         </a:solidFill>
                       </a:endParaRPr>
-                    </a:p>
-                    <a:p>
-                      <a:r>
-                        <a:rPr lang="en-US" altLang="ko-KR" sz="800" dirty="0"/>
-                        <a:t>5. PC</a:t>
-                      </a:r>
-                      <a:r>
-                        <a:rPr lang="ko-KR" altLang="en-US" sz="800" dirty="0"/>
-                        <a:t>상태</a:t>
-                      </a:r>
-                      <a:endParaRPr lang="en-US" altLang="ko-KR" sz="800" dirty="0"/>
-                    </a:p>
-                    <a:p>
-                      <a:r>
-                        <a:rPr lang="en-US" altLang="ko-KR" sz="800" dirty="0"/>
-                        <a:t>- CPU, RAM, HDD, </a:t>
-                      </a:r>
-                      <a:r>
-                        <a:rPr lang="ko-KR" altLang="en-US" sz="800" dirty="0"/>
-                        <a:t>온도 </a:t>
-                      </a:r>
-                      <a:endParaRPr lang="en-US" altLang="ko-KR" sz="800" dirty="0"/>
-                    </a:p>
-                    <a:p>
-                      <a:r>
-                        <a:rPr lang="en-US" altLang="ko-KR" sz="800" dirty="0">
-                          <a:solidFill>
-                            <a:schemeClr val="tx1"/>
-                          </a:solidFill>
-                        </a:rPr>
-                        <a:t>6. </a:t>
-                      </a:r>
                     </a:p>
                   </a:txBody>
                   <a:tcPr anchor="ctr">
@@ -6502,32 +6123,35 @@
                             <a:schemeClr val="tx1"/>
                           </a:solidFill>
                         </a:rPr>
-                        <a:t>관리 기준치</a:t>
-                      </a:r>
-                      <a:r>
-                        <a:rPr lang="en-US" altLang="ko-KR" sz="800" dirty="0">
-                          <a:solidFill>
-                            <a:schemeClr val="tx1"/>
-                          </a:solidFill>
-                        </a:rPr>
-                        <a:t>, </a:t>
-                      </a:r>
-                      <a:r>
-                        <a:rPr lang="ko-KR" altLang="en-US" sz="800" dirty="0" err="1">
-                          <a:solidFill>
-                            <a:schemeClr val="tx1"/>
-                          </a:solidFill>
-                        </a:rPr>
-                        <a:t>트리거링</a:t>
-                      </a:r>
-                      <a:r>
-                        <a:rPr lang="ko-KR" altLang="en-US" sz="800" dirty="0">
-                          <a:solidFill>
-                            <a:schemeClr val="tx1"/>
-                          </a:solidFill>
-                        </a:rPr>
-                        <a:t> 이벤트 정보</a:t>
-                      </a:r>
+                        <a:t>화재 판단을 위한 </a:t>
+                      </a:r>
+                      <a:r>
+                        <a:rPr lang="en-US" altLang="ko-KR" sz="800" dirty="0">
+                          <a:solidFill>
+                            <a:schemeClr val="tx1"/>
+                          </a:solidFill>
+                        </a:rPr>
+                        <a:t>Threshold</a:t>
+                      </a:r>
+                    </a:p>
+                    <a:p>
+                      <a:pPr marL="0" marR="0" lvl="0" indent="0" algn="l" defTabSz="914400" rtl="0" eaLnBrk="1" fontAlgn="auto" latinLnBrk="1" hangingPunct="1">
+                        <a:lnSpc>
+                          <a:spcPct val="100000"/>
+                        </a:lnSpc>
+                        <a:spcBef>
+                          <a:spcPts val="0"/>
+                        </a:spcBef>
+                        <a:spcAft>
+                          <a:spcPts val="0"/>
+                        </a:spcAft>
+                        <a:buClrTx/>
+                        <a:buSzTx/>
+                        <a:buFontTx/>
+                        <a:buNone/>
+                        <a:tabLst/>
+                        <a:defRPr/>
+                      </a:pPr>
                       <a:endParaRPr lang="en-US" altLang="ko-KR" sz="800" dirty="0">
                         <a:solidFill>
                           <a:schemeClr val="tx1"/>
@@ -6586,15 +6210,7 @@
                             <a:schemeClr val="tx1"/>
                           </a:solidFill>
                         </a:rPr>
-                        <a:t>1. </a:t>
-                      </a:r>
-                      <a:r>
-                        <a:rPr lang="ko-KR" altLang="en-US" sz="800" dirty="0" err="1">
-                          <a:solidFill>
-                            <a:schemeClr val="tx1"/>
-                          </a:solidFill>
-                        </a:rPr>
-                        <a:t>로거</a:t>
+                        <a:t>1. CCTV Streaming</a:t>
                       </a:r>
                       <a:r>
                         <a:rPr lang="ko-KR" altLang="en-US" sz="800" dirty="0">
@@ -6602,58 +6218,7 @@
                             <a:schemeClr val="tx1"/>
                           </a:solidFill>
                         </a:rPr>
-                        <a:t> 통신 </a:t>
-                      </a:r>
-                      <a:r>
-                        <a:rPr lang="en-US" altLang="ko-KR" sz="800" dirty="0">
-                          <a:solidFill>
-                            <a:schemeClr val="tx1"/>
-                          </a:solidFill>
-                        </a:rPr>
-                        <a:t>(??)</a:t>
-                      </a:r>
-                    </a:p>
-                    <a:p>
-                      <a:pPr algn="l" latinLnBrk="1"/>
-                      <a:r>
-                        <a:rPr lang="en-US" altLang="ko-KR" sz="800" dirty="0">
-                          <a:solidFill>
-                            <a:schemeClr val="tx1"/>
-                          </a:solidFill>
-                        </a:rPr>
-                        <a:t>2. </a:t>
-                      </a:r>
-                      <a:r>
-                        <a:rPr lang="ko-KR" altLang="en-US" sz="800" dirty="0" err="1">
-                          <a:solidFill>
-                            <a:schemeClr val="tx1"/>
-                          </a:solidFill>
-                        </a:rPr>
-                        <a:t>데이터로거</a:t>
-                      </a:r>
-                      <a:r>
-                        <a:rPr lang="ko-KR" altLang="en-US" sz="800" dirty="0">
-                          <a:solidFill>
-                            <a:schemeClr val="tx1"/>
-                          </a:solidFill>
-                        </a:rPr>
-                        <a:t> </a:t>
-                      </a:r>
-                      <a:r>
-                        <a:rPr lang="en-US" altLang="ko-KR" sz="800" dirty="0">
-                          <a:solidFill>
-                            <a:schemeClr val="tx1"/>
-                          </a:solidFill>
-                        </a:rPr>
-                        <a:t>raw data </a:t>
-                      </a:r>
-                      <a:r>
-                        <a:rPr lang="ko-KR" altLang="en-US" sz="800" dirty="0">
-                          <a:solidFill>
-                            <a:schemeClr val="tx1"/>
-                          </a:solidFill>
-                        </a:rPr>
-                        <a:t>생성</a:t>
+                        <a:t> 정상 여부</a:t>
                       </a:r>
                       <a:endParaRPr lang="en-US" altLang="ko-KR" sz="800" dirty="0">
                         <a:solidFill>
@@ -6662,20 +6227,26 @@
                       </a:endParaRPr>
                     </a:p>
                     <a:p>
-                      <a:pPr algn="l" latinLnBrk="1"/>
-                      <a:r>
-                        <a:rPr lang="en-US" altLang="ko-KR" sz="800" dirty="0">
-                          <a:solidFill>
-                            <a:schemeClr val="tx1"/>
-                          </a:solidFill>
-                        </a:rPr>
-                        <a:t>3.  </a:t>
-                      </a:r>
-                      <a:endParaRPr lang="ko-KR" altLang="en-US" sz="800" dirty="0">
-                        <a:solidFill>
-                          <a:schemeClr val="tx1"/>
-                        </a:solidFill>
-                      </a:endParaRPr>
+                      <a:r>
+                        <a:rPr lang="en-US" altLang="ko-KR" sz="800" dirty="0"/>
+                        <a:t>2. PC</a:t>
+                      </a:r>
+                      <a:r>
+                        <a:rPr lang="ko-KR" altLang="en-US" sz="800" dirty="0"/>
+                        <a:t>상태</a:t>
+                      </a:r>
+                      <a:endParaRPr lang="en-US" altLang="ko-KR" sz="800" dirty="0"/>
+                    </a:p>
+                    <a:p>
+                      <a:r>
+                        <a:rPr lang="en-US" altLang="ko-KR" sz="800" dirty="0"/>
+                        <a:t>- CPU, RAM, HDD, </a:t>
+                      </a:r>
+                      <a:r>
+                        <a:rPr lang="ko-KR" altLang="en-US" sz="800" dirty="0"/>
+                        <a:t>온도 </a:t>
+                      </a:r>
+                      <a:endParaRPr lang="en-US" altLang="ko-KR" sz="800" dirty="0"/>
                     </a:p>
                   </a:txBody>
                   <a:tcPr anchor="ctr">

--- a/데이터요소추출을위한검토.pptx
+++ b/데이터요소추출을위한검토.pptx
@@ -3342,14 +3342,14 @@
           <p:nvPr>
             <p:extLst>
               <p:ext uri="{D42A27DB-BD31-4B8C-83A1-F6EECF244321}">
-                <p14:modId xmlns:p14="http://schemas.microsoft.com/office/powerpoint/2010/main" val="4196427302"/>
+                <p14:modId xmlns:p14="http://schemas.microsoft.com/office/powerpoint/2010/main" val="2397478500"/>
               </p:ext>
             </p:extLst>
           </p:nvPr>
         </p:nvGraphicFramePr>
         <p:xfrm>
           <a:off x="233082" y="522442"/>
-          <a:ext cx="11734800" cy="2425776"/>
+          <a:ext cx="11734800" cy="4262992"/>
         </p:xfrm>
         <a:graphic>
           <a:graphicData uri="http://schemas.openxmlformats.org/drawingml/2006/table">
@@ -3358,28 +3358,28 @@
                 <a:tableStyleId>{5940675A-B579-460E-94D1-54222C63F5DA}</a:tableStyleId>
               </a:tblPr>
               <a:tblGrid>
-                <a:gridCol w="855950">
+                <a:gridCol w="658458">
                   <a:extLst>
                     <a:ext uri="{9D8B030D-6E8A-4147-A177-3AD203B41FA5}">
                       <a16:colId xmlns:a16="http://schemas.microsoft.com/office/drawing/2014/main" val="2289714061"/>
                     </a:ext>
                   </a:extLst>
                 </a:gridCol>
-                <a:gridCol w="2629976">
+                <a:gridCol w="2667000">
                   <a:extLst>
                     <a:ext uri="{9D8B030D-6E8A-4147-A177-3AD203B41FA5}">
                       <a16:colId xmlns:a16="http://schemas.microsoft.com/office/drawing/2014/main" val="3074322668"/>
                     </a:ext>
                   </a:extLst>
                 </a:gridCol>
-                <a:gridCol w="2850866">
+                <a:gridCol w="3215640">
                   <a:extLst>
                     <a:ext uri="{9D8B030D-6E8A-4147-A177-3AD203B41FA5}">
                       <a16:colId xmlns:a16="http://schemas.microsoft.com/office/drawing/2014/main" val="1798977469"/>
                     </a:ext>
                   </a:extLst>
                 </a:gridCol>
-                <a:gridCol w="2699004">
+                <a:gridCol w="2494698">
                   <a:extLst>
                     <a:ext uri="{9D8B030D-6E8A-4147-A177-3AD203B41FA5}">
                       <a16:colId xmlns:a16="http://schemas.microsoft.com/office/drawing/2014/main" val="1643037011"/>
@@ -3448,6 +3448,11 @@
                       <a:headEnd type="none" w="med" len="med"/>
                       <a:tailEnd type="none" w="med" len="med"/>
                     </a:lnB>
+                    <a:solidFill>
+                      <a:schemeClr val="bg1">
+                        <a:lumMod val="75000"/>
+                      </a:schemeClr>
+                    </a:solidFill>
                   </a:tcPr>
                 </a:tc>
                 <a:tc>
@@ -3519,6 +3524,11 @@
                       <a:headEnd type="none" w="med" len="med"/>
                       <a:tailEnd type="none" w="med" len="med"/>
                     </a:lnB>
+                    <a:solidFill>
+                      <a:schemeClr val="bg1">
+                        <a:lumMod val="75000"/>
+                      </a:schemeClr>
+                    </a:solidFill>
                   </a:tcPr>
                 </a:tc>
                 <a:tc>
@@ -3574,6 +3584,11 @@
                       <a:headEnd type="none" w="med" len="med"/>
                       <a:tailEnd type="none" w="med" len="med"/>
                     </a:lnB>
+                    <a:solidFill>
+                      <a:schemeClr val="bg1">
+                        <a:lumMod val="75000"/>
+                      </a:schemeClr>
+                    </a:solidFill>
                   </a:tcPr>
                 </a:tc>
                 <a:tc>
@@ -3629,6 +3644,11 @@
                       <a:headEnd type="none" w="med" len="med"/>
                       <a:tailEnd type="none" w="med" len="med"/>
                     </a:lnB>
+                    <a:solidFill>
+                      <a:schemeClr val="bg1">
+                        <a:lumMod val="75000"/>
+                      </a:schemeClr>
+                    </a:solidFill>
                   </a:tcPr>
                 </a:tc>
                 <a:tc>
@@ -3700,6 +3720,11 @@
                       <a:headEnd type="none" w="med" len="med"/>
                       <a:tailEnd type="none" w="med" len="med"/>
                     </a:lnB>
+                    <a:solidFill>
+                      <a:schemeClr val="bg1">
+                        <a:lumMod val="75000"/>
+                      </a:schemeClr>
+                    </a:solidFill>
                   </a:tcPr>
                 </a:tc>
                 <a:extLst>
@@ -3714,20 +3739,15 @@
                     <a:bodyPr/>
                     <a:lstStyle/>
                     <a:p>
-                      <a:pPr algn="l" latinLnBrk="1"/>
-                      <a:r>
-                        <a:rPr lang="en-US" altLang="ko-KR" sz="800" dirty="0">
-                          <a:solidFill>
-                            <a:schemeClr val="tx1"/>
-                          </a:solidFill>
-                        </a:rPr>
-                        <a:t>Data logger</a:t>
-                      </a:r>
-                      <a:endParaRPr lang="ko-KR" altLang="en-US" sz="800" dirty="0">
-                        <a:solidFill>
-                          <a:schemeClr val="tx1"/>
-                        </a:solidFill>
-                      </a:endParaRPr>
+                      <a:pPr algn="ctr" latinLnBrk="1"/>
+                      <a:r>
+                        <a:rPr lang="ko-KR" altLang="en-US" sz="800" dirty="0">
+                          <a:solidFill>
+                            <a:schemeClr val="tx1"/>
+                          </a:solidFill>
+                        </a:rPr>
+                        <a:t>노후감시</a:t>
+                      </a:r>
                     </a:p>
                   </a:txBody>
                   <a:tcPr anchor="ctr">
@@ -3774,485 +3794,234 @@
                     <a:bodyPr/>
                     <a:lstStyle/>
                     <a:p>
+                      <a:r>
+                        <a:rPr lang="en-US" altLang="ko-KR" sz="800" dirty="0">
+                          <a:solidFill>
+                            <a:schemeClr val="tx1"/>
+                          </a:solidFill>
+                        </a:rPr>
+                        <a:t>1. </a:t>
+                      </a:r>
+                      <a:r>
+                        <a:rPr lang="ko-KR" altLang="en-US" sz="800" dirty="0">
+                          <a:solidFill>
+                            <a:schemeClr val="tx1"/>
+                          </a:solidFill>
+                        </a:rPr>
+                        <a:t>통계 데이터 </a:t>
+                      </a:r>
+                      <a:r>
+                        <a:rPr lang="en-US" altLang="ko-KR" sz="800" dirty="0">
+                          <a:solidFill>
+                            <a:schemeClr val="tx1"/>
+                          </a:solidFill>
+                        </a:rPr>
+                        <a:t>form Raw data (.csv)</a:t>
+                      </a:r>
+                    </a:p>
+                    <a:p>
+                      <a:r>
+                        <a:rPr lang="en-US" altLang="ko-KR" sz="800" dirty="0">
+                          <a:solidFill>
+                            <a:schemeClr val="tx1"/>
+                          </a:solidFill>
+                        </a:rPr>
+                        <a:t>- 5</a:t>
+                      </a:r>
+                      <a:r>
+                        <a:rPr lang="ko-KR" altLang="en-US" sz="800" dirty="0">
+                          <a:solidFill>
+                            <a:schemeClr val="tx1"/>
+                          </a:solidFill>
+                        </a:rPr>
+                        <a:t>개 채널 </a:t>
+                      </a:r>
+                      <a:r>
+                        <a:rPr lang="en-US" altLang="ko-KR" sz="800" dirty="0">
+                          <a:solidFill>
+                            <a:schemeClr val="tx1"/>
+                          </a:solidFill>
+                        </a:rPr>
+                        <a:t>60,000</a:t>
+                      </a:r>
+                      <a:r>
+                        <a:rPr lang="ko-KR" altLang="en-US" sz="800" dirty="0">
+                          <a:solidFill>
+                            <a:schemeClr val="tx1"/>
+                          </a:solidFill>
+                        </a:rPr>
+                        <a:t>건 </a:t>
+                      </a:r>
+                      <a:r>
+                        <a:rPr lang="en-US" altLang="ko-KR" sz="800" dirty="0">
+                          <a:solidFill>
+                            <a:schemeClr val="tx1"/>
+                          </a:solidFill>
+                        </a:rPr>
+                        <a:t>(60Hz 10</a:t>
+                      </a:r>
+                      <a:r>
+                        <a:rPr lang="ko-KR" altLang="en-US" sz="800" dirty="0">
+                          <a:solidFill>
+                            <a:schemeClr val="tx1"/>
+                          </a:solidFill>
+                        </a:rPr>
+                        <a:t>분데이터</a:t>
+                      </a:r>
+                      <a:r>
+                        <a:rPr lang="en-US" altLang="ko-KR" sz="800" dirty="0">
+                          <a:solidFill>
+                            <a:schemeClr val="tx1"/>
+                          </a:solidFill>
+                        </a:rPr>
+                        <a:t>)</a:t>
+                      </a:r>
+                    </a:p>
+                    <a:p>
+                      <a:r>
+                        <a:rPr lang="en-US" altLang="ko-KR" sz="800" dirty="0">
+                          <a:solidFill>
+                            <a:schemeClr val="tx1"/>
+                          </a:solidFill>
+                        </a:rPr>
+                        <a:t>2. Raw data </a:t>
+                      </a:r>
+                      <a:r>
+                        <a:rPr lang="ko-KR" altLang="en-US" sz="800" dirty="0">
+                          <a:solidFill>
+                            <a:schemeClr val="tx1"/>
+                          </a:solidFill>
+                        </a:rPr>
+                        <a:t>통계 </a:t>
+                      </a:r>
+                      <a:r>
+                        <a:rPr lang="en-US" altLang="ko-KR" sz="800" dirty="0">
+                          <a:solidFill>
+                            <a:schemeClr val="tx1"/>
+                          </a:solidFill>
+                        </a:rPr>
+                        <a:t>(.</a:t>
+                      </a:r>
+                      <a:r>
+                        <a:rPr lang="en-US" altLang="ko-KR" sz="800" dirty="0" err="1">
+                          <a:solidFill>
+                            <a:schemeClr val="tx1"/>
+                          </a:solidFill>
+                        </a:rPr>
+                        <a:t>py</a:t>
+                      </a:r>
+                      <a:r>
+                        <a:rPr lang="en-US" altLang="ko-KR" sz="800" dirty="0">
+                          <a:solidFill>
+                            <a:schemeClr val="tx1"/>
+                          </a:solidFill>
+                        </a:rPr>
+                        <a:t>)</a:t>
+                      </a:r>
+                    </a:p>
+                    <a:p>
+                      <a:r>
+                        <a:rPr lang="en-US" altLang="ko-KR" sz="800" dirty="0">
+                          <a:solidFill>
+                            <a:schemeClr val="tx1"/>
+                          </a:solidFill>
+                        </a:rPr>
+                        <a:t>- 5</a:t>
+                      </a:r>
+                      <a:r>
+                        <a:rPr lang="ko-KR" altLang="en-US" sz="800" dirty="0">
+                          <a:solidFill>
+                            <a:schemeClr val="tx1"/>
+                          </a:solidFill>
+                        </a:rPr>
+                        <a:t>개 채널</a:t>
+                      </a:r>
+                      <a:r>
+                        <a:rPr lang="en-US" altLang="ko-KR" sz="800" dirty="0">
+                          <a:solidFill>
+                            <a:schemeClr val="tx1"/>
+                          </a:solidFill>
+                        </a:rPr>
+                        <a:t>, </a:t>
+                      </a:r>
+                      <a:r>
+                        <a:rPr lang="ko-KR" altLang="en-US" sz="800" dirty="0">
+                          <a:solidFill>
+                            <a:schemeClr val="tx1"/>
+                          </a:solidFill>
+                        </a:rPr>
+                        <a:t>평균</a:t>
+                      </a:r>
+                      <a:r>
+                        <a:rPr lang="en-US" altLang="ko-KR" sz="800" dirty="0">
+                          <a:solidFill>
+                            <a:schemeClr val="tx1"/>
+                          </a:solidFill>
+                        </a:rPr>
+                        <a:t>,</a:t>
+                      </a:r>
+                      <a:r>
+                        <a:rPr lang="ko-KR" altLang="en-US" sz="800" dirty="0">
+                          <a:solidFill>
+                            <a:schemeClr val="tx1"/>
+                          </a:solidFill>
+                        </a:rPr>
+                        <a:t>최소</a:t>
+                      </a:r>
+                      <a:r>
+                        <a:rPr lang="en-US" altLang="ko-KR" sz="800" dirty="0">
+                          <a:solidFill>
+                            <a:schemeClr val="tx1"/>
+                          </a:solidFill>
+                        </a:rPr>
+                        <a:t>,</a:t>
+                      </a:r>
+                      <a:r>
+                        <a:rPr lang="ko-KR" altLang="en-US" sz="800" dirty="0">
+                          <a:solidFill>
+                            <a:schemeClr val="tx1"/>
+                          </a:solidFill>
+                        </a:rPr>
+                        <a:t>최대</a:t>
+                      </a:r>
+                      <a:r>
+                        <a:rPr lang="en-US" altLang="ko-KR" sz="800" dirty="0">
+                          <a:solidFill>
+                            <a:schemeClr val="tx1"/>
+                          </a:solidFill>
+                        </a:rPr>
+                        <a:t>,</a:t>
+                      </a:r>
+                      <a:r>
+                        <a:rPr lang="ko-KR" altLang="en-US" sz="800" dirty="0">
+                          <a:solidFill>
+                            <a:schemeClr val="tx1"/>
+                          </a:solidFill>
+                        </a:rPr>
+                        <a:t>표준편차</a:t>
+                      </a:r>
                       <a:endParaRPr lang="en-US" altLang="ko-KR" sz="800" dirty="0">
                         <a:solidFill>
                           <a:schemeClr val="tx1"/>
                         </a:solidFill>
                       </a:endParaRPr>
                     </a:p>
-                  </a:txBody>
-                  <a:tcPr anchor="ctr">
-                    <a:lnL w="3175" cap="flat" cmpd="sng" algn="ctr">
-                      <a:solidFill>
-                        <a:schemeClr val="tx1"/>
-                      </a:solidFill>
-                      <a:prstDash val="solid"/>
-                      <a:round/>
-                      <a:headEnd type="none" w="med" len="med"/>
-                      <a:tailEnd type="none" w="med" len="med"/>
-                    </a:lnL>
-                    <a:lnR w="3175" cap="flat" cmpd="sng" algn="ctr">
-                      <a:solidFill>
-                        <a:schemeClr val="tx1"/>
-                      </a:solidFill>
-                      <a:prstDash val="solid"/>
-                      <a:round/>
-                      <a:headEnd type="none" w="med" len="med"/>
-                      <a:tailEnd type="none" w="med" len="med"/>
-                    </a:lnR>
-                    <a:lnT w="3175" cap="flat" cmpd="sng" algn="ctr">
-                      <a:solidFill>
-                        <a:schemeClr val="tx1"/>
-                      </a:solidFill>
-                      <a:prstDash val="solid"/>
-                      <a:round/>
-                      <a:headEnd type="none" w="med" len="med"/>
-                      <a:tailEnd type="none" w="med" len="med"/>
-                    </a:lnT>
-                    <a:lnB w="3175" cap="flat" cmpd="sng" algn="ctr">
-                      <a:solidFill>
-                        <a:schemeClr val="tx1"/>
-                      </a:solidFill>
-                      <a:prstDash val="solid"/>
-                      <a:round/>
-                      <a:headEnd type="none" w="med" len="med"/>
-                      <a:tailEnd type="none" w="med" len="med"/>
-                    </a:lnB>
-                  </a:tcPr>
-                </a:tc>
-                <a:tc>
-                  <a:txBody>
-                    <a:bodyPr/>
-                    <a:lstStyle/>
-                    <a:p>
-                      <a:pPr algn="l" latinLnBrk="1"/>
-                      <a:endParaRPr lang="ko-KR" altLang="en-US" sz="800" dirty="0">
-                        <a:solidFill>
-                          <a:schemeClr val="tx1"/>
-                        </a:solidFill>
-                      </a:endParaRPr>
-                    </a:p>
-                  </a:txBody>
-                  <a:tcPr anchor="ctr">
-                    <a:lnL w="3175" cap="flat" cmpd="sng" algn="ctr">
-                      <a:solidFill>
-                        <a:schemeClr val="tx1"/>
-                      </a:solidFill>
-                      <a:prstDash val="solid"/>
-                      <a:round/>
-                      <a:headEnd type="none" w="med" len="med"/>
-                      <a:tailEnd type="none" w="med" len="med"/>
-                    </a:lnL>
-                    <a:lnR w="3175" cap="flat" cmpd="sng" algn="ctr">
-                      <a:solidFill>
-                        <a:schemeClr val="tx1"/>
-                      </a:solidFill>
-                      <a:prstDash val="solid"/>
-                      <a:round/>
-                      <a:headEnd type="none" w="med" len="med"/>
-                      <a:tailEnd type="none" w="med" len="med"/>
-                    </a:lnR>
-                    <a:lnT w="3175" cap="flat" cmpd="sng" algn="ctr">
-                      <a:solidFill>
-                        <a:schemeClr val="tx1"/>
-                      </a:solidFill>
-                      <a:prstDash val="solid"/>
-                      <a:round/>
-                      <a:headEnd type="none" w="med" len="med"/>
-                      <a:tailEnd type="none" w="med" len="med"/>
-                    </a:lnT>
-                    <a:lnB w="3175" cap="flat" cmpd="sng" algn="ctr">
-                      <a:solidFill>
-                        <a:schemeClr val="tx1"/>
-                      </a:solidFill>
-                      <a:prstDash val="solid"/>
-                      <a:round/>
-                      <a:headEnd type="none" w="med" len="med"/>
-                      <a:tailEnd type="none" w="med" len="med"/>
-                    </a:lnB>
-                  </a:tcPr>
-                </a:tc>
-                <a:tc>
-                  <a:txBody>
-                    <a:bodyPr/>
-                    <a:lstStyle/>
-                    <a:p>
-                      <a:pPr algn="l" latinLnBrk="1"/>
-                      <a:endParaRPr lang="ko-KR" altLang="en-US" sz="800" dirty="0">
-                        <a:solidFill>
-                          <a:schemeClr val="tx1"/>
-                        </a:solidFill>
-                      </a:endParaRPr>
-                    </a:p>
-                  </a:txBody>
-                  <a:tcPr anchor="ctr">
-                    <a:lnL w="3175" cap="flat" cmpd="sng" algn="ctr">
-                      <a:solidFill>
-                        <a:schemeClr val="tx1"/>
-                      </a:solidFill>
-                      <a:prstDash val="solid"/>
-                      <a:round/>
-                      <a:headEnd type="none" w="med" len="med"/>
-                      <a:tailEnd type="none" w="med" len="med"/>
-                    </a:lnL>
-                    <a:lnR w="3175" cap="flat" cmpd="sng" algn="ctr">
-                      <a:solidFill>
-                        <a:schemeClr val="tx1"/>
-                      </a:solidFill>
-                      <a:prstDash val="solid"/>
-                      <a:round/>
-                      <a:headEnd type="none" w="med" len="med"/>
-                      <a:tailEnd type="none" w="med" len="med"/>
-                    </a:lnR>
-                    <a:lnT w="3175" cap="flat" cmpd="sng" algn="ctr">
-                      <a:solidFill>
-                        <a:schemeClr val="tx1"/>
-                      </a:solidFill>
-                      <a:prstDash val="solid"/>
-                      <a:round/>
-                      <a:headEnd type="none" w="med" len="med"/>
-                      <a:tailEnd type="none" w="med" len="med"/>
-                    </a:lnT>
-                    <a:lnB w="3175" cap="flat" cmpd="sng" algn="ctr">
-                      <a:solidFill>
-                        <a:schemeClr val="tx1"/>
-                      </a:solidFill>
-                      <a:prstDash val="solid"/>
-                      <a:round/>
-                      <a:headEnd type="none" w="med" len="med"/>
-                      <a:tailEnd type="none" w="med" len="med"/>
-                    </a:lnB>
-                  </a:tcPr>
-                </a:tc>
-                <a:tc>
-                  <a:txBody>
-                    <a:bodyPr/>
-                    <a:lstStyle/>
-                    <a:p>
-                      <a:pPr algn="l" latinLnBrk="1"/>
-                      <a:endParaRPr lang="ko-KR" altLang="en-US" sz="800" dirty="0">
-                        <a:solidFill>
-                          <a:schemeClr val="tx1"/>
-                        </a:solidFill>
-                      </a:endParaRPr>
-                    </a:p>
-                  </a:txBody>
-                  <a:tcPr anchor="ctr">
-                    <a:lnL w="3175" cap="flat" cmpd="sng" algn="ctr">
-                      <a:solidFill>
-                        <a:schemeClr val="tx1"/>
-                      </a:solidFill>
-                      <a:prstDash val="solid"/>
-                      <a:round/>
-                      <a:headEnd type="none" w="med" len="med"/>
-                      <a:tailEnd type="none" w="med" len="med"/>
-                    </a:lnL>
-                    <a:lnR w="3175" cap="flat" cmpd="sng" algn="ctr">
-                      <a:solidFill>
-                        <a:schemeClr val="tx1"/>
-                      </a:solidFill>
-                      <a:prstDash val="solid"/>
-                      <a:round/>
-                      <a:headEnd type="none" w="med" len="med"/>
-                      <a:tailEnd type="none" w="med" len="med"/>
-                    </a:lnR>
-                    <a:lnT w="3175" cap="flat" cmpd="sng" algn="ctr">
-                      <a:solidFill>
-                        <a:schemeClr val="tx1"/>
-                      </a:solidFill>
-                      <a:prstDash val="solid"/>
-                      <a:round/>
-                      <a:headEnd type="none" w="med" len="med"/>
-                      <a:tailEnd type="none" w="med" len="med"/>
-                    </a:lnT>
-                    <a:lnB w="3175" cap="flat" cmpd="sng" algn="ctr">
-                      <a:solidFill>
-                        <a:schemeClr val="tx1"/>
-                      </a:solidFill>
-                      <a:prstDash val="solid"/>
-                      <a:round/>
-                      <a:headEnd type="none" w="med" len="med"/>
-                      <a:tailEnd type="none" w="med" len="med"/>
-                    </a:lnB>
-                  </a:tcPr>
-                </a:tc>
-                <a:extLst>
-                  <a:ext uri="{0D108BD9-81ED-4DB2-BD59-A6C34878D82A}">
-                    <a16:rowId xmlns:a16="http://schemas.microsoft.com/office/drawing/2014/main" val="472322096"/>
-                  </a:ext>
-                </a:extLst>
-              </a:tr>
-              <a:tr h="331072">
-                <a:tc>
-                  <a:txBody>
-                    <a:bodyPr/>
-                    <a:lstStyle/>
-                    <a:p>
-                      <a:pPr algn="l" latinLnBrk="1"/>
-                      <a:r>
-                        <a:rPr lang="en-US" altLang="ko-KR" sz="800" dirty="0">
-                          <a:solidFill>
-                            <a:schemeClr val="tx1"/>
-                          </a:solidFill>
-                        </a:rPr>
-                        <a:t>Edge platform</a:t>
-                      </a:r>
-                      <a:endParaRPr lang="ko-KR" altLang="en-US" sz="800" dirty="0">
-                        <a:solidFill>
-                          <a:schemeClr val="tx1"/>
-                        </a:solidFill>
-                      </a:endParaRPr>
-                    </a:p>
-                  </a:txBody>
-                  <a:tcPr anchor="ctr">
-                    <a:lnL w="3175" cap="flat" cmpd="sng" algn="ctr">
-                      <a:solidFill>
-                        <a:schemeClr val="tx1"/>
-                      </a:solidFill>
-                      <a:prstDash val="solid"/>
-                      <a:round/>
-                      <a:headEnd type="none" w="med" len="med"/>
-                      <a:tailEnd type="none" w="med" len="med"/>
-                    </a:lnL>
-                    <a:lnR w="3175" cap="flat" cmpd="sng" algn="ctr">
-                      <a:solidFill>
-                        <a:schemeClr val="tx1"/>
-                      </a:solidFill>
-                      <a:prstDash val="solid"/>
-                      <a:round/>
-                      <a:headEnd type="none" w="med" len="med"/>
-                      <a:tailEnd type="none" w="med" len="med"/>
-                    </a:lnR>
-                    <a:lnT w="3175" cap="flat" cmpd="sng" algn="ctr">
-                      <a:solidFill>
-                        <a:schemeClr val="tx1"/>
-                      </a:solidFill>
-                      <a:prstDash val="solid"/>
-                      <a:round/>
-                      <a:headEnd type="none" w="med" len="med"/>
-                      <a:tailEnd type="none" w="med" len="med"/>
-                    </a:lnT>
-                    <a:lnB w="3175" cap="flat" cmpd="sng" algn="ctr">
-                      <a:solidFill>
-                        <a:schemeClr val="tx1"/>
-                      </a:solidFill>
-                      <a:prstDash val="solid"/>
-                      <a:round/>
-                      <a:headEnd type="none" w="med" len="med"/>
-                      <a:tailEnd type="none" w="med" len="med"/>
-                    </a:lnB>
-                  </a:tcPr>
-                </a:tc>
-                <a:tc>
-                  <a:txBody>
-                    <a:bodyPr/>
-                    <a:lstStyle/>
-                    <a:p>
-                      <a:r>
-                        <a:rPr lang="en-US" altLang="ko-KR" sz="800" dirty="0">
-                          <a:solidFill>
-                            <a:schemeClr val="tx1"/>
-                          </a:solidFill>
-                        </a:rPr>
-                        <a:t>1. </a:t>
-                      </a:r>
-                      <a:r>
-                        <a:rPr lang="ko-KR" altLang="en-US" sz="800" dirty="0">
-                          <a:solidFill>
-                            <a:schemeClr val="tx1"/>
-                          </a:solidFill>
-                        </a:rPr>
-                        <a:t>통계 데이터 </a:t>
-                      </a:r>
-                      <a:r>
-                        <a:rPr lang="en-US" altLang="ko-KR" sz="800" dirty="0">
-                          <a:solidFill>
-                            <a:schemeClr val="tx1"/>
-                          </a:solidFill>
-                        </a:rPr>
-                        <a:t>form Raw data (.csv)</a:t>
-                      </a:r>
-                    </a:p>
-                    <a:p>
-                      <a:r>
-                        <a:rPr lang="en-US" altLang="ko-KR" sz="800" dirty="0">
-                          <a:solidFill>
-                            <a:schemeClr val="tx1"/>
-                          </a:solidFill>
-                        </a:rPr>
-                        <a:t>- 5</a:t>
-                      </a:r>
-                      <a:r>
-                        <a:rPr lang="ko-KR" altLang="en-US" sz="800" dirty="0">
-                          <a:solidFill>
-                            <a:schemeClr val="tx1"/>
-                          </a:solidFill>
-                        </a:rPr>
-                        <a:t>개 채널 </a:t>
-                      </a:r>
-                      <a:r>
-                        <a:rPr lang="en-US" altLang="ko-KR" sz="800" dirty="0">
-                          <a:solidFill>
-                            <a:schemeClr val="tx1"/>
-                          </a:solidFill>
-                        </a:rPr>
-                        <a:t>60,000</a:t>
-                      </a:r>
-                      <a:r>
-                        <a:rPr lang="ko-KR" altLang="en-US" sz="800" dirty="0">
-                          <a:solidFill>
-                            <a:schemeClr val="tx1"/>
-                          </a:solidFill>
-                        </a:rPr>
-                        <a:t>건 </a:t>
-                      </a:r>
-                      <a:r>
-                        <a:rPr lang="en-US" altLang="ko-KR" sz="800" dirty="0">
-                          <a:solidFill>
-                            <a:schemeClr val="tx1"/>
-                          </a:solidFill>
-                        </a:rPr>
-                        <a:t>(60Hz 10</a:t>
-                      </a:r>
-                      <a:r>
-                        <a:rPr lang="ko-KR" altLang="en-US" sz="800" dirty="0">
-                          <a:solidFill>
-                            <a:schemeClr val="tx1"/>
-                          </a:solidFill>
-                        </a:rPr>
-                        <a:t>분데이터</a:t>
-                      </a:r>
-                      <a:r>
-                        <a:rPr lang="en-US" altLang="ko-KR" sz="800" dirty="0">
-                          <a:solidFill>
-                            <a:schemeClr val="tx1"/>
-                          </a:solidFill>
-                        </a:rPr>
-                        <a:t>)</a:t>
-                      </a:r>
-                    </a:p>
-                    <a:p>
-                      <a:r>
-                        <a:rPr lang="en-US" altLang="ko-KR" sz="800" dirty="0">
-                          <a:solidFill>
-                            <a:schemeClr val="tx1"/>
-                          </a:solidFill>
-                        </a:rPr>
-                        <a:t>2. Raw data </a:t>
-                      </a:r>
-                      <a:r>
-                        <a:rPr lang="ko-KR" altLang="en-US" sz="800" dirty="0">
-                          <a:solidFill>
-                            <a:schemeClr val="tx1"/>
-                          </a:solidFill>
-                        </a:rPr>
-                        <a:t>통계 </a:t>
-                      </a:r>
-                      <a:r>
-                        <a:rPr lang="en-US" altLang="ko-KR" sz="800" dirty="0">
-                          <a:solidFill>
-                            <a:schemeClr val="tx1"/>
-                          </a:solidFill>
-                        </a:rPr>
-                        <a:t>(.</a:t>
-                      </a:r>
-                      <a:r>
-                        <a:rPr lang="en-US" altLang="ko-KR" sz="800" dirty="0" err="1">
-                          <a:solidFill>
-                            <a:schemeClr val="tx1"/>
-                          </a:solidFill>
-                        </a:rPr>
-                        <a:t>py</a:t>
-                      </a:r>
-                      <a:r>
-                        <a:rPr lang="en-US" altLang="ko-KR" sz="800" dirty="0">
-                          <a:solidFill>
-                            <a:schemeClr val="tx1"/>
-                          </a:solidFill>
-                        </a:rPr>
-                        <a:t>)</a:t>
-                      </a:r>
-                    </a:p>
-                    <a:p>
-                      <a:r>
-                        <a:rPr lang="en-US" altLang="ko-KR" sz="800" dirty="0">
-                          <a:solidFill>
-                            <a:schemeClr val="tx1"/>
-                          </a:solidFill>
-                        </a:rPr>
-                        <a:t>- 5</a:t>
-                      </a:r>
-                      <a:r>
-                        <a:rPr lang="ko-KR" altLang="en-US" sz="800" dirty="0">
-                          <a:solidFill>
-                            <a:schemeClr val="tx1"/>
-                          </a:solidFill>
-                        </a:rPr>
-                        <a:t>개 채널</a:t>
-                      </a:r>
-                      <a:r>
-                        <a:rPr lang="en-US" altLang="ko-KR" sz="800" dirty="0">
-                          <a:solidFill>
-                            <a:schemeClr val="tx1"/>
-                          </a:solidFill>
-                        </a:rPr>
-                        <a:t>, </a:t>
-                      </a:r>
-                      <a:r>
-                        <a:rPr lang="ko-KR" altLang="en-US" sz="800" dirty="0">
-                          <a:solidFill>
-                            <a:schemeClr val="tx1"/>
-                          </a:solidFill>
-                        </a:rPr>
-                        <a:t>평균</a:t>
-                      </a:r>
-                      <a:r>
-                        <a:rPr lang="en-US" altLang="ko-KR" sz="800" dirty="0">
-                          <a:solidFill>
-                            <a:schemeClr val="tx1"/>
-                          </a:solidFill>
-                        </a:rPr>
-                        <a:t>,</a:t>
-                      </a:r>
-                      <a:r>
-                        <a:rPr lang="ko-KR" altLang="en-US" sz="800" dirty="0">
-                          <a:solidFill>
-                            <a:schemeClr val="tx1"/>
-                          </a:solidFill>
-                        </a:rPr>
-                        <a:t>최소</a:t>
-                      </a:r>
-                      <a:r>
-                        <a:rPr lang="en-US" altLang="ko-KR" sz="800" dirty="0">
-                          <a:solidFill>
-                            <a:schemeClr val="tx1"/>
-                          </a:solidFill>
-                        </a:rPr>
-                        <a:t>,</a:t>
-                      </a:r>
-                      <a:r>
-                        <a:rPr lang="ko-KR" altLang="en-US" sz="800" dirty="0">
-                          <a:solidFill>
-                            <a:schemeClr val="tx1"/>
-                          </a:solidFill>
-                        </a:rPr>
-                        <a:t>최대</a:t>
-                      </a:r>
-                      <a:r>
-                        <a:rPr lang="en-US" altLang="ko-KR" sz="800" dirty="0">
-                          <a:solidFill>
-                            <a:schemeClr val="tx1"/>
-                          </a:solidFill>
-                        </a:rPr>
-                        <a:t>,</a:t>
-                      </a:r>
-                      <a:r>
-                        <a:rPr lang="ko-KR" altLang="en-US" sz="800" dirty="0">
-                          <a:solidFill>
-                            <a:schemeClr val="tx1"/>
-                          </a:solidFill>
-                        </a:rPr>
-                        <a:t>표준편차</a:t>
+                    <a:p>
+                      <a:r>
+                        <a:rPr lang="en-US" altLang="ko-KR" sz="800" dirty="0">
+                          <a:solidFill>
+                            <a:schemeClr val="tx1"/>
+                          </a:solidFill>
+                        </a:rPr>
+                        <a:t>3. </a:t>
+                      </a:r>
+                      <a:r>
+                        <a:rPr lang="ko-KR" altLang="en-US" sz="800" dirty="0">
+                          <a:solidFill>
+                            <a:schemeClr val="tx1"/>
+                          </a:solidFill>
+                        </a:rPr>
+                        <a:t>경사 및 변위 분석</a:t>
                       </a:r>
                       <a:endParaRPr lang="en-US" altLang="ko-KR" sz="800" dirty="0">
                         <a:solidFill>
@@ -4267,15 +4036,227 @@
                             <a:schemeClr val="tx1"/>
                           </a:solidFill>
                         </a:rPr>
-                        <a:t>3. </a:t>
-                      </a:r>
-                      <a:r>
-                        <a:rPr lang="ko-KR" altLang="en-US" sz="800" dirty="0">
-                          <a:solidFill>
-                            <a:schemeClr val="tx1"/>
-                          </a:solidFill>
-                        </a:rPr>
-                        <a:t>경사 및 변위 분석</a:t>
+                        <a:t>- 5</a:t>
+                      </a:r>
+                      <a:r>
+                        <a:rPr lang="ko-KR" altLang="en-US" sz="800" dirty="0">
+                          <a:solidFill>
+                            <a:schemeClr val="tx1"/>
+                          </a:solidFill>
+                        </a:rPr>
+                        <a:t>개</a:t>
+                      </a:r>
+                      <a:r>
+                        <a:rPr lang="en-US" altLang="ko-KR" sz="800" dirty="0">
+                          <a:solidFill>
+                            <a:schemeClr val="tx1"/>
+                          </a:solidFill>
+                        </a:rPr>
+                        <a:t>,</a:t>
+                      </a:r>
+                      <a:r>
+                        <a:rPr lang="ko-KR" altLang="en-US" sz="800" dirty="0">
+                          <a:solidFill>
+                            <a:schemeClr val="tx1"/>
+                          </a:solidFill>
+                        </a:rPr>
+                        <a:t> </a:t>
+                      </a:r>
+                      <a:r>
+                        <a:rPr lang="en-US" altLang="ko-KR" sz="800" dirty="0">
+                          <a:solidFill>
+                            <a:schemeClr val="tx1"/>
+                          </a:solidFill>
+                        </a:rPr>
+                        <a:t>3</a:t>
+                      </a:r>
+                      <a:r>
+                        <a:rPr lang="ko-KR" altLang="en-US" sz="800" dirty="0">
+                          <a:solidFill>
+                            <a:schemeClr val="tx1"/>
+                          </a:solidFill>
+                        </a:rPr>
+                        <a:t>개 </a:t>
+                      </a:r>
+                      <a:r>
+                        <a:rPr lang="en-US" altLang="ko-KR" sz="800" dirty="0">
+                          <a:solidFill>
+                            <a:schemeClr val="tx1"/>
+                          </a:solidFill>
+                        </a:rPr>
+                        <a:t>60,000</a:t>
+                      </a:r>
+                      <a:r>
+                        <a:rPr lang="ko-KR" altLang="en-US" sz="800" dirty="0">
+                          <a:solidFill>
+                            <a:schemeClr val="tx1"/>
+                          </a:solidFill>
+                        </a:rPr>
+                        <a:t>건 </a:t>
+                      </a:r>
+                      <a:r>
+                        <a:rPr lang="en-US" altLang="ko-KR" sz="800" dirty="0">
+                          <a:solidFill>
+                            <a:schemeClr val="tx1"/>
+                          </a:solidFill>
+                        </a:rPr>
+                        <a:t>(60Hz 10</a:t>
+                      </a:r>
+                      <a:r>
+                        <a:rPr lang="ko-KR" altLang="en-US" sz="800" dirty="0">
+                          <a:solidFill>
+                            <a:schemeClr val="tx1"/>
+                          </a:solidFill>
+                        </a:rPr>
+                        <a:t>분데이터</a:t>
+                      </a:r>
+                      <a:r>
+                        <a:rPr lang="en-US" altLang="ko-KR" sz="800" dirty="0">
+                          <a:solidFill>
+                            <a:schemeClr val="tx1"/>
+                          </a:solidFill>
+                        </a:rPr>
+                        <a:t>)</a:t>
+                      </a:r>
+                    </a:p>
+                    <a:p>
+                      <a:r>
+                        <a:rPr lang="en-US" altLang="ko-KR" sz="800" dirty="0">
+                          <a:solidFill>
+                            <a:schemeClr val="tx1"/>
+                          </a:solidFill>
+                        </a:rPr>
+                        <a:t>4. </a:t>
+                      </a:r>
+                      <a:r>
+                        <a:rPr lang="ko-KR" altLang="en-US" sz="800" dirty="0">
+                          <a:solidFill>
+                            <a:schemeClr val="tx1"/>
+                          </a:solidFill>
+                        </a:rPr>
+                        <a:t>분석 통계 </a:t>
+                      </a:r>
+                      <a:r>
+                        <a:rPr lang="en-US" altLang="ko-KR" sz="800" dirty="0">
+                          <a:solidFill>
+                            <a:schemeClr val="tx1"/>
+                          </a:solidFill>
+                        </a:rPr>
+                        <a:t>(.</a:t>
+                      </a:r>
+                      <a:r>
+                        <a:rPr lang="en-US" altLang="ko-KR" sz="800" dirty="0" err="1">
+                          <a:solidFill>
+                            <a:schemeClr val="tx1"/>
+                          </a:solidFill>
+                        </a:rPr>
+                        <a:t>py</a:t>
+                      </a:r>
+                      <a:r>
+                        <a:rPr lang="en-US" altLang="ko-KR" sz="800" dirty="0">
+                          <a:solidFill>
+                            <a:schemeClr val="tx1"/>
+                          </a:solidFill>
+                        </a:rPr>
+                        <a:t>)</a:t>
+                      </a:r>
+                    </a:p>
+                    <a:p>
+                      <a:r>
+                        <a:rPr lang="en-US" altLang="ko-KR" sz="800" dirty="0">
+                          <a:solidFill>
+                            <a:schemeClr val="tx1"/>
+                          </a:solidFill>
+                        </a:rPr>
+                        <a:t>- </a:t>
+                      </a:r>
+                      <a:r>
+                        <a:rPr lang="ko-KR" altLang="en-US" sz="800" dirty="0">
+                          <a:solidFill>
+                            <a:schemeClr val="tx1"/>
+                          </a:solidFill>
+                        </a:rPr>
+                        <a:t>경사 및 변위 </a:t>
+                      </a:r>
+                      <a:r>
+                        <a:rPr lang="en-US" altLang="ko-KR" sz="800" dirty="0">
+                          <a:solidFill>
+                            <a:schemeClr val="tx1"/>
+                          </a:solidFill>
+                        </a:rPr>
+                        <a:t>8</a:t>
+                      </a:r>
+                      <a:r>
+                        <a:rPr lang="ko-KR" altLang="en-US" sz="800" dirty="0">
+                          <a:solidFill>
+                            <a:schemeClr val="tx1"/>
+                          </a:solidFill>
+                        </a:rPr>
+                        <a:t>개</a:t>
+                      </a:r>
+                      <a:r>
+                        <a:rPr lang="en-US" altLang="ko-KR" sz="800" dirty="0">
+                          <a:solidFill>
+                            <a:schemeClr val="tx1"/>
+                          </a:solidFill>
+                        </a:rPr>
+                        <a:t> </a:t>
+                      </a:r>
+                      <a:r>
+                        <a:rPr lang="ko-KR" altLang="en-US" sz="800" dirty="0">
+                          <a:solidFill>
+                            <a:schemeClr val="tx1"/>
+                          </a:solidFill>
+                        </a:rPr>
+                        <a:t>평균</a:t>
+                      </a:r>
+                      <a:r>
+                        <a:rPr lang="en-US" altLang="ko-KR" sz="800" dirty="0">
+                          <a:solidFill>
+                            <a:schemeClr val="tx1"/>
+                          </a:solidFill>
+                        </a:rPr>
+                        <a:t>,</a:t>
+                      </a:r>
+                      <a:r>
+                        <a:rPr lang="ko-KR" altLang="en-US" sz="800" dirty="0">
+                          <a:solidFill>
+                            <a:schemeClr val="tx1"/>
+                          </a:solidFill>
+                        </a:rPr>
+                        <a:t>최소</a:t>
+                      </a:r>
+                      <a:r>
+                        <a:rPr lang="en-US" altLang="ko-KR" sz="800" dirty="0">
+                          <a:solidFill>
+                            <a:schemeClr val="tx1"/>
+                          </a:solidFill>
+                        </a:rPr>
+                        <a:t>,</a:t>
+                      </a:r>
+                      <a:r>
+                        <a:rPr lang="ko-KR" altLang="en-US" sz="800" dirty="0">
+                          <a:solidFill>
+                            <a:schemeClr val="tx1"/>
+                          </a:solidFill>
+                        </a:rPr>
+                        <a:t>최대</a:t>
+                      </a:r>
+                      <a:r>
+                        <a:rPr lang="en-US" altLang="ko-KR" sz="800" dirty="0">
+                          <a:solidFill>
+                            <a:schemeClr val="tx1"/>
+                          </a:solidFill>
+                        </a:rPr>
+                        <a:t>,</a:t>
+                      </a:r>
+                      <a:r>
+                        <a:rPr lang="ko-KR" altLang="en-US" sz="800" dirty="0">
+                          <a:solidFill>
+                            <a:schemeClr val="tx1"/>
+                          </a:solidFill>
+                        </a:rPr>
+                        <a:t>표준편차</a:t>
                       </a:r>
                       <a:endParaRPr lang="en-US" altLang="ko-KR" sz="800" dirty="0">
                         <a:solidFill>
@@ -4284,274 +4265,14 @@
                       </a:endParaRPr>
                     </a:p>
                     <a:p>
-                      <a:r>
-                        <a:rPr lang="en-US" altLang="ko-KR" sz="800" dirty="0">
-                          <a:solidFill>
-                            <a:schemeClr val="tx1"/>
-                          </a:solidFill>
-                        </a:rPr>
-                        <a:t>- 5</a:t>
-                      </a:r>
-                      <a:r>
-                        <a:rPr lang="ko-KR" altLang="en-US" sz="800" dirty="0">
-                          <a:solidFill>
-                            <a:schemeClr val="tx1"/>
-                          </a:solidFill>
-                        </a:rPr>
-                        <a:t>개</a:t>
-                      </a:r>
-                      <a:r>
-                        <a:rPr lang="en-US" altLang="ko-KR" sz="800" dirty="0">
-                          <a:solidFill>
-                            <a:schemeClr val="tx1"/>
-                          </a:solidFill>
-                        </a:rPr>
-                        <a:t>,</a:t>
-                      </a:r>
-                      <a:r>
-                        <a:rPr lang="ko-KR" altLang="en-US" sz="800" dirty="0">
-                          <a:solidFill>
-                            <a:schemeClr val="tx1"/>
-                          </a:solidFill>
-                        </a:rPr>
-                        <a:t> </a:t>
-                      </a:r>
-                      <a:r>
-                        <a:rPr lang="en-US" altLang="ko-KR" sz="800" dirty="0">
-                          <a:solidFill>
-                            <a:schemeClr val="tx1"/>
-                          </a:solidFill>
-                        </a:rPr>
-                        <a:t>3</a:t>
-                      </a:r>
-                      <a:r>
-                        <a:rPr lang="ko-KR" altLang="en-US" sz="800" dirty="0">
-                          <a:solidFill>
-                            <a:schemeClr val="tx1"/>
-                          </a:solidFill>
-                        </a:rPr>
-                        <a:t>개 </a:t>
-                      </a:r>
-                      <a:r>
-                        <a:rPr lang="en-US" altLang="ko-KR" sz="800" dirty="0">
-                          <a:solidFill>
-                            <a:schemeClr val="tx1"/>
-                          </a:solidFill>
-                        </a:rPr>
-                        <a:t>60,000</a:t>
-                      </a:r>
-                      <a:r>
-                        <a:rPr lang="ko-KR" altLang="en-US" sz="800" dirty="0">
-                          <a:solidFill>
-                            <a:schemeClr val="tx1"/>
-                          </a:solidFill>
-                        </a:rPr>
-                        <a:t>건 </a:t>
-                      </a:r>
-                      <a:r>
-                        <a:rPr lang="en-US" altLang="ko-KR" sz="800" dirty="0">
-                          <a:solidFill>
-                            <a:schemeClr val="tx1"/>
-                          </a:solidFill>
-                        </a:rPr>
-                        <a:t>(60Hz 10</a:t>
-                      </a:r>
-                      <a:r>
-                        <a:rPr lang="ko-KR" altLang="en-US" sz="800" dirty="0">
-                          <a:solidFill>
-                            <a:schemeClr val="tx1"/>
-                          </a:solidFill>
-                        </a:rPr>
-                        <a:t>분데이터</a:t>
-                      </a:r>
-                      <a:r>
-                        <a:rPr lang="en-US" altLang="ko-KR" sz="800" dirty="0">
-                          <a:solidFill>
-                            <a:schemeClr val="tx1"/>
-                          </a:solidFill>
-                        </a:rPr>
-                        <a:t>)</a:t>
-                      </a:r>
-                    </a:p>
-                    <a:p>
-                      <a:r>
-                        <a:rPr lang="en-US" altLang="ko-KR" sz="800" dirty="0">
-                          <a:solidFill>
-                            <a:schemeClr val="tx1"/>
-                          </a:solidFill>
-                        </a:rPr>
-                        <a:t>4. </a:t>
-                      </a:r>
-                      <a:r>
-                        <a:rPr lang="ko-KR" altLang="en-US" sz="800" dirty="0">
-                          <a:solidFill>
-                            <a:schemeClr val="tx1"/>
-                          </a:solidFill>
-                        </a:rPr>
-                        <a:t>분석 통계 </a:t>
-                      </a:r>
-                      <a:r>
-                        <a:rPr lang="en-US" altLang="ko-KR" sz="800" dirty="0">
-                          <a:solidFill>
-                            <a:schemeClr val="tx1"/>
-                          </a:solidFill>
-                        </a:rPr>
-                        <a:t>(.</a:t>
-                      </a:r>
-                      <a:r>
-                        <a:rPr lang="en-US" altLang="ko-KR" sz="800" dirty="0" err="1">
-                          <a:solidFill>
-                            <a:schemeClr val="tx1"/>
-                          </a:solidFill>
-                        </a:rPr>
-                        <a:t>py</a:t>
-                      </a:r>
-                      <a:r>
-                        <a:rPr lang="en-US" altLang="ko-KR" sz="800" dirty="0">
-                          <a:solidFill>
-                            <a:schemeClr val="tx1"/>
-                          </a:solidFill>
-                        </a:rPr>
-                        <a:t>)</a:t>
-                      </a:r>
-                    </a:p>
-                    <a:p>
-                      <a:r>
-                        <a:rPr lang="en-US" altLang="ko-KR" sz="800" dirty="0">
-                          <a:solidFill>
-                            <a:schemeClr val="tx1"/>
-                          </a:solidFill>
-                        </a:rPr>
-                        <a:t>- </a:t>
-                      </a:r>
-                      <a:r>
-                        <a:rPr lang="ko-KR" altLang="en-US" sz="800" dirty="0">
-                          <a:solidFill>
-                            <a:schemeClr val="tx1"/>
-                          </a:solidFill>
-                        </a:rPr>
-                        <a:t>경사 및 변위 </a:t>
-                      </a:r>
-                      <a:r>
-                        <a:rPr lang="en-US" altLang="ko-KR" sz="800" dirty="0">
-                          <a:solidFill>
-                            <a:schemeClr val="tx1"/>
-                          </a:solidFill>
-                        </a:rPr>
-                        <a:t>8</a:t>
-                      </a:r>
-                      <a:r>
-                        <a:rPr lang="ko-KR" altLang="en-US" sz="800" dirty="0">
-                          <a:solidFill>
-                            <a:schemeClr val="tx1"/>
-                          </a:solidFill>
-                        </a:rPr>
-                        <a:t>개</a:t>
-                      </a:r>
-                      <a:r>
-                        <a:rPr lang="en-US" altLang="ko-KR" sz="800" dirty="0">
-                          <a:solidFill>
-                            <a:schemeClr val="tx1"/>
-                          </a:solidFill>
-                        </a:rPr>
-                        <a:t> </a:t>
-                      </a:r>
-                      <a:r>
-                        <a:rPr lang="ko-KR" altLang="en-US" sz="800" dirty="0">
-                          <a:solidFill>
-                            <a:schemeClr val="tx1"/>
-                          </a:solidFill>
-                        </a:rPr>
-                        <a:t>평균</a:t>
-                      </a:r>
-                      <a:r>
-                        <a:rPr lang="en-US" altLang="ko-KR" sz="800" dirty="0">
-                          <a:solidFill>
-                            <a:schemeClr val="tx1"/>
-                          </a:solidFill>
-                        </a:rPr>
-                        <a:t>,</a:t>
-                      </a:r>
-                      <a:r>
-                        <a:rPr lang="ko-KR" altLang="en-US" sz="800" dirty="0">
-                          <a:solidFill>
-                            <a:schemeClr val="tx1"/>
-                          </a:solidFill>
-                        </a:rPr>
-                        <a:t>최소</a:t>
-                      </a:r>
-                      <a:r>
-                        <a:rPr lang="en-US" altLang="ko-KR" sz="800" dirty="0">
-                          <a:solidFill>
-                            <a:schemeClr val="tx1"/>
-                          </a:solidFill>
-                        </a:rPr>
-                        <a:t>,</a:t>
-                      </a:r>
-                      <a:r>
-                        <a:rPr lang="ko-KR" altLang="en-US" sz="800" dirty="0">
-                          <a:solidFill>
-                            <a:schemeClr val="tx1"/>
-                          </a:solidFill>
-                        </a:rPr>
-                        <a:t>최대</a:t>
-                      </a:r>
-                      <a:r>
-                        <a:rPr lang="en-US" altLang="ko-KR" sz="800" dirty="0">
-                          <a:solidFill>
-                            <a:schemeClr val="tx1"/>
-                          </a:solidFill>
-                        </a:rPr>
-                        <a:t>,</a:t>
-                      </a:r>
-                      <a:r>
-                        <a:rPr lang="ko-KR" altLang="en-US" sz="800" dirty="0">
-                          <a:solidFill>
-                            <a:schemeClr val="tx1"/>
-                          </a:solidFill>
-                        </a:rPr>
-                        <a:t>표준편차</a:t>
-                      </a:r>
                       <a:endParaRPr lang="en-US" altLang="ko-KR" sz="800" dirty="0">
                         <a:solidFill>
                           <a:schemeClr val="tx1"/>
                         </a:solidFill>
                       </a:endParaRPr>
                     </a:p>
-                    <a:p>
-                      <a:r>
-                        <a:rPr lang="en-US" altLang="ko-KR" sz="800" dirty="0"/>
-                        <a:t>5. PC</a:t>
-                      </a:r>
-                      <a:r>
-                        <a:rPr lang="ko-KR" altLang="en-US" sz="800" dirty="0"/>
-                        <a:t>상태</a:t>
-                      </a:r>
-                      <a:endParaRPr lang="en-US" altLang="ko-KR" sz="800" dirty="0"/>
-                    </a:p>
-                    <a:p>
-                      <a:r>
-                        <a:rPr lang="en-US" altLang="ko-KR" sz="800" dirty="0"/>
-                        <a:t>- CPU, RAM, HDD, </a:t>
-                      </a:r>
-                      <a:r>
-                        <a:rPr lang="ko-KR" altLang="en-US" sz="800" dirty="0"/>
-                        <a:t>온도 </a:t>
-                      </a:r>
-                      <a:endParaRPr lang="en-US" altLang="ko-KR" sz="800" dirty="0"/>
-                    </a:p>
-                    <a:p>
-                      <a:r>
-                        <a:rPr lang="en-US" altLang="ko-KR" sz="800" dirty="0">
-                          <a:solidFill>
-                            <a:schemeClr val="tx1"/>
-                          </a:solidFill>
-                        </a:rPr>
-                        <a:t>6. </a:t>
-                      </a:r>
-                    </a:p>
                   </a:txBody>
-                  <a:tcPr anchor="ctr">
+                  <a:tcPr>
                     <a:lnL w="3175" cap="flat" cmpd="sng" algn="ctr">
                       <a:solidFill>
                         <a:schemeClr val="tx1"/>
@@ -4626,40 +4347,35 @@
                             <a:schemeClr val="tx1"/>
                           </a:solidFill>
                         </a:rPr>
-                        <a:t>관리 기준치</a:t>
-                      </a:r>
-                      <a:r>
-                        <a:rPr lang="en-US" altLang="ko-KR" sz="800" dirty="0">
-                          <a:solidFill>
-                            <a:schemeClr val="tx1"/>
-                          </a:solidFill>
-                        </a:rPr>
-                        <a:t>, </a:t>
-                      </a:r>
-                      <a:r>
-                        <a:rPr lang="ko-KR" altLang="en-US" sz="800" dirty="0" err="1">
-                          <a:solidFill>
-                            <a:schemeClr val="tx1"/>
-                          </a:solidFill>
-                        </a:rPr>
-                        <a:t>트리거링</a:t>
-                      </a:r>
-                      <a:r>
-                        <a:rPr lang="ko-KR" altLang="en-US" sz="800" dirty="0">
-                          <a:solidFill>
-                            <a:schemeClr val="tx1"/>
-                          </a:solidFill>
-                        </a:rPr>
-                        <a:t> 이벤트 정보</a:t>
-                      </a:r>
-                      <a:endParaRPr lang="en-US" altLang="ko-KR" sz="800" dirty="0">
-                        <a:solidFill>
-                          <a:schemeClr val="tx1"/>
-                        </a:solidFill>
-                      </a:endParaRPr>
+                        <a:t>이벤트 정보들</a:t>
+                      </a:r>
+                      <a:r>
+                        <a:rPr lang="en-US" altLang="ko-KR" sz="800" dirty="0">
+                          <a:solidFill>
+                            <a:schemeClr val="tx1"/>
+                          </a:solidFill>
+                        </a:rPr>
+                        <a:t>… </a:t>
+                      </a:r>
+                      <a:r>
+                        <a:rPr lang="ko-KR" altLang="en-US" sz="800" dirty="0">
+                          <a:solidFill>
+                            <a:schemeClr val="tx1"/>
+                          </a:solidFill>
+                        </a:rPr>
+                        <a:t>이벤트 판단에 필요한 분석 데이터</a:t>
+                      </a:r>
+                      <a:r>
+                        <a:rPr lang="en-US" altLang="ko-KR" sz="800" dirty="0">
+                          <a:solidFill>
+                            <a:schemeClr val="tx1"/>
+                          </a:solidFill>
+                        </a:rPr>
+                        <a:t>??</a:t>
+                      </a:r>
                     </a:p>
                   </a:txBody>
-                  <a:tcPr anchor="ctr">
+                  <a:tcPr>
                     <a:lnL w="3175" cap="flat" cmpd="sng" algn="ctr">
                       <a:solidFill>
                         <a:schemeClr val="tx1"/>
@@ -4713,6 +4429,14 @@
                         <a:t>1. </a:t>
                       </a:r>
                       <a:r>
+                        <a:rPr lang="ko-KR" altLang="en-US" sz="800" dirty="0">
+                          <a:solidFill>
+                            <a:schemeClr val="tx1"/>
+                          </a:solidFill>
+                        </a:rPr>
+                        <a:t>데이터 </a:t>
+                      </a:r>
+                      <a:r>
                         <a:rPr lang="ko-KR" altLang="en-US" sz="800" dirty="0" err="1">
                           <a:solidFill>
                             <a:schemeClr val="tx1"/>
@@ -4726,58 +4450,7 @@
                             <a:schemeClr val="tx1"/>
                           </a:solidFill>
                         </a:rPr>
-                        <a:t> 통신 </a:t>
-                      </a:r>
-                      <a:r>
-                        <a:rPr lang="en-US" altLang="ko-KR" sz="800" dirty="0">
-                          <a:solidFill>
-                            <a:schemeClr val="tx1"/>
-                          </a:solidFill>
-                        </a:rPr>
-                        <a:t>(??)</a:t>
-                      </a:r>
-                    </a:p>
-                    <a:p>
-                      <a:pPr algn="l" latinLnBrk="1"/>
-                      <a:r>
-                        <a:rPr lang="en-US" altLang="ko-KR" sz="800" dirty="0">
-                          <a:solidFill>
-                            <a:schemeClr val="tx1"/>
-                          </a:solidFill>
-                        </a:rPr>
-                        <a:t>2. </a:t>
-                      </a:r>
-                      <a:r>
-                        <a:rPr lang="ko-KR" altLang="en-US" sz="800" dirty="0" err="1">
-                          <a:solidFill>
-                            <a:schemeClr val="tx1"/>
-                          </a:solidFill>
-                        </a:rPr>
-                        <a:t>데이터로거</a:t>
-                      </a:r>
-                      <a:r>
-                        <a:rPr lang="ko-KR" altLang="en-US" sz="800" dirty="0">
-                          <a:solidFill>
-                            <a:schemeClr val="tx1"/>
-                          </a:solidFill>
-                        </a:rPr>
-                        <a:t> </a:t>
-                      </a:r>
-                      <a:r>
-                        <a:rPr lang="en-US" altLang="ko-KR" sz="800" dirty="0">
-                          <a:solidFill>
-                            <a:schemeClr val="tx1"/>
-                          </a:solidFill>
-                        </a:rPr>
-                        <a:t>raw data </a:t>
-                      </a:r>
-                      <a:r>
-                        <a:rPr lang="ko-KR" altLang="en-US" sz="800" dirty="0">
-                          <a:solidFill>
-                            <a:schemeClr val="tx1"/>
-                          </a:solidFill>
-                        </a:rPr>
-                        <a:t>생성</a:t>
+                        <a:t> 통신 상태</a:t>
                       </a:r>
                       <a:endParaRPr lang="en-US" altLang="ko-KR" sz="800" dirty="0">
                         <a:solidFill>
@@ -4793,8 +4466,78 @@
                             <a:schemeClr val="tx1"/>
                           </a:solidFill>
                         </a:rPr>
-                        <a:t>3.  </a:t>
-                      </a:r>
+                        <a:t>2. </a:t>
+                      </a:r>
+                      <a:r>
+                        <a:rPr lang="ko-KR" altLang="en-US" sz="800" dirty="0">
+                          <a:solidFill>
+                            <a:schemeClr val="tx1"/>
+                          </a:solidFill>
+                        </a:rPr>
+                        <a:t>데이터 </a:t>
+                      </a:r>
+                      <a:r>
+                        <a:rPr lang="ko-KR" altLang="en-US" sz="800" dirty="0" err="1">
+                          <a:solidFill>
+                            <a:schemeClr val="tx1"/>
+                          </a:solidFill>
+                        </a:rPr>
+                        <a:t>로거</a:t>
+                      </a:r>
+                      <a:r>
+                        <a:rPr lang="ko-KR" altLang="en-US" sz="800" dirty="0">
+                          <a:solidFill>
+                            <a:schemeClr val="tx1"/>
+                          </a:solidFill>
+                        </a:rPr>
+                        <a:t> </a:t>
+                      </a:r>
+                      <a:r>
+                        <a:rPr lang="en-US" altLang="ko-KR" sz="800" dirty="0">
+                          <a:solidFill>
+                            <a:schemeClr val="tx1"/>
+                          </a:solidFill>
+                        </a:rPr>
+                        <a:t>raw data </a:t>
+                      </a:r>
+                      <a:r>
+                        <a:rPr lang="ko-KR" altLang="en-US" sz="800" dirty="0">
+                          <a:solidFill>
+                            <a:schemeClr val="tx1"/>
+                          </a:solidFill>
+                        </a:rPr>
+                        <a:t>생성 상태</a:t>
+                      </a:r>
+                      <a:endParaRPr lang="en-US" altLang="ko-KR" sz="800" dirty="0">
+                        <a:solidFill>
+                          <a:schemeClr val="tx1"/>
+                        </a:solidFill>
+                      </a:endParaRPr>
+                    </a:p>
+                    <a:p>
+                      <a:r>
+                        <a:rPr lang="en-US" altLang="ko-KR" sz="800" dirty="0"/>
+                        <a:t>3. PC</a:t>
+                      </a:r>
+                      <a:r>
+                        <a:rPr lang="ko-KR" altLang="en-US" sz="800" dirty="0"/>
+                        <a:t>상태</a:t>
+                      </a:r>
+                      <a:endParaRPr lang="en-US" altLang="ko-KR" sz="800" dirty="0"/>
+                    </a:p>
+                    <a:p>
+                      <a:r>
+                        <a:rPr lang="en-US" altLang="ko-KR" sz="800" dirty="0"/>
+                        <a:t>- CPU, RAM, HDD, </a:t>
+                      </a:r>
+                      <a:r>
+                        <a:rPr lang="ko-KR" altLang="en-US" sz="800" dirty="0"/>
+                        <a:t>온도 </a:t>
+                      </a:r>
+                      <a:endParaRPr lang="en-US" altLang="ko-KR" sz="800" dirty="0"/>
+                    </a:p>
+                    <a:p>
+                      <a:pPr algn="l" latinLnBrk="1"/>
                       <a:endParaRPr lang="ko-KR" altLang="en-US" sz="800" dirty="0">
                         <a:solidFill>
                           <a:schemeClr val="tx1"/>
@@ -4802,7 +4545,7 @@
                       </a:endParaRPr>
                     </a:p>
                   </a:txBody>
-                  <a:tcPr anchor="ctr">
+                  <a:tcPr>
                     <a:lnL w="3175" cap="flat" cmpd="sng" algn="ctr">
                       <a:solidFill>
                         <a:schemeClr val="tx1"/>
@@ -4847,14 +4590,577 @@
                     <a:lstStyle/>
                     <a:p>
                       <a:pPr algn="l" latinLnBrk="1"/>
-                      <a:endParaRPr lang="ko-KR" altLang="en-US" sz="800" dirty="0">
+                      <a:r>
+                        <a:rPr lang="en-US" altLang="ko-KR" sz="800" b="1" dirty="0">
+                          <a:solidFill>
+                            <a:schemeClr val="tx1"/>
+                          </a:solidFill>
+                        </a:rPr>
+                        <a:t>Tilt, </a:t>
+                      </a:r>
+                      <a:r>
+                        <a:rPr lang="en-US" altLang="ko-KR" sz="800" b="1" dirty="0" err="1">
+                          <a:solidFill>
+                            <a:schemeClr val="tx1"/>
+                          </a:solidFill>
+                        </a:rPr>
+                        <a:t>Disp</a:t>
+                      </a:r>
+                      <a:r>
+                        <a:rPr lang="en-US" altLang="ko-KR" sz="800" b="1" dirty="0">
+                          <a:solidFill>
+                            <a:schemeClr val="tx1"/>
+                          </a:solidFill>
+                        </a:rPr>
+                        <a:t> python INI </a:t>
+                      </a:r>
+                      <a:r>
+                        <a:rPr lang="ko-KR" altLang="en-US" sz="800" b="1" dirty="0">
+                          <a:solidFill>
+                            <a:schemeClr val="tx1"/>
+                          </a:solidFill>
+                        </a:rPr>
+                        <a:t>파일</a:t>
+                      </a:r>
+                      <a:endParaRPr lang="en-US" altLang="ko-KR" sz="800" b="1" dirty="0">
                         <a:solidFill>
                           <a:schemeClr val="tx1"/>
                         </a:solidFill>
                       </a:endParaRPr>
                     </a:p>
+                    <a:p>
+                      <a:pPr algn="l" latinLnBrk="1"/>
+                      <a:r>
+                        <a:rPr lang="en-US" altLang="ko-KR" sz="800" dirty="0">
+                          <a:solidFill>
+                            <a:schemeClr val="tx1"/>
+                          </a:solidFill>
+                        </a:rPr>
+                        <a:t>1. </a:t>
+                      </a:r>
+                      <a:r>
+                        <a:rPr lang="ko-KR" altLang="en-US" sz="800" dirty="0">
+                          <a:solidFill>
+                            <a:schemeClr val="tx1"/>
+                          </a:solidFill>
+                        </a:rPr>
+                        <a:t>경사계 </a:t>
+                      </a:r>
+                      <a:r>
+                        <a:rPr lang="ko-KR" altLang="en-US" sz="800" dirty="0" err="1">
+                          <a:solidFill>
+                            <a:schemeClr val="tx1"/>
+                          </a:solidFill>
+                        </a:rPr>
+                        <a:t>채널별</a:t>
+                      </a:r>
+                      <a:r>
+                        <a:rPr lang="en-US" altLang="ko-KR" sz="800" dirty="0">
+                          <a:solidFill>
+                            <a:schemeClr val="tx1"/>
+                          </a:solidFill>
+                        </a:rPr>
+                        <a:t>(5</a:t>
+                      </a:r>
+                      <a:r>
+                        <a:rPr lang="ko-KR" altLang="en-US" sz="800" dirty="0">
+                          <a:solidFill>
+                            <a:schemeClr val="tx1"/>
+                          </a:solidFill>
+                        </a:rPr>
+                        <a:t>개 채널</a:t>
+                      </a:r>
+                      <a:r>
+                        <a:rPr lang="en-US" altLang="ko-KR" sz="800" dirty="0">
+                          <a:solidFill>
+                            <a:schemeClr val="tx1"/>
+                          </a:solidFill>
+                        </a:rPr>
+                        <a:t>)</a:t>
+                      </a:r>
+                      <a:r>
+                        <a:rPr lang="ko-KR" altLang="en-US" sz="800" dirty="0">
+                          <a:solidFill>
+                            <a:schemeClr val="tx1"/>
+                          </a:solidFill>
+                        </a:rPr>
+                        <a:t> 관련</a:t>
+                      </a:r>
+                      <a:endParaRPr lang="en-US" altLang="ko-KR" sz="800" dirty="0">
+                        <a:solidFill>
+                          <a:schemeClr val="tx1"/>
+                        </a:solidFill>
+                      </a:endParaRPr>
+                    </a:p>
+                    <a:p>
+                      <a:pPr algn="l" latinLnBrk="1"/>
+                      <a:r>
+                        <a:rPr lang="en-US" altLang="ko-KR" sz="800" dirty="0">
+                          <a:solidFill>
+                            <a:schemeClr val="tx1"/>
+                          </a:solidFill>
+                        </a:rPr>
+                        <a:t>- Factor double</a:t>
+                      </a:r>
+                    </a:p>
+                    <a:p>
+                      <a:pPr algn="l" latinLnBrk="1"/>
+                      <a:r>
+                        <a:rPr lang="en-US" altLang="ko-KR" sz="800" dirty="0">
+                          <a:solidFill>
+                            <a:schemeClr val="tx1"/>
+                          </a:solidFill>
+                        </a:rPr>
+                        <a:t>- Tilt Offset double</a:t>
+                      </a:r>
+                    </a:p>
+                    <a:p>
+                      <a:pPr algn="l" latinLnBrk="1"/>
+                      <a:r>
+                        <a:rPr lang="en-US" altLang="ko-KR" sz="800" dirty="0">
+                          <a:solidFill>
+                            <a:schemeClr val="tx1"/>
+                          </a:solidFill>
+                        </a:rPr>
+                        <a:t>- Init Offset double</a:t>
+                      </a:r>
+                    </a:p>
+                    <a:p>
+                      <a:pPr algn="l" latinLnBrk="1"/>
+                      <a:r>
+                        <a:rPr lang="en-US" altLang="ko-KR" sz="800" dirty="0">
+                          <a:solidFill>
+                            <a:schemeClr val="tx1"/>
+                          </a:solidFill>
+                        </a:rPr>
+                        <a:t>- </a:t>
+                      </a:r>
+                      <a:r>
+                        <a:rPr lang="en-US" altLang="ko-KR" sz="800" dirty="0" err="1">
+                          <a:solidFill>
+                            <a:schemeClr val="tx1"/>
+                          </a:solidFill>
+                        </a:rPr>
+                        <a:t>xTilt</a:t>
+                      </a:r>
+                      <a:r>
+                        <a:rPr lang="en-US" altLang="ko-KR" sz="800" dirty="0">
+                          <a:solidFill>
+                            <a:schemeClr val="tx1"/>
+                          </a:solidFill>
+                        </a:rPr>
+                        <a:t> double</a:t>
+                      </a:r>
+                    </a:p>
+                    <a:p>
+                      <a:pPr algn="l" latinLnBrk="1"/>
+                      <a:r>
+                        <a:rPr lang="en-US" altLang="ko-KR" sz="800" dirty="0">
+                          <a:solidFill>
+                            <a:schemeClr val="tx1"/>
+                          </a:solidFill>
+                        </a:rPr>
+                        <a:t>2. </a:t>
+                      </a:r>
+                      <a:r>
+                        <a:rPr lang="en-US" altLang="ko-KR" sz="800" dirty="0" err="1">
+                          <a:solidFill>
+                            <a:schemeClr val="tx1"/>
+                          </a:solidFill>
+                        </a:rPr>
+                        <a:t>xshoe</a:t>
+                      </a:r>
+                      <a:r>
+                        <a:rPr lang="en-US" altLang="ko-KR" sz="800" dirty="0">
+                          <a:solidFill>
+                            <a:schemeClr val="tx1"/>
+                          </a:solidFill>
+                        </a:rPr>
+                        <a:t> double 2</a:t>
+                      </a:r>
+                      <a:r>
+                        <a:rPr lang="ko-KR" altLang="en-US" sz="800" dirty="0">
+                          <a:solidFill>
+                            <a:schemeClr val="tx1"/>
+                          </a:solidFill>
+                        </a:rPr>
+                        <a:t>개</a:t>
+                      </a:r>
+                      <a:endParaRPr lang="en-US" altLang="ko-KR" sz="800" dirty="0">
+                        <a:solidFill>
+                          <a:schemeClr val="tx1"/>
+                        </a:solidFill>
+                      </a:endParaRPr>
+                    </a:p>
+                    <a:p>
+                      <a:pPr algn="l" latinLnBrk="1"/>
+                      <a:r>
+                        <a:rPr lang="en-US" altLang="ko-KR" sz="800" dirty="0">
+                          <a:solidFill>
+                            <a:schemeClr val="tx1"/>
+                          </a:solidFill>
+                        </a:rPr>
+                        <a:t>3. Interpolation 1</a:t>
+                      </a:r>
+                      <a:r>
+                        <a:rPr lang="ko-KR" altLang="en-US" sz="800" dirty="0">
+                          <a:solidFill>
+                            <a:schemeClr val="tx1"/>
+                          </a:solidFill>
+                        </a:rPr>
+                        <a:t>개</a:t>
+                      </a:r>
+                      <a:endParaRPr lang="en-US" altLang="ko-KR" sz="800" dirty="0">
+                        <a:solidFill>
+                          <a:schemeClr val="tx1"/>
+                        </a:solidFill>
+                      </a:endParaRPr>
+                    </a:p>
+                    <a:p>
+                      <a:pPr algn="l" latinLnBrk="1"/>
+                      <a:r>
+                        <a:rPr lang="en-US" altLang="ko-KR" sz="800" dirty="0">
+                          <a:solidFill>
+                            <a:schemeClr val="tx1"/>
+                          </a:solidFill>
+                        </a:rPr>
+                        <a:t>4. Node datafile bool 1</a:t>
+                      </a:r>
+                      <a:r>
+                        <a:rPr lang="ko-KR" altLang="en-US" sz="800" dirty="0">
+                          <a:solidFill>
+                            <a:schemeClr val="tx1"/>
+                          </a:solidFill>
+                        </a:rPr>
+                        <a:t>개</a:t>
+                      </a:r>
+                      <a:endParaRPr lang="en-US" altLang="ko-KR" sz="800" dirty="0">
+                        <a:solidFill>
+                          <a:schemeClr val="tx1"/>
+                        </a:solidFill>
+                      </a:endParaRPr>
+                    </a:p>
+                    <a:p>
+                      <a:pPr algn="l" latinLnBrk="1"/>
+                      <a:r>
+                        <a:rPr lang="en-US" altLang="ko-KR" sz="800" dirty="0">
+                          <a:solidFill>
+                            <a:schemeClr val="tx1"/>
+                          </a:solidFill>
+                        </a:rPr>
+                        <a:t>5. </a:t>
+                      </a:r>
+                      <a:r>
+                        <a:rPr lang="en-US" altLang="ko-KR" sz="800" dirty="0" err="1">
+                          <a:solidFill>
+                            <a:schemeClr val="tx1"/>
+                          </a:solidFill>
+                        </a:rPr>
+                        <a:t>nodedx</a:t>
+                      </a:r>
+                      <a:r>
+                        <a:rPr lang="en-US" altLang="ko-KR" sz="800" dirty="0">
+                          <a:solidFill>
+                            <a:schemeClr val="tx1"/>
+                          </a:solidFill>
+                        </a:rPr>
+                        <a:t> double</a:t>
+                      </a:r>
+                      <a:r>
+                        <a:rPr lang="ko-KR" altLang="en-US" sz="800" dirty="0">
+                          <a:solidFill>
+                            <a:schemeClr val="tx1"/>
+                          </a:solidFill>
+                        </a:rPr>
+                        <a:t> </a:t>
+                      </a:r>
+                      <a:r>
+                        <a:rPr lang="en-US" altLang="ko-KR" sz="800" dirty="0">
+                          <a:solidFill>
+                            <a:schemeClr val="tx1"/>
+                          </a:solidFill>
+                        </a:rPr>
+                        <a:t>1</a:t>
+                      </a:r>
+                      <a:r>
+                        <a:rPr lang="ko-KR" altLang="en-US" sz="800" dirty="0">
+                          <a:solidFill>
+                            <a:schemeClr val="tx1"/>
+                          </a:solidFill>
+                        </a:rPr>
+                        <a:t>개</a:t>
+                      </a:r>
+                      <a:endParaRPr lang="en-US" altLang="ko-KR" sz="800" dirty="0">
+                        <a:solidFill>
+                          <a:schemeClr val="tx1"/>
+                        </a:solidFill>
+                      </a:endParaRPr>
+                    </a:p>
+                    <a:p>
+                      <a:pPr algn="l" latinLnBrk="1"/>
+                      <a:r>
+                        <a:rPr lang="en-US" altLang="ko-KR" sz="800" dirty="0">
+                          <a:solidFill>
+                            <a:schemeClr val="tx1"/>
+                          </a:solidFill>
+                        </a:rPr>
+                        <a:t>6. </a:t>
+                      </a:r>
+                      <a:r>
+                        <a:rPr lang="en-US" altLang="ko-KR" sz="800" dirty="0" err="1">
+                          <a:solidFill>
+                            <a:schemeClr val="tx1"/>
+                          </a:solidFill>
+                        </a:rPr>
+                        <a:t>xDsp</a:t>
+                      </a:r>
+                      <a:r>
+                        <a:rPr lang="en-US" altLang="ko-KR" sz="800" dirty="0">
+                          <a:solidFill>
+                            <a:schemeClr val="tx1"/>
+                          </a:solidFill>
+                        </a:rPr>
+                        <a:t> double 3</a:t>
+                      </a:r>
+                      <a:r>
+                        <a:rPr lang="ko-KR" altLang="en-US" sz="800" dirty="0">
+                          <a:solidFill>
+                            <a:schemeClr val="tx1"/>
+                          </a:solidFill>
+                        </a:rPr>
+                        <a:t>개</a:t>
+                      </a:r>
+                      <a:endParaRPr lang="en-US" altLang="ko-KR" sz="800" dirty="0">
+                        <a:solidFill>
+                          <a:schemeClr val="tx1"/>
+                        </a:solidFill>
+                      </a:endParaRPr>
+                    </a:p>
+                    <a:p>
+                      <a:pPr algn="l" latinLnBrk="1"/>
+                      <a:r>
+                        <a:rPr lang="en-US" altLang="ko-KR" sz="800" dirty="0">
+                          <a:solidFill>
+                            <a:schemeClr val="tx1"/>
+                          </a:solidFill>
+                        </a:rPr>
+                        <a:t>----------------------------------</a:t>
+                      </a:r>
+                    </a:p>
+                    <a:p>
+                      <a:pPr algn="l" latinLnBrk="1"/>
+                      <a:r>
+                        <a:rPr lang="en-US" altLang="ko-KR" sz="800" b="1" dirty="0" err="1">
+                          <a:solidFill>
+                            <a:schemeClr val="tx1"/>
+                          </a:solidFill>
+                        </a:rPr>
+                        <a:t>Gantner</a:t>
+                      </a:r>
+                      <a:r>
+                        <a:rPr lang="en-US" altLang="ko-KR" sz="800" b="1" dirty="0">
+                          <a:solidFill>
+                            <a:schemeClr val="tx1"/>
+                          </a:solidFill>
+                        </a:rPr>
+                        <a:t> Data Save App</a:t>
+                      </a:r>
+                    </a:p>
+                    <a:p>
+                      <a:pPr algn="l" latinLnBrk="1"/>
+                      <a:r>
+                        <a:rPr lang="en-US" altLang="ko-KR" sz="800" dirty="0">
+                          <a:solidFill>
+                            <a:schemeClr val="tx1"/>
+                          </a:solidFill>
+                        </a:rPr>
+                        <a:t>1. IP, Name, Sampling rate</a:t>
+                      </a:r>
+                    </a:p>
+                    <a:p>
+                      <a:pPr marL="0" marR="0" lvl="0" indent="0" algn="l" defTabSz="914400" rtl="0" eaLnBrk="1" fontAlgn="auto" latinLnBrk="1" hangingPunct="1">
+                        <a:lnSpc>
+                          <a:spcPct val="100000"/>
+                        </a:lnSpc>
+                        <a:spcBef>
+                          <a:spcPts val="0"/>
+                        </a:spcBef>
+                        <a:spcAft>
+                          <a:spcPts val="0"/>
+                        </a:spcAft>
+                        <a:buClrTx/>
+                        <a:buSzTx/>
+                        <a:buFontTx/>
+                        <a:buNone/>
+                        <a:tabLst/>
+                        <a:defRPr/>
+                      </a:pPr>
+                      <a:r>
+                        <a:rPr lang="en-US" altLang="ko-KR" sz="800" dirty="0">
+                          <a:solidFill>
+                            <a:schemeClr val="tx1"/>
+                          </a:solidFill>
+                        </a:rPr>
+                        <a:t>----------------------------------</a:t>
+                      </a:r>
+                    </a:p>
+                    <a:p>
+                      <a:pPr marL="0" marR="0" lvl="0" indent="0" algn="l" defTabSz="914400" rtl="0" eaLnBrk="1" fontAlgn="auto" latinLnBrk="1" hangingPunct="1">
+                        <a:lnSpc>
+                          <a:spcPct val="100000"/>
+                        </a:lnSpc>
+                        <a:spcBef>
+                          <a:spcPts val="0"/>
+                        </a:spcBef>
+                        <a:spcAft>
+                          <a:spcPts val="0"/>
+                        </a:spcAft>
+                        <a:buClrTx/>
+                        <a:buSzTx/>
+                        <a:buFontTx/>
+                        <a:buNone/>
+                        <a:tabLst/>
+                        <a:defRPr/>
+                      </a:pPr>
+                      <a:r>
+                        <a:rPr lang="en-US" altLang="ko-KR" sz="800" b="1" dirty="0">
+                          <a:solidFill>
+                            <a:schemeClr val="tx1"/>
+                          </a:solidFill>
+                        </a:rPr>
+                        <a:t>Edge data </a:t>
+                      </a:r>
+                      <a:r>
+                        <a:rPr lang="ko-KR" altLang="en-US" sz="800" b="1" dirty="0">
+                          <a:solidFill>
+                            <a:schemeClr val="tx1"/>
+                          </a:solidFill>
+                        </a:rPr>
+                        <a:t>전송 </a:t>
+                      </a:r>
+                      <a:r>
+                        <a:rPr lang="en-US" altLang="ko-KR" sz="800" b="1" dirty="0">
+                          <a:solidFill>
+                            <a:schemeClr val="tx1"/>
+                          </a:solidFill>
+                        </a:rPr>
+                        <a:t>App</a:t>
+                      </a:r>
+                    </a:p>
+                    <a:p>
+                      <a:pPr algn="l" latinLnBrk="1"/>
+                      <a:r>
+                        <a:rPr lang="en-US" altLang="ko-KR" sz="800" dirty="0">
+                          <a:solidFill>
+                            <a:schemeClr val="tx1"/>
+                          </a:solidFill>
+                        </a:rPr>
+                        <a:t>1. Raw data </a:t>
+                      </a:r>
+                      <a:r>
+                        <a:rPr lang="ko-KR" altLang="en-US" sz="800" dirty="0">
+                          <a:solidFill>
+                            <a:schemeClr val="tx1"/>
+                          </a:solidFill>
+                        </a:rPr>
+                        <a:t>통계 실행 시간 분</a:t>
+                      </a:r>
+                      <a:r>
+                        <a:rPr lang="en-US" altLang="ko-KR" sz="800" dirty="0">
+                          <a:solidFill>
+                            <a:schemeClr val="tx1"/>
+                          </a:solidFill>
+                        </a:rPr>
+                        <a:t>, </a:t>
+                      </a:r>
+                      <a:r>
+                        <a:rPr lang="ko-KR" altLang="en-US" sz="800" dirty="0">
+                          <a:solidFill>
+                            <a:schemeClr val="tx1"/>
+                          </a:solidFill>
+                        </a:rPr>
+                        <a:t>초 각 </a:t>
+                      </a:r>
+                      <a:r>
+                        <a:rPr lang="en-US" altLang="ko-KR" sz="800" dirty="0">
+                          <a:solidFill>
+                            <a:schemeClr val="tx1"/>
+                          </a:solidFill>
+                        </a:rPr>
+                        <a:t>1</a:t>
+                      </a:r>
+                      <a:r>
+                        <a:rPr lang="ko-KR" altLang="en-US" sz="800" dirty="0">
+                          <a:solidFill>
+                            <a:schemeClr val="tx1"/>
+                          </a:solidFill>
+                        </a:rPr>
+                        <a:t>개</a:t>
+                      </a:r>
+                      <a:endParaRPr lang="en-US" altLang="ko-KR" sz="800" dirty="0">
+                        <a:solidFill>
+                          <a:schemeClr val="tx1"/>
+                        </a:solidFill>
+                      </a:endParaRPr>
+                    </a:p>
+                    <a:p>
+                      <a:pPr algn="l" latinLnBrk="1"/>
+                      <a:r>
+                        <a:rPr lang="en-US" altLang="ko-KR" sz="800" dirty="0">
+                          <a:solidFill>
+                            <a:schemeClr val="tx1"/>
+                          </a:solidFill>
+                        </a:rPr>
+                        <a:t>2. </a:t>
+                      </a:r>
+                      <a:r>
+                        <a:rPr lang="ko-KR" altLang="en-US" sz="800" dirty="0">
+                          <a:solidFill>
+                            <a:schemeClr val="tx1"/>
+                          </a:solidFill>
+                        </a:rPr>
+                        <a:t>분석 데이터 통계 실행 시간 분</a:t>
+                      </a:r>
+                      <a:r>
+                        <a:rPr lang="en-US" altLang="ko-KR" sz="800" dirty="0">
+                          <a:solidFill>
+                            <a:schemeClr val="tx1"/>
+                          </a:solidFill>
+                        </a:rPr>
+                        <a:t>, </a:t>
+                      </a:r>
+                      <a:r>
+                        <a:rPr lang="ko-KR" altLang="en-US" sz="800" dirty="0">
+                          <a:solidFill>
+                            <a:schemeClr val="tx1"/>
+                          </a:solidFill>
+                        </a:rPr>
+                        <a:t>초 각 </a:t>
+                      </a:r>
+                      <a:r>
+                        <a:rPr lang="en-US" altLang="ko-KR" sz="800" dirty="0">
+                          <a:solidFill>
+                            <a:schemeClr val="tx1"/>
+                          </a:solidFill>
+                        </a:rPr>
+                        <a:t>1</a:t>
+                      </a:r>
+                      <a:r>
+                        <a:rPr lang="ko-KR" altLang="en-US" sz="800" dirty="0">
+                          <a:solidFill>
+                            <a:schemeClr val="tx1"/>
+                          </a:solidFill>
+                        </a:rPr>
+                        <a:t>개</a:t>
+                      </a:r>
+                      <a:endParaRPr lang="en-US" altLang="ko-KR" sz="800" dirty="0">
+                        <a:solidFill>
+                          <a:schemeClr val="tx1"/>
+                        </a:solidFill>
+                      </a:endParaRPr>
+                    </a:p>
                   </a:txBody>
-                  <a:tcPr anchor="ctr">
+                  <a:tcPr>
                     <a:lnL w="3175" cap="flat" cmpd="sng" algn="ctr">
                       <a:solidFill>
                         <a:schemeClr val="tx1"/>
@@ -4905,20 +5211,15 @@
                     <a:bodyPr/>
                     <a:lstStyle/>
                     <a:p>
-                      <a:pPr algn="l" latinLnBrk="1"/>
-                      <a:r>
-                        <a:rPr lang="ko-KR" altLang="en-US" sz="800" dirty="0" err="1">
-                          <a:solidFill>
-                            <a:schemeClr val="tx1"/>
-                          </a:solidFill>
-                        </a:rPr>
-                        <a:t>함체</a:t>
-                      </a:r>
-                      <a:endParaRPr lang="ko-KR" altLang="en-US" sz="800" dirty="0">
-                        <a:solidFill>
-                          <a:schemeClr val="tx1"/>
-                        </a:solidFill>
-                      </a:endParaRPr>
+                      <a:pPr algn="ctr" latinLnBrk="1"/>
+                      <a:r>
+                        <a:rPr lang="ko-KR" altLang="en-US" sz="800" dirty="0">
+                          <a:solidFill>
+                            <a:schemeClr val="tx1"/>
+                          </a:solidFill>
+                        </a:rPr>
+                        <a:t>화재감시</a:t>
+                      </a:r>
                     </a:p>
                   </a:txBody>
                   <a:tcPr anchor="ctr">
@@ -4965,15 +5266,126 @@
                     <a:bodyPr/>
                     <a:lstStyle/>
                     <a:p>
-                      <a:pPr algn="l" latinLnBrk="1"/>
-                      <a:endParaRPr lang="ko-KR" altLang="en-US" sz="800" dirty="0">
+                      <a:r>
+                        <a:rPr lang="en-US" altLang="ko-KR" sz="800" dirty="0">
+                          <a:solidFill>
+                            <a:schemeClr val="tx1"/>
+                          </a:solidFill>
+                        </a:rPr>
+                        <a:t>1. </a:t>
+                      </a:r>
+                      <a:r>
+                        <a:rPr lang="en-US" altLang="ko-KR" sz="800" dirty="0" err="1">
+                          <a:solidFill>
+                            <a:schemeClr val="tx1"/>
+                          </a:solidFill>
+                        </a:rPr>
+                        <a:t>YoLo</a:t>
+                      </a:r>
+                      <a:r>
+                        <a:rPr lang="ko-KR" altLang="en-US" sz="800" dirty="0">
+                          <a:solidFill>
+                            <a:schemeClr val="tx1"/>
+                          </a:solidFill>
+                        </a:rPr>
+                        <a:t>에서 분석된 화재 위치 정보</a:t>
+                      </a:r>
+                      <a:endParaRPr lang="en-US" altLang="ko-KR" sz="800" dirty="0">
                         <a:solidFill>
                           <a:schemeClr val="tx1"/>
                         </a:solidFill>
                       </a:endParaRPr>
                     </a:p>
+                    <a:p>
+                      <a:r>
+                        <a:rPr lang="en-US" altLang="ko-KR" sz="800" dirty="0">
+                          <a:solidFill>
+                            <a:schemeClr val="tx1"/>
+                          </a:solidFill>
+                        </a:rPr>
+                        <a:t>- </a:t>
+                      </a:r>
+                      <a:r>
+                        <a:rPr lang="ko-KR" altLang="en-US" sz="800" dirty="0" err="1">
+                          <a:solidFill>
+                            <a:schemeClr val="tx1"/>
+                          </a:solidFill>
+                        </a:rPr>
+                        <a:t>위치순번</a:t>
+                      </a:r>
+                      <a:r>
+                        <a:rPr lang="en-US" altLang="ko-KR" sz="800" dirty="0">
+                          <a:solidFill>
+                            <a:schemeClr val="tx1"/>
+                          </a:solidFill>
+                        </a:rPr>
+                        <a:t>, X, Y, W, H, Confidence * 6</a:t>
+                      </a:r>
+                      <a:r>
+                        <a:rPr lang="ko-KR" altLang="en-US" sz="800" dirty="0">
+                          <a:solidFill>
+                            <a:schemeClr val="tx1"/>
+                          </a:solidFill>
+                        </a:rPr>
+                        <a:t>건</a:t>
+                      </a:r>
+                      <a:r>
+                        <a:rPr lang="en-US" altLang="ko-KR" sz="800" dirty="0">
+                          <a:solidFill>
+                            <a:schemeClr val="tx1"/>
+                          </a:solidFill>
+                        </a:rPr>
+                        <a:t>(</a:t>
+                      </a:r>
+                      <a:r>
+                        <a:rPr lang="ko-KR" altLang="en-US" sz="800" dirty="0">
+                          <a:solidFill>
+                            <a:schemeClr val="tx1"/>
+                          </a:solidFill>
+                        </a:rPr>
+                        <a:t>최대</a:t>
+                      </a:r>
+                      <a:r>
+                        <a:rPr lang="en-US" altLang="ko-KR" sz="800" dirty="0">
+                          <a:solidFill>
+                            <a:schemeClr val="tx1"/>
+                          </a:solidFill>
+                        </a:rPr>
+                        <a:t>)</a:t>
+                      </a:r>
+                    </a:p>
+                    <a:p>
+                      <a:r>
+                        <a:rPr lang="en-US" altLang="ko-KR" sz="800" dirty="0">
+                          <a:solidFill>
+                            <a:schemeClr val="tx1"/>
+                          </a:solidFill>
+                        </a:rPr>
+                        <a:t>2. </a:t>
+                      </a:r>
+                      <a:r>
+                        <a:rPr lang="ko-KR" altLang="en-US" sz="800" dirty="0">
+                          <a:solidFill>
+                            <a:schemeClr val="tx1"/>
+                          </a:solidFill>
+                        </a:rPr>
+                        <a:t>화재 영역 크기 변화</a:t>
+                      </a:r>
+                      <a:endParaRPr lang="en-US" altLang="ko-KR" sz="800" dirty="0">
+                        <a:solidFill>
+                          <a:schemeClr val="tx1"/>
+                        </a:solidFill>
+                      </a:endParaRPr>
+                    </a:p>
+                    <a:p>
+                      <a:endParaRPr lang="en-US" altLang="ko-KR" sz="800" dirty="0">
+                        <a:solidFill>
+                          <a:schemeClr val="tx1"/>
+                        </a:solidFill>
+                      </a:endParaRPr>
+                    </a:p>
                   </a:txBody>
-                  <a:tcPr anchor="ctr">
+                  <a:tcPr>
                     <a:lnL w="3175" cap="flat" cmpd="sng" algn="ctr">
                       <a:solidFill>
                         <a:schemeClr val="tx1"/>
@@ -5017,15 +5429,304 @@
                     <a:bodyPr/>
                     <a:lstStyle/>
                     <a:p>
-                      <a:pPr algn="l" latinLnBrk="1"/>
-                      <a:endParaRPr lang="ko-KR" altLang="en-US" sz="800" dirty="0">
+                      <a:pPr marL="0" marR="0" lvl="0" indent="0" algn="l" defTabSz="914400" rtl="0" eaLnBrk="1" fontAlgn="auto" latinLnBrk="1" hangingPunct="1">
+                        <a:lnSpc>
+                          <a:spcPct val="100000"/>
+                        </a:lnSpc>
+                        <a:spcBef>
+                          <a:spcPts val="0"/>
+                        </a:spcBef>
+                        <a:spcAft>
+                          <a:spcPts val="0"/>
+                        </a:spcAft>
+                        <a:buClrTx/>
+                        <a:buSzTx/>
+                        <a:buFontTx/>
+                        <a:buNone/>
+                        <a:tabLst/>
+                        <a:defRPr/>
+                      </a:pPr>
+                      <a:r>
+                        <a:rPr lang="en-US" altLang="ko-KR" sz="800" dirty="0">
+                          <a:solidFill>
+                            <a:schemeClr val="tx1"/>
+                          </a:solidFill>
+                        </a:rPr>
+                        <a:t>1. </a:t>
+                      </a:r>
+                      <a:r>
+                        <a:rPr lang="ko-KR" altLang="en-US" sz="800" dirty="0">
+                          <a:solidFill>
+                            <a:schemeClr val="tx1"/>
+                          </a:solidFill>
+                        </a:rPr>
+                        <a:t>경계 단계 </a:t>
+                      </a:r>
+                      <a:r>
+                        <a:rPr lang="en-US" altLang="ko-KR" sz="800" dirty="0">
+                          <a:solidFill>
+                            <a:schemeClr val="tx1"/>
+                          </a:solidFill>
+                        </a:rPr>
+                        <a:t>Threshold </a:t>
+                      </a:r>
+                      <a:r>
+                        <a:rPr lang="ko-KR" altLang="en-US" sz="800" dirty="0">
+                          <a:solidFill>
+                            <a:schemeClr val="tx1"/>
+                          </a:solidFill>
+                        </a:rPr>
+                        <a:t>값 이상 </a:t>
+                      </a:r>
+                      <a:r>
+                        <a:rPr lang="en-US" altLang="ko-KR" sz="800" dirty="0">
+                          <a:solidFill>
+                            <a:schemeClr val="tx1"/>
+                          </a:solidFill>
+                        </a:rPr>
+                        <a:t>(</a:t>
+                      </a:r>
+                      <a:r>
+                        <a:rPr lang="ko-KR" altLang="en-US" sz="800" dirty="0">
+                          <a:solidFill>
+                            <a:schemeClr val="tx1"/>
+                          </a:solidFill>
+                        </a:rPr>
+                        <a:t>위치정보</a:t>
+                      </a:r>
+                      <a:r>
+                        <a:rPr lang="en-US" altLang="ko-KR" sz="800" dirty="0">
+                          <a:solidFill>
+                            <a:schemeClr val="tx1"/>
+                          </a:solidFill>
+                        </a:rPr>
+                        <a:t>, </a:t>
+                      </a:r>
+                      <a:r>
+                        <a:rPr lang="ko-KR" altLang="en-US" sz="800" dirty="0">
+                          <a:solidFill>
+                            <a:schemeClr val="tx1"/>
+                          </a:solidFill>
+                        </a:rPr>
+                        <a:t>크기</a:t>
+                      </a:r>
+                      <a:r>
+                        <a:rPr lang="en-US" altLang="ko-KR" sz="800" dirty="0">
+                          <a:solidFill>
+                            <a:schemeClr val="tx1"/>
+                          </a:solidFill>
+                        </a:rPr>
+                        <a:t>, </a:t>
+                      </a:r>
+                      <a:r>
+                        <a:rPr lang="ko-KR" altLang="en-US" sz="800" dirty="0">
+                          <a:solidFill>
+                            <a:schemeClr val="tx1"/>
+                          </a:solidFill>
+                        </a:rPr>
+                        <a:t>확률</a:t>
+                      </a:r>
+                      <a:r>
+                        <a:rPr lang="en-US" altLang="ko-KR" sz="800" dirty="0">
+                          <a:solidFill>
+                            <a:schemeClr val="tx1"/>
+                          </a:solidFill>
+                        </a:rPr>
+                        <a:t>, </a:t>
+                      </a:r>
+                      <a:r>
+                        <a:rPr lang="ko-KR" altLang="en-US" sz="800" dirty="0">
+                          <a:solidFill>
+                            <a:schemeClr val="tx1"/>
+                          </a:solidFill>
+                        </a:rPr>
+                        <a:t>전송</a:t>
+                      </a:r>
+                      <a:r>
+                        <a:rPr lang="en-US" altLang="ko-KR" sz="800" dirty="0">
+                          <a:solidFill>
+                            <a:schemeClr val="tx1"/>
+                          </a:solidFill>
+                        </a:rPr>
+                        <a:t>)</a:t>
+                      </a:r>
+                    </a:p>
+                    <a:p>
+                      <a:pPr marL="0" marR="0" lvl="0" indent="0" algn="l" defTabSz="914400" rtl="0" eaLnBrk="1" fontAlgn="auto" latinLnBrk="1" hangingPunct="1">
+                        <a:lnSpc>
+                          <a:spcPct val="100000"/>
+                        </a:lnSpc>
+                        <a:spcBef>
+                          <a:spcPts val="0"/>
+                        </a:spcBef>
+                        <a:spcAft>
+                          <a:spcPts val="0"/>
+                        </a:spcAft>
+                        <a:buClrTx/>
+                        <a:buSzTx/>
+                        <a:buFontTx/>
+                        <a:buNone/>
+                        <a:tabLst/>
+                        <a:defRPr/>
+                      </a:pPr>
+                      <a:r>
+                        <a:rPr lang="en-US" altLang="ko-KR" sz="800" dirty="0">
+                          <a:solidFill>
+                            <a:schemeClr val="tx1"/>
+                          </a:solidFill>
+                        </a:rPr>
+                        <a:t>2. </a:t>
+                      </a:r>
+                      <a:r>
+                        <a:rPr lang="ko-KR" altLang="en-US" sz="800" dirty="0">
+                          <a:solidFill>
+                            <a:schemeClr val="tx1"/>
+                          </a:solidFill>
+                        </a:rPr>
+                        <a:t>화재 단계 </a:t>
+                      </a:r>
+                      <a:r>
+                        <a:rPr lang="en-US" altLang="ko-KR" sz="800" dirty="0">
+                          <a:solidFill>
+                            <a:schemeClr val="tx1"/>
+                          </a:solidFill>
+                        </a:rPr>
+                        <a:t>Threshold </a:t>
+                      </a:r>
+                      <a:r>
+                        <a:rPr lang="ko-KR" altLang="en-US" sz="800" dirty="0">
+                          <a:solidFill>
+                            <a:schemeClr val="tx1"/>
+                          </a:solidFill>
+                        </a:rPr>
+                        <a:t>값 이상 </a:t>
+                      </a:r>
+                      <a:r>
+                        <a:rPr lang="en-US" altLang="ko-KR" sz="800" dirty="0">
+                          <a:solidFill>
+                            <a:schemeClr val="tx1"/>
+                          </a:solidFill>
+                        </a:rPr>
+                        <a:t>(</a:t>
+                      </a:r>
+                      <a:r>
+                        <a:rPr lang="ko-KR" altLang="en-US" sz="800" dirty="0">
+                          <a:solidFill>
+                            <a:schemeClr val="tx1"/>
+                          </a:solidFill>
+                        </a:rPr>
+                        <a:t>위치정보</a:t>
+                      </a:r>
+                      <a:r>
+                        <a:rPr lang="en-US" altLang="ko-KR" sz="800" dirty="0">
+                          <a:solidFill>
+                            <a:schemeClr val="tx1"/>
+                          </a:solidFill>
+                        </a:rPr>
+                        <a:t>, </a:t>
+                      </a:r>
+                      <a:r>
+                        <a:rPr lang="ko-KR" altLang="en-US" sz="800" dirty="0">
+                          <a:solidFill>
+                            <a:schemeClr val="tx1"/>
+                          </a:solidFill>
+                        </a:rPr>
+                        <a:t>크기</a:t>
+                      </a:r>
+                      <a:r>
+                        <a:rPr lang="en-US" altLang="ko-KR" sz="800" dirty="0">
+                          <a:solidFill>
+                            <a:schemeClr val="tx1"/>
+                          </a:solidFill>
+                        </a:rPr>
+                        <a:t>, </a:t>
+                      </a:r>
+                      <a:r>
+                        <a:rPr lang="ko-KR" altLang="en-US" sz="800" dirty="0">
+                          <a:solidFill>
+                            <a:schemeClr val="tx1"/>
+                          </a:solidFill>
+                        </a:rPr>
+                        <a:t>확률</a:t>
+                      </a:r>
+                      <a:r>
+                        <a:rPr lang="en-US" altLang="ko-KR" sz="800" dirty="0">
+                          <a:solidFill>
+                            <a:schemeClr val="tx1"/>
+                          </a:solidFill>
+                        </a:rPr>
+                        <a:t>, </a:t>
+                      </a:r>
+                      <a:r>
+                        <a:rPr lang="ko-KR" altLang="en-US" sz="800" dirty="0">
+                          <a:solidFill>
+                            <a:schemeClr val="tx1"/>
+                          </a:solidFill>
+                        </a:rPr>
+                        <a:t>전송</a:t>
+                      </a:r>
+                      <a:r>
+                        <a:rPr lang="en-US" altLang="ko-KR" sz="800" dirty="0">
+                          <a:solidFill>
+                            <a:schemeClr val="tx1"/>
+                          </a:solidFill>
+                        </a:rPr>
+                        <a:t>)</a:t>
+                      </a:r>
+                    </a:p>
+                    <a:p>
+                      <a:pPr marL="0" marR="0" lvl="0" indent="0" algn="l" defTabSz="914400" rtl="0" eaLnBrk="1" fontAlgn="auto" latinLnBrk="1" hangingPunct="1">
+                        <a:lnSpc>
+                          <a:spcPct val="100000"/>
+                        </a:lnSpc>
+                        <a:spcBef>
+                          <a:spcPts val="0"/>
+                        </a:spcBef>
+                        <a:spcAft>
+                          <a:spcPts val="0"/>
+                        </a:spcAft>
+                        <a:buClrTx/>
+                        <a:buSzTx/>
+                        <a:buFontTx/>
+                        <a:buNone/>
+                        <a:tabLst/>
+                        <a:defRPr/>
+                      </a:pPr>
+                      <a:r>
+                        <a:rPr lang="en-US" altLang="ko-KR" sz="800" dirty="0">
+                          <a:solidFill>
+                            <a:schemeClr val="tx1"/>
+                          </a:solidFill>
+                        </a:rPr>
+                        <a:t>3. </a:t>
+                      </a:r>
+                    </a:p>
+                    <a:p>
+                      <a:pPr marL="0" marR="0" lvl="0" indent="0" algn="l" defTabSz="914400" rtl="0" eaLnBrk="1" fontAlgn="auto" latinLnBrk="1" hangingPunct="1">
+                        <a:lnSpc>
+                          <a:spcPct val="100000"/>
+                        </a:lnSpc>
+                        <a:spcBef>
+                          <a:spcPts val="0"/>
+                        </a:spcBef>
+                        <a:spcAft>
+                          <a:spcPts val="0"/>
+                        </a:spcAft>
+                        <a:buClrTx/>
+                        <a:buSzTx/>
+                        <a:buFontTx/>
+                        <a:buNone/>
+                        <a:tabLst/>
+                        <a:defRPr/>
+                      </a:pPr>
+                      <a:endParaRPr lang="en-US" altLang="ko-KR" sz="800" dirty="0">
                         <a:solidFill>
                           <a:schemeClr val="tx1"/>
                         </a:solidFill>
                       </a:endParaRPr>
                     </a:p>
                   </a:txBody>
-                  <a:tcPr anchor="ctr">
+                  <a:tcPr>
                     <a:lnL w="3175" cap="flat" cmpd="sng" algn="ctr">
                       <a:solidFill>
                         <a:schemeClr val="tx1"/>
@@ -5070,6 +5771,52 @@
                     <a:lstStyle/>
                     <a:p>
                       <a:pPr algn="l" latinLnBrk="1"/>
+                      <a:r>
+                        <a:rPr lang="en-US" altLang="ko-KR" sz="800" dirty="0">
+                          <a:solidFill>
+                            <a:schemeClr val="tx1"/>
+                          </a:solidFill>
+                        </a:rPr>
+                        <a:t>1. CCTV Streaming</a:t>
+                      </a:r>
+                      <a:r>
+                        <a:rPr lang="ko-KR" altLang="en-US" sz="800" dirty="0">
+                          <a:solidFill>
+                            <a:schemeClr val="tx1"/>
+                          </a:solidFill>
+                        </a:rPr>
+                        <a:t> 정상 여부</a:t>
+                      </a:r>
+                      <a:endParaRPr lang="en-US" altLang="ko-KR" sz="800" dirty="0">
+                        <a:solidFill>
+                          <a:schemeClr val="tx1"/>
+                        </a:solidFill>
+                      </a:endParaRPr>
+                    </a:p>
+                    <a:p>
+                      <a:r>
+                        <a:rPr lang="en-US" altLang="ko-KR" sz="800" dirty="0"/>
+                        <a:t>2. PC</a:t>
+                      </a:r>
+                      <a:r>
+                        <a:rPr lang="ko-KR" altLang="en-US" sz="800" dirty="0"/>
+                        <a:t>상태</a:t>
+                      </a:r>
+                      <a:endParaRPr lang="en-US" altLang="ko-KR" sz="800" dirty="0"/>
+                    </a:p>
+                    <a:p>
+                      <a:r>
+                        <a:rPr lang="en-US" altLang="ko-KR" sz="800" dirty="0"/>
+                        <a:t>- CPU, RAM, HDD, </a:t>
+                      </a:r>
+                      <a:r>
+                        <a:rPr lang="ko-KR" altLang="en-US" sz="800" dirty="0"/>
+                        <a:t>온도 </a:t>
+                      </a:r>
+                      <a:endParaRPr lang="en-US" altLang="ko-KR" sz="800" dirty="0"/>
+                    </a:p>
+                    <a:p>
+                      <a:pPr algn="l" latinLnBrk="1"/>
                       <a:endParaRPr lang="ko-KR" altLang="en-US" sz="800" dirty="0">
                         <a:solidFill>
                           <a:schemeClr val="tx1"/>
@@ -5077,7 +5824,7 @@
                       </a:endParaRPr>
                     </a:p>
                   </a:txBody>
-                  <a:tcPr anchor="ctr">
+                  <a:tcPr>
                     <a:lnL w="3175" cap="flat" cmpd="sng" algn="ctr">
                       <a:solidFill>
                         <a:schemeClr val="tx1"/>
@@ -5122,14 +5869,215 @@
                     <a:lstStyle/>
                     <a:p>
                       <a:pPr algn="l" latinLnBrk="1"/>
-                      <a:endParaRPr lang="ko-KR" altLang="en-US" sz="800" dirty="0">
+                      <a:r>
+                        <a:rPr lang="en-US" altLang="ko-KR" sz="800" dirty="0">
+                          <a:solidFill>
+                            <a:schemeClr val="tx1"/>
+                          </a:solidFill>
+                        </a:rPr>
+                        <a:t>1. </a:t>
+                      </a:r>
+                      <a:r>
+                        <a:rPr lang="ko-KR" altLang="en-US" sz="800" dirty="0">
+                          <a:solidFill>
+                            <a:schemeClr val="tx1"/>
+                          </a:solidFill>
+                        </a:rPr>
+                        <a:t>화재영역 크기 변화 </a:t>
+                      </a:r>
+                      <a:r>
+                        <a:rPr lang="en-US" altLang="ko-KR" sz="800" dirty="0">
+                          <a:solidFill>
+                            <a:schemeClr val="tx1"/>
+                          </a:solidFill>
+                        </a:rPr>
+                        <a:t>Threshold</a:t>
+                      </a:r>
+                    </a:p>
+                    <a:p>
+                      <a:pPr algn="l" latinLnBrk="1"/>
+                      <a:r>
+                        <a:rPr lang="en-US" altLang="ko-KR" sz="800" dirty="0">
+                          <a:solidFill>
+                            <a:schemeClr val="tx1"/>
+                          </a:solidFill>
+                        </a:rPr>
+                        <a:t>2. </a:t>
+                      </a:r>
+                      <a:r>
+                        <a:rPr lang="ko-KR" altLang="en-US" sz="800" dirty="0">
+                          <a:solidFill>
+                            <a:schemeClr val="tx1"/>
+                          </a:solidFill>
+                        </a:rPr>
+                        <a:t>화영종료 대기 분</a:t>
+                      </a:r>
+                      <a:endParaRPr lang="en-US" altLang="ko-KR" sz="800" dirty="0">
                         <a:solidFill>
                           <a:schemeClr val="tx1"/>
                         </a:solidFill>
                       </a:endParaRPr>
                     </a:p>
+                    <a:p>
+                      <a:pPr algn="l" latinLnBrk="1"/>
+                      <a:r>
+                        <a:rPr lang="en-US" altLang="ko-KR" sz="800" dirty="0">
+                          <a:solidFill>
+                            <a:schemeClr val="tx1"/>
+                          </a:solidFill>
+                        </a:rPr>
+                        <a:t>3. </a:t>
+                      </a:r>
+                      <a:r>
+                        <a:rPr lang="ko-KR" altLang="en-US" sz="800" dirty="0">
+                          <a:solidFill>
+                            <a:schemeClr val="tx1"/>
+                          </a:solidFill>
+                        </a:rPr>
+                        <a:t>화염 판단 주기 초</a:t>
+                      </a:r>
+                      <a:endParaRPr lang="en-US" altLang="ko-KR" sz="800" dirty="0">
+                        <a:solidFill>
+                          <a:schemeClr val="tx1"/>
+                        </a:solidFill>
+                      </a:endParaRPr>
+                    </a:p>
+                    <a:p>
+                      <a:pPr algn="l" latinLnBrk="1"/>
+                      <a:r>
+                        <a:rPr lang="en-US" altLang="ko-KR" sz="800" dirty="0">
+                          <a:solidFill>
+                            <a:schemeClr val="tx1"/>
+                          </a:solidFill>
+                        </a:rPr>
+                        <a:t>4. </a:t>
+                      </a:r>
+                      <a:r>
+                        <a:rPr lang="ko-KR" altLang="en-US" sz="800" dirty="0">
+                          <a:solidFill>
+                            <a:schemeClr val="tx1"/>
+                          </a:solidFill>
+                        </a:rPr>
+                        <a:t>경계 이벤트 </a:t>
+                      </a:r>
+                      <a:r>
+                        <a:rPr lang="en-US" altLang="ko-KR" sz="800" dirty="0">
+                          <a:solidFill>
+                            <a:schemeClr val="tx1"/>
+                          </a:solidFill>
+                        </a:rPr>
+                        <a:t>Threshold (%)</a:t>
+                      </a:r>
+                    </a:p>
+                    <a:p>
+                      <a:pPr algn="l" latinLnBrk="1"/>
+                      <a:r>
+                        <a:rPr lang="en-US" altLang="ko-KR" sz="800" dirty="0">
+                          <a:solidFill>
+                            <a:schemeClr val="tx1"/>
+                          </a:solidFill>
+                        </a:rPr>
+                        <a:t>5. </a:t>
+                      </a:r>
+                      <a:r>
+                        <a:rPr lang="ko-KR" altLang="en-US" sz="800" dirty="0">
+                          <a:solidFill>
+                            <a:schemeClr val="tx1"/>
+                          </a:solidFill>
+                        </a:rPr>
+                        <a:t>경계 판단용 </a:t>
+                      </a:r>
+                      <a:r>
+                        <a:rPr lang="en-US" altLang="ko-KR" sz="800" dirty="0">
+                          <a:solidFill>
+                            <a:schemeClr val="tx1"/>
+                          </a:solidFill>
+                        </a:rPr>
+                        <a:t>Frame </a:t>
+                      </a:r>
+                      <a:r>
+                        <a:rPr lang="ko-KR" altLang="en-US" sz="800" dirty="0">
+                          <a:solidFill>
+                            <a:schemeClr val="tx1"/>
+                          </a:solidFill>
+                        </a:rPr>
+                        <a:t>수</a:t>
+                      </a:r>
+                      <a:endParaRPr lang="en-US" altLang="ko-KR" sz="800" dirty="0">
+                        <a:solidFill>
+                          <a:schemeClr val="tx1"/>
+                        </a:solidFill>
+                      </a:endParaRPr>
+                    </a:p>
+                    <a:p>
+                      <a:pPr algn="l" latinLnBrk="1"/>
+                      <a:r>
+                        <a:rPr lang="en-US" altLang="ko-KR" sz="800" dirty="0">
+                          <a:solidFill>
+                            <a:schemeClr val="tx1"/>
+                          </a:solidFill>
+                        </a:rPr>
+                        <a:t>6. </a:t>
+                      </a:r>
+                      <a:r>
+                        <a:rPr lang="ko-KR" altLang="en-US" sz="800" dirty="0">
+                          <a:solidFill>
+                            <a:schemeClr val="tx1"/>
+                          </a:solidFill>
+                        </a:rPr>
+                        <a:t>화재 이벤트 </a:t>
+                      </a:r>
+                      <a:r>
+                        <a:rPr lang="en-US" altLang="ko-KR" sz="800" dirty="0">
+                          <a:solidFill>
+                            <a:schemeClr val="tx1"/>
+                          </a:solidFill>
+                        </a:rPr>
+                        <a:t>Threshold (%)</a:t>
+                      </a:r>
+                    </a:p>
+                    <a:p>
+                      <a:pPr algn="l" latinLnBrk="1"/>
+                      <a:r>
+                        <a:rPr lang="en-US" altLang="ko-KR" sz="800" dirty="0">
+                          <a:solidFill>
+                            <a:schemeClr val="tx1"/>
+                          </a:solidFill>
+                        </a:rPr>
+                        <a:t>7. </a:t>
+                      </a:r>
+                      <a:r>
+                        <a:rPr lang="ko-KR" altLang="en-US" sz="800" dirty="0">
+                          <a:solidFill>
+                            <a:schemeClr val="tx1"/>
+                          </a:solidFill>
+                        </a:rPr>
+                        <a:t>화재 판단용 </a:t>
+                      </a:r>
+                      <a:r>
+                        <a:rPr lang="en-US" altLang="ko-KR" sz="800" dirty="0">
+                          <a:solidFill>
+                            <a:schemeClr val="tx1"/>
+                          </a:solidFill>
+                        </a:rPr>
+                        <a:t>Frame </a:t>
+                      </a:r>
+                      <a:r>
+                        <a:rPr lang="ko-KR" altLang="en-US" sz="800" dirty="0">
+                          <a:solidFill>
+                            <a:schemeClr val="tx1"/>
+                          </a:solidFill>
+                        </a:rPr>
+                        <a:t>수</a:t>
+                      </a:r>
+                      <a:endParaRPr lang="en-US" altLang="ko-KR" sz="800" dirty="0">
+                        <a:solidFill>
+                          <a:schemeClr val="tx1"/>
+                        </a:solidFill>
+                      </a:endParaRPr>
+                    </a:p>
                   </a:txBody>
-                  <a:tcPr anchor="ctr">
+                  <a:tcPr>
                     <a:lnL w="3175" cap="flat" cmpd="sng" algn="ctr">
                       <a:solidFill>
                         <a:schemeClr val="tx1"/>
@@ -5170,7 +6118,843 @@
                 </a:tc>
                 <a:extLst>
                   <a:ext uri="{0D108BD9-81ED-4DB2-BD59-A6C34878D82A}">
-                    <a16:rowId xmlns:a16="http://schemas.microsoft.com/office/drawing/2014/main" val="3958756115"/>
+                    <a16:rowId xmlns:a16="http://schemas.microsoft.com/office/drawing/2014/main" val="297058920"/>
+                  </a:ext>
+                </a:extLst>
+              </a:tr>
+              <a:tr h="331072">
+                <a:tc>
+                  <a:txBody>
+                    <a:bodyPr/>
+                    <a:lstStyle/>
+                    <a:p>
+                      <a:pPr algn="ctr" latinLnBrk="1"/>
+                      <a:r>
+                        <a:rPr lang="ko-KR" altLang="en-US" sz="800" dirty="0">
+                          <a:solidFill>
+                            <a:schemeClr val="tx1"/>
+                          </a:solidFill>
+                        </a:rPr>
+                        <a:t>충돌감시</a:t>
+                      </a:r>
+                    </a:p>
+                  </a:txBody>
+                  <a:tcPr anchor="ctr">
+                    <a:lnL w="3175" cap="flat" cmpd="sng" algn="ctr">
+                      <a:solidFill>
+                        <a:schemeClr val="tx1"/>
+                      </a:solidFill>
+                      <a:prstDash val="solid"/>
+                      <a:round/>
+                      <a:headEnd type="none" w="med" len="med"/>
+                      <a:tailEnd type="none" w="med" len="med"/>
+                    </a:lnL>
+                    <a:lnR w="3175" cap="flat" cmpd="sng" algn="ctr">
+                      <a:solidFill>
+                        <a:schemeClr val="tx1"/>
+                      </a:solidFill>
+                      <a:prstDash val="solid"/>
+                      <a:round/>
+                      <a:headEnd type="none" w="med" len="med"/>
+                      <a:tailEnd type="none" w="med" len="med"/>
+                    </a:lnR>
+                    <a:lnT w="3175" cap="flat" cmpd="sng" algn="ctr">
+                      <a:solidFill>
+                        <a:schemeClr val="tx1"/>
+                      </a:solidFill>
+                      <a:prstDash val="solid"/>
+                      <a:round/>
+                      <a:headEnd type="none" w="med" len="med"/>
+                      <a:tailEnd type="none" w="med" len="med"/>
+                    </a:lnT>
+                    <a:lnB w="3175" cap="flat" cmpd="sng" algn="ctr">
+                      <a:solidFill>
+                        <a:schemeClr val="tx1"/>
+                      </a:solidFill>
+                      <a:prstDash val="solid"/>
+                      <a:round/>
+                      <a:headEnd type="none" w="med" len="med"/>
+                      <a:tailEnd type="none" w="med" len="med"/>
+                    </a:lnB>
+                  </a:tcPr>
+                </a:tc>
+                <a:tc>
+                  <a:txBody>
+                    <a:bodyPr/>
+                    <a:lstStyle/>
+                    <a:p>
+                      <a:r>
+                        <a:rPr lang="en-US" altLang="ko-KR" sz="800" dirty="0">
+                          <a:solidFill>
+                            <a:schemeClr val="tx1"/>
+                          </a:solidFill>
+                        </a:rPr>
+                        <a:t>1.</a:t>
+                      </a:r>
+                      <a:r>
+                        <a:rPr lang="ko-KR" altLang="en-US" sz="800" dirty="0">
+                          <a:solidFill>
+                            <a:schemeClr val="tx1"/>
+                          </a:solidFill>
+                        </a:rPr>
+                        <a:t> 가속도 센서 계측 정보 </a:t>
+                      </a:r>
+                      <a:r>
+                        <a:rPr lang="en-US" altLang="ko-KR" sz="800" dirty="0">
+                          <a:solidFill>
+                            <a:schemeClr val="tx1"/>
+                          </a:solidFill>
+                        </a:rPr>
+                        <a:t>(</a:t>
+                      </a:r>
+                      <a:r>
+                        <a:rPr lang="ko-KR" altLang="en-US" sz="800" dirty="0">
+                          <a:solidFill>
+                            <a:schemeClr val="tx1"/>
+                          </a:solidFill>
+                        </a:rPr>
+                        <a:t>실시간</a:t>
+                      </a:r>
+                      <a:r>
+                        <a:rPr lang="en-US" altLang="ko-KR" sz="800" dirty="0">
+                          <a:solidFill>
+                            <a:schemeClr val="tx1"/>
+                          </a:solidFill>
+                        </a:rPr>
+                        <a:t>, 100Hz)</a:t>
+                      </a:r>
+                    </a:p>
+                    <a:p>
+                      <a:r>
+                        <a:rPr lang="en-US" altLang="ko-KR" sz="800" dirty="0">
+                          <a:solidFill>
+                            <a:schemeClr val="tx1"/>
+                          </a:solidFill>
+                        </a:rPr>
+                        <a:t>2. </a:t>
+                      </a:r>
+                      <a:r>
+                        <a:rPr lang="ko-KR" altLang="en-US" sz="800" dirty="0">
+                          <a:solidFill>
+                            <a:schemeClr val="tx1"/>
+                          </a:solidFill>
+                        </a:rPr>
+                        <a:t>충돌 판단 이후 </a:t>
+                      </a:r>
+                      <a:r>
+                        <a:rPr lang="en-US" altLang="ko-KR" sz="800" dirty="0">
+                          <a:solidFill>
+                            <a:schemeClr val="tx1"/>
+                          </a:solidFill>
+                        </a:rPr>
+                        <a:t>Raw data </a:t>
+                      </a:r>
+                      <a:r>
+                        <a:rPr lang="ko-KR" altLang="en-US" sz="800" dirty="0">
+                          <a:solidFill>
+                            <a:schemeClr val="tx1"/>
+                          </a:solidFill>
+                        </a:rPr>
+                        <a:t>취득 정보 </a:t>
+                      </a:r>
+                      <a:r>
+                        <a:rPr lang="en-US" altLang="ko-KR" sz="800" dirty="0">
+                          <a:solidFill>
+                            <a:schemeClr val="tx1"/>
+                          </a:solidFill>
+                        </a:rPr>
+                        <a:t>(X,Y,Z 6 set)</a:t>
+                      </a:r>
+                    </a:p>
+                    <a:p>
+                      <a:r>
+                        <a:rPr lang="en-US" altLang="ko-KR" sz="800" dirty="0">
+                          <a:solidFill>
+                            <a:schemeClr val="tx1"/>
+                          </a:solidFill>
+                        </a:rPr>
+                        <a:t>3. </a:t>
+                      </a:r>
+                      <a:r>
+                        <a:rPr lang="ko-KR" altLang="en-US" sz="800" dirty="0">
+                          <a:solidFill>
+                            <a:schemeClr val="tx1"/>
+                          </a:solidFill>
+                        </a:rPr>
+                        <a:t>충돌 </a:t>
+                      </a:r>
+                      <a:r>
+                        <a:rPr lang="en-US" altLang="ko-KR" sz="800" dirty="0">
+                          <a:solidFill>
+                            <a:schemeClr val="tx1"/>
+                          </a:solidFill>
+                        </a:rPr>
+                        <a:t>Raw data </a:t>
+                      </a:r>
+                      <a:r>
+                        <a:rPr lang="ko-KR" altLang="en-US" sz="800" dirty="0">
+                          <a:solidFill>
+                            <a:schemeClr val="tx1"/>
+                          </a:solidFill>
+                        </a:rPr>
+                        <a:t>변환 정보 </a:t>
+                      </a:r>
+                      <a:r>
+                        <a:rPr lang="en-US" altLang="ko-KR" sz="800" dirty="0">
+                          <a:solidFill>
+                            <a:schemeClr val="tx1"/>
+                          </a:solidFill>
+                        </a:rPr>
+                        <a:t>(</a:t>
+                      </a:r>
+                      <a:r>
+                        <a:rPr lang="en-US" altLang="ko-KR" sz="800" dirty="0" err="1">
+                          <a:solidFill>
+                            <a:schemeClr val="tx1"/>
+                          </a:solidFill>
+                        </a:rPr>
+                        <a:t>Vector,Pitch,Roll</a:t>
+                      </a:r>
+                      <a:r>
+                        <a:rPr lang="en-US" altLang="ko-KR" sz="800" dirty="0">
+                          <a:solidFill>
+                            <a:schemeClr val="tx1"/>
+                          </a:solidFill>
+                        </a:rPr>
+                        <a:t> 6 set)</a:t>
+                      </a:r>
+                    </a:p>
+                    <a:p>
+                      <a:r>
+                        <a:rPr lang="en-US" altLang="ko-KR" sz="800" dirty="0">
+                          <a:solidFill>
+                            <a:schemeClr val="tx1"/>
+                          </a:solidFill>
+                        </a:rPr>
+                        <a:t>4. </a:t>
+                      </a:r>
+                    </a:p>
+                  </a:txBody>
+                  <a:tcPr>
+                    <a:lnL w="3175" cap="flat" cmpd="sng" algn="ctr">
+                      <a:solidFill>
+                        <a:schemeClr val="tx1"/>
+                      </a:solidFill>
+                      <a:prstDash val="solid"/>
+                      <a:round/>
+                      <a:headEnd type="none" w="med" len="med"/>
+                      <a:tailEnd type="none" w="med" len="med"/>
+                    </a:lnL>
+                    <a:lnR w="3175" cap="flat" cmpd="sng" algn="ctr">
+                      <a:solidFill>
+                        <a:schemeClr val="tx1"/>
+                      </a:solidFill>
+                      <a:prstDash val="solid"/>
+                      <a:round/>
+                      <a:headEnd type="none" w="med" len="med"/>
+                      <a:tailEnd type="none" w="med" len="med"/>
+                    </a:lnR>
+                    <a:lnT w="3175" cap="flat" cmpd="sng" algn="ctr">
+                      <a:solidFill>
+                        <a:schemeClr val="tx1"/>
+                      </a:solidFill>
+                      <a:prstDash val="solid"/>
+                      <a:round/>
+                      <a:headEnd type="none" w="med" len="med"/>
+                      <a:tailEnd type="none" w="med" len="med"/>
+                    </a:lnT>
+                    <a:lnB w="3175" cap="flat" cmpd="sng" algn="ctr">
+                      <a:solidFill>
+                        <a:schemeClr val="tx1"/>
+                      </a:solidFill>
+                      <a:prstDash val="solid"/>
+                      <a:round/>
+                      <a:headEnd type="none" w="med" len="med"/>
+                      <a:tailEnd type="none" w="med" len="med"/>
+                    </a:lnB>
+                  </a:tcPr>
+                </a:tc>
+                <a:tc>
+                  <a:txBody>
+                    <a:bodyPr/>
+                    <a:lstStyle/>
+                    <a:p>
+                      <a:pPr marL="0" marR="0" lvl="0" indent="0" algn="l" defTabSz="914400" rtl="0" eaLnBrk="1" fontAlgn="auto" latinLnBrk="1" hangingPunct="1">
+                        <a:lnSpc>
+                          <a:spcPct val="100000"/>
+                        </a:lnSpc>
+                        <a:spcBef>
+                          <a:spcPts val="0"/>
+                        </a:spcBef>
+                        <a:spcAft>
+                          <a:spcPts val="0"/>
+                        </a:spcAft>
+                        <a:buClrTx/>
+                        <a:buSzTx/>
+                        <a:buFontTx/>
+                        <a:buNone/>
+                        <a:tabLst/>
+                        <a:defRPr/>
+                      </a:pPr>
+                      <a:r>
+                        <a:rPr lang="en-US" altLang="ko-KR" sz="800" dirty="0">
+                          <a:solidFill>
+                            <a:schemeClr val="tx1"/>
+                          </a:solidFill>
+                        </a:rPr>
+                        <a:t>1. </a:t>
+                      </a:r>
+                      <a:r>
+                        <a:rPr lang="ko-KR" altLang="en-US" sz="800" dirty="0">
+                          <a:solidFill>
+                            <a:schemeClr val="tx1"/>
+                          </a:solidFill>
+                        </a:rPr>
+                        <a:t>경계 단계 </a:t>
+                      </a:r>
+                      <a:r>
+                        <a:rPr lang="en-US" altLang="ko-KR" sz="800" dirty="0">
+                          <a:solidFill>
+                            <a:schemeClr val="tx1"/>
+                          </a:solidFill>
+                        </a:rPr>
+                        <a:t>Threshold </a:t>
+                      </a:r>
+                      <a:r>
+                        <a:rPr lang="ko-KR" altLang="en-US" sz="800" dirty="0">
+                          <a:solidFill>
+                            <a:schemeClr val="tx1"/>
+                          </a:solidFill>
+                        </a:rPr>
+                        <a:t>값 이상 </a:t>
+                      </a:r>
+                      <a:r>
+                        <a:rPr lang="en-US" altLang="ko-KR" sz="800" dirty="0">
+                          <a:solidFill>
+                            <a:schemeClr val="tx1"/>
+                          </a:solidFill>
+                        </a:rPr>
+                        <a:t>(</a:t>
+                      </a:r>
+                      <a:r>
+                        <a:rPr lang="ko-KR" altLang="en-US" sz="800" dirty="0">
+                          <a:solidFill>
+                            <a:schemeClr val="tx1"/>
+                          </a:solidFill>
+                        </a:rPr>
+                        <a:t>검출 </a:t>
+                      </a:r>
+                      <a:r>
+                        <a:rPr lang="en-US" altLang="ko-KR" sz="800" dirty="0">
+                          <a:solidFill>
+                            <a:schemeClr val="tx1"/>
+                          </a:solidFill>
+                        </a:rPr>
+                        <a:t>Raw data, </a:t>
+                      </a:r>
+                      <a:r>
+                        <a:rPr lang="ko-KR" altLang="en-US" sz="800" dirty="0">
+                          <a:solidFill>
+                            <a:schemeClr val="tx1"/>
+                          </a:solidFill>
+                        </a:rPr>
+                        <a:t>변환 </a:t>
+                      </a:r>
+                      <a:r>
+                        <a:rPr lang="en-US" altLang="ko-KR" sz="800" dirty="0">
+                          <a:solidFill>
+                            <a:schemeClr val="tx1"/>
+                          </a:solidFill>
+                        </a:rPr>
+                        <a:t>data)</a:t>
+                      </a:r>
+                    </a:p>
+                    <a:p>
+                      <a:pPr marL="0" marR="0" lvl="0" indent="0" algn="l" defTabSz="914400" rtl="0" eaLnBrk="1" fontAlgn="auto" latinLnBrk="1" hangingPunct="1">
+                        <a:lnSpc>
+                          <a:spcPct val="100000"/>
+                        </a:lnSpc>
+                        <a:spcBef>
+                          <a:spcPts val="0"/>
+                        </a:spcBef>
+                        <a:spcAft>
+                          <a:spcPts val="0"/>
+                        </a:spcAft>
+                        <a:buClrTx/>
+                        <a:buSzTx/>
+                        <a:buFontTx/>
+                        <a:buNone/>
+                        <a:tabLst/>
+                        <a:defRPr/>
+                      </a:pPr>
+                      <a:r>
+                        <a:rPr lang="en-US" altLang="ko-KR" sz="800" dirty="0">
+                          <a:solidFill>
+                            <a:schemeClr val="tx1"/>
+                          </a:solidFill>
+                        </a:rPr>
+                        <a:t>2. </a:t>
+                      </a:r>
+                      <a:r>
+                        <a:rPr lang="ko-KR" altLang="en-US" sz="800" dirty="0">
+                          <a:solidFill>
+                            <a:schemeClr val="tx1"/>
+                          </a:solidFill>
+                        </a:rPr>
+                        <a:t>발생 단계 </a:t>
+                      </a:r>
+                      <a:r>
+                        <a:rPr lang="en-US" altLang="ko-KR" sz="800" dirty="0">
+                          <a:solidFill>
+                            <a:schemeClr val="tx1"/>
+                          </a:solidFill>
+                        </a:rPr>
+                        <a:t>Threshold </a:t>
+                      </a:r>
+                      <a:r>
+                        <a:rPr lang="ko-KR" altLang="en-US" sz="800" dirty="0">
+                          <a:solidFill>
+                            <a:schemeClr val="tx1"/>
+                          </a:solidFill>
+                        </a:rPr>
+                        <a:t>값 이상 </a:t>
+                      </a:r>
+                      <a:r>
+                        <a:rPr lang="en-US" altLang="ko-KR" sz="800" dirty="0">
+                          <a:solidFill>
+                            <a:schemeClr val="tx1"/>
+                          </a:solidFill>
+                        </a:rPr>
+                        <a:t>(</a:t>
+                      </a:r>
+                      <a:r>
+                        <a:rPr lang="ko-KR" altLang="en-US" sz="800" dirty="0">
+                          <a:solidFill>
+                            <a:schemeClr val="tx1"/>
+                          </a:solidFill>
+                        </a:rPr>
+                        <a:t>검출 </a:t>
+                      </a:r>
+                      <a:r>
+                        <a:rPr lang="en-US" altLang="ko-KR" sz="800" dirty="0">
+                          <a:solidFill>
+                            <a:schemeClr val="tx1"/>
+                          </a:solidFill>
+                        </a:rPr>
+                        <a:t>Raw data, </a:t>
+                      </a:r>
+                      <a:r>
+                        <a:rPr lang="ko-KR" altLang="en-US" sz="800" dirty="0">
+                          <a:solidFill>
+                            <a:schemeClr val="tx1"/>
+                          </a:solidFill>
+                        </a:rPr>
+                        <a:t>변환 </a:t>
+                      </a:r>
+                      <a:r>
+                        <a:rPr lang="en-US" altLang="ko-KR" sz="800" dirty="0">
+                          <a:solidFill>
+                            <a:schemeClr val="tx1"/>
+                          </a:solidFill>
+                        </a:rPr>
+                        <a:t>data)</a:t>
+                      </a:r>
+                    </a:p>
+                    <a:p>
+                      <a:pPr marL="0" marR="0" lvl="0" indent="0" algn="l" defTabSz="914400" rtl="0" eaLnBrk="1" fontAlgn="auto" latinLnBrk="1" hangingPunct="1">
+                        <a:lnSpc>
+                          <a:spcPct val="100000"/>
+                        </a:lnSpc>
+                        <a:spcBef>
+                          <a:spcPts val="0"/>
+                        </a:spcBef>
+                        <a:spcAft>
+                          <a:spcPts val="0"/>
+                        </a:spcAft>
+                        <a:buClrTx/>
+                        <a:buSzTx/>
+                        <a:buFontTx/>
+                        <a:buNone/>
+                        <a:tabLst/>
+                        <a:defRPr/>
+                      </a:pPr>
+                      <a:r>
+                        <a:rPr lang="en-US" altLang="ko-KR" sz="800" dirty="0">
+                          <a:solidFill>
+                            <a:schemeClr val="tx1"/>
+                          </a:solidFill>
+                        </a:rPr>
+                        <a:t>3. </a:t>
+                      </a:r>
+                    </a:p>
+                    <a:p>
+                      <a:pPr marL="0" marR="0" lvl="0" indent="0" algn="l" defTabSz="914400" rtl="0" eaLnBrk="1" fontAlgn="auto" latinLnBrk="1" hangingPunct="1">
+                        <a:lnSpc>
+                          <a:spcPct val="100000"/>
+                        </a:lnSpc>
+                        <a:spcBef>
+                          <a:spcPts val="0"/>
+                        </a:spcBef>
+                        <a:spcAft>
+                          <a:spcPts val="0"/>
+                        </a:spcAft>
+                        <a:buClrTx/>
+                        <a:buSzTx/>
+                        <a:buFontTx/>
+                        <a:buNone/>
+                        <a:tabLst/>
+                        <a:defRPr/>
+                      </a:pPr>
+                      <a:endParaRPr lang="en-US" altLang="ko-KR" sz="800" dirty="0">
+                        <a:solidFill>
+                          <a:schemeClr val="tx1"/>
+                        </a:solidFill>
+                      </a:endParaRPr>
+                    </a:p>
+                  </a:txBody>
+                  <a:tcPr>
+                    <a:lnL w="3175" cap="flat" cmpd="sng" algn="ctr">
+                      <a:solidFill>
+                        <a:schemeClr val="tx1"/>
+                      </a:solidFill>
+                      <a:prstDash val="solid"/>
+                      <a:round/>
+                      <a:headEnd type="none" w="med" len="med"/>
+                      <a:tailEnd type="none" w="med" len="med"/>
+                    </a:lnL>
+                    <a:lnR w="3175" cap="flat" cmpd="sng" algn="ctr">
+                      <a:solidFill>
+                        <a:schemeClr val="tx1"/>
+                      </a:solidFill>
+                      <a:prstDash val="solid"/>
+                      <a:round/>
+                      <a:headEnd type="none" w="med" len="med"/>
+                      <a:tailEnd type="none" w="med" len="med"/>
+                    </a:lnR>
+                    <a:lnT w="3175" cap="flat" cmpd="sng" algn="ctr">
+                      <a:solidFill>
+                        <a:schemeClr val="tx1"/>
+                      </a:solidFill>
+                      <a:prstDash val="solid"/>
+                      <a:round/>
+                      <a:headEnd type="none" w="med" len="med"/>
+                      <a:tailEnd type="none" w="med" len="med"/>
+                    </a:lnT>
+                    <a:lnB w="3175" cap="flat" cmpd="sng" algn="ctr">
+                      <a:solidFill>
+                        <a:schemeClr val="tx1"/>
+                      </a:solidFill>
+                      <a:prstDash val="solid"/>
+                      <a:round/>
+                      <a:headEnd type="none" w="med" len="med"/>
+                      <a:tailEnd type="none" w="med" len="med"/>
+                    </a:lnB>
+                  </a:tcPr>
+                </a:tc>
+                <a:tc>
+                  <a:txBody>
+                    <a:bodyPr/>
+                    <a:lstStyle/>
+                    <a:p>
+                      <a:pPr algn="l" latinLnBrk="1"/>
+                      <a:r>
+                        <a:rPr lang="en-US" altLang="ko-KR" sz="800" dirty="0">
+                          <a:solidFill>
+                            <a:schemeClr val="tx1"/>
+                          </a:solidFill>
+                        </a:rPr>
+                        <a:t>1. CCTV Streaming</a:t>
+                      </a:r>
+                      <a:r>
+                        <a:rPr lang="ko-KR" altLang="en-US" sz="800" dirty="0">
+                          <a:solidFill>
+                            <a:schemeClr val="tx1"/>
+                          </a:solidFill>
+                        </a:rPr>
+                        <a:t> 정상 여부</a:t>
+                      </a:r>
+                      <a:endParaRPr lang="en-US" altLang="ko-KR" sz="800" dirty="0">
+                        <a:solidFill>
+                          <a:schemeClr val="tx1"/>
+                        </a:solidFill>
+                      </a:endParaRPr>
+                    </a:p>
+                    <a:p>
+                      <a:r>
+                        <a:rPr lang="en-US" altLang="ko-KR" sz="800" dirty="0"/>
+                        <a:t>2. PC</a:t>
+                      </a:r>
+                      <a:r>
+                        <a:rPr lang="ko-KR" altLang="en-US" sz="800" dirty="0"/>
+                        <a:t>상태</a:t>
+                      </a:r>
+                      <a:endParaRPr lang="en-US" altLang="ko-KR" sz="800" dirty="0"/>
+                    </a:p>
+                    <a:p>
+                      <a:r>
+                        <a:rPr lang="en-US" altLang="ko-KR" sz="800" dirty="0"/>
+                        <a:t>- CPU, RAM, HDD, </a:t>
+                      </a:r>
+                      <a:r>
+                        <a:rPr lang="ko-KR" altLang="en-US" sz="800" dirty="0"/>
+                        <a:t>온도 </a:t>
+                      </a:r>
+                      <a:endParaRPr lang="en-US" altLang="ko-KR" sz="800" dirty="0"/>
+                    </a:p>
+                  </a:txBody>
+                  <a:tcPr>
+                    <a:lnL w="3175" cap="flat" cmpd="sng" algn="ctr">
+                      <a:solidFill>
+                        <a:schemeClr val="tx1"/>
+                      </a:solidFill>
+                      <a:prstDash val="solid"/>
+                      <a:round/>
+                      <a:headEnd type="none" w="med" len="med"/>
+                      <a:tailEnd type="none" w="med" len="med"/>
+                    </a:lnL>
+                    <a:lnR w="3175" cap="flat" cmpd="sng" algn="ctr">
+                      <a:solidFill>
+                        <a:schemeClr val="tx1"/>
+                      </a:solidFill>
+                      <a:prstDash val="solid"/>
+                      <a:round/>
+                      <a:headEnd type="none" w="med" len="med"/>
+                      <a:tailEnd type="none" w="med" len="med"/>
+                    </a:lnR>
+                    <a:lnT w="3175" cap="flat" cmpd="sng" algn="ctr">
+                      <a:solidFill>
+                        <a:schemeClr val="tx1"/>
+                      </a:solidFill>
+                      <a:prstDash val="solid"/>
+                      <a:round/>
+                      <a:headEnd type="none" w="med" len="med"/>
+                      <a:tailEnd type="none" w="med" len="med"/>
+                    </a:lnT>
+                    <a:lnB w="3175" cap="flat" cmpd="sng" algn="ctr">
+                      <a:solidFill>
+                        <a:schemeClr val="tx1"/>
+                      </a:solidFill>
+                      <a:prstDash val="solid"/>
+                      <a:round/>
+                      <a:headEnd type="none" w="med" len="med"/>
+                      <a:tailEnd type="none" w="med" len="med"/>
+                    </a:lnB>
+                  </a:tcPr>
+                </a:tc>
+                <a:tc>
+                  <a:txBody>
+                    <a:bodyPr/>
+                    <a:lstStyle/>
+                    <a:p>
+                      <a:pPr algn="l" latinLnBrk="1"/>
+                      <a:r>
+                        <a:rPr lang="en-US" altLang="ko-KR" sz="800" dirty="0">
+                          <a:solidFill>
+                            <a:schemeClr val="tx1"/>
+                          </a:solidFill>
+                        </a:rPr>
+                        <a:t>1. X</a:t>
+                      </a:r>
+                      <a:r>
+                        <a:rPr lang="ko-KR" altLang="en-US" sz="800" dirty="0">
+                          <a:solidFill>
+                            <a:schemeClr val="tx1"/>
+                          </a:solidFill>
+                        </a:rPr>
+                        <a:t>축 이벤트 </a:t>
+                      </a:r>
+                      <a:r>
+                        <a:rPr lang="en-US" altLang="ko-KR" sz="800" dirty="0">
+                          <a:solidFill>
+                            <a:schemeClr val="tx1"/>
+                          </a:solidFill>
+                        </a:rPr>
+                        <a:t>Threshold</a:t>
+                      </a:r>
+                    </a:p>
+                    <a:p>
+                      <a:pPr algn="l" latinLnBrk="1"/>
+                      <a:r>
+                        <a:rPr lang="en-US" altLang="ko-KR" sz="800" dirty="0">
+                          <a:solidFill>
+                            <a:schemeClr val="tx1"/>
+                          </a:solidFill>
+                        </a:rPr>
+                        <a:t>2. Y</a:t>
+                      </a:r>
+                      <a:r>
+                        <a:rPr lang="ko-KR" altLang="en-US" sz="800" dirty="0">
+                          <a:solidFill>
+                            <a:schemeClr val="tx1"/>
+                          </a:solidFill>
+                        </a:rPr>
+                        <a:t>축 이벤트 </a:t>
+                      </a:r>
+                      <a:r>
+                        <a:rPr lang="en-US" altLang="ko-KR" sz="800" dirty="0">
+                          <a:solidFill>
+                            <a:schemeClr val="tx1"/>
+                          </a:solidFill>
+                        </a:rPr>
+                        <a:t>Threshold</a:t>
+                      </a:r>
+                    </a:p>
+                    <a:p>
+                      <a:pPr algn="l" latinLnBrk="1"/>
+                      <a:r>
+                        <a:rPr lang="en-US" altLang="ko-KR" sz="800" dirty="0">
+                          <a:solidFill>
+                            <a:schemeClr val="tx1"/>
+                          </a:solidFill>
+                        </a:rPr>
+                        <a:t>3. Z</a:t>
+                      </a:r>
+                      <a:r>
+                        <a:rPr lang="ko-KR" altLang="en-US" sz="800" dirty="0">
+                          <a:solidFill>
+                            <a:schemeClr val="tx1"/>
+                          </a:solidFill>
+                        </a:rPr>
+                        <a:t>축 이벤트 </a:t>
+                      </a:r>
+                      <a:r>
+                        <a:rPr lang="en-US" altLang="ko-KR" sz="800" dirty="0">
+                          <a:solidFill>
+                            <a:schemeClr val="tx1"/>
+                          </a:solidFill>
+                        </a:rPr>
+                        <a:t>Threshold</a:t>
+                      </a:r>
+                    </a:p>
+                    <a:p>
+                      <a:pPr algn="l" latinLnBrk="1"/>
+                      <a:r>
+                        <a:rPr lang="en-US" altLang="ko-KR" sz="800" dirty="0">
+                          <a:solidFill>
+                            <a:schemeClr val="tx1"/>
+                          </a:solidFill>
+                        </a:rPr>
+                        <a:t>4. </a:t>
+                      </a:r>
+                      <a:r>
+                        <a:rPr lang="ko-KR" altLang="en-US" sz="800" dirty="0">
+                          <a:solidFill>
+                            <a:schemeClr val="tx1"/>
+                          </a:solidFill>
+                        </a:rPr>
+                        <a:t>녹화영상 보관 일 </a:t>
+                      </a:r>
+                      <a:r>
+                        <a:rPr lang="en-US" altLang="ko-KR" sz="800" dirty="0">
+                          <a:solidFill>
+                            <a:schemeClr val="tx1"/>
+                          </a:solidFill>
+                        </a:rPr>
+                        <a:t>(x</a:t>
+                      </a:r>
+                      <a:r>
+                        <a:rPr lang="ko-KR" altLang="en-US" sz="800" dirty="0">
+                          <a:solidFill>
+                            <a:schemeClr val="tx1"/>
+                          </a:solidFill>
+                        </a:rPr>
+                        <a:t>일 이내</a:t>
+                      </a:r>
+                      <a:r>
+                        <a:rPr lang="en-US" altLang="ko-KR" sz="800" dirty="0">
+                          <a:solidFill>
+                            <a:schemeClr val="tx1"/>
+                          </a:solidFill>
+                        </a:rPr>
+                        <a:t>)</a:t>
+                      </a:r>
+                    </a:p>
+                    <a:p>
+                      <a:pPr algn="l" latinLnBrk="1"/>
+                      <a:r>
+                        <a:rPr lang="en-US" altLang="ko-KR" sz="800" dirty="0">
+                          <a:solidFill>
+                            <a:schemeClr val="tx1"/>
+                          </a:solidFill>
+                        </a:rPr>
+                        <a:t>5. </a:t>
+                      </a:r>
+                      <a:r>
+                        <a:rPr lang="ko-KR" altLang="en-US" sz="800" dirty="0">
+                          <a:solidFill>
+                            <a:schemeClr val="tx1"/>
+                          </a:solidFill>
+                        </a:rPr>
+                        <a:t>충돌영상 녹화 길이 </a:t>
+                      </a:r>
+                      <a:r>
+                        <a:rPr lang="en-US" altLang="ko-KR" sz="800" dirty="0">
+                          <a:solidFill>
+                            <a:schemeClr val="tx1"/>
+                          </a:solidFill>
+                        </a:rPr>
+                        <a:t>(</a:t>
+                      </a:r>
+                      <a:r>
+                        <a:rPr lang="ko-KR" altLang="en-US" sz="800" dirty="0">
+                          <a:solidFill>
+                            <a:schemeClr val="tx1"/>
+                          </a:solidFill>
+                        </a:rPr>
+                        <a:t>초</a:t>
+                      </a:r>
+                      <a:r>
+                        <a:rPr lang="en-US" altLang="ko-KR" sz="800" dirty="0">
+                          <a:solidFill>
+                            <a:schemeClr val="tx1"/>
+                          </a:solidFill>
+                        </a:rPr>
+                        <a:t>)</a:t>
+                      </a:r>
+                    </a:p>
+                  </a:txBody>
+                  <a:tcPr>
+                    <a:lnL w="3175" cap="flat" cmpd="sng" algn="ctr">
+                      <a:solidFill>
+                        <a:schemeClr val="tx1"/>
+                      </a:solidFill>
+                      <a:prstDash val="solid"/>
+                      <a:round/>
+                      <a:headEnd type="none" w="med" len="med"/>
+                      <a:tailEnd type="none" w="med" len="med"/>
+                    </a:lnL>
+                    <a:lnR w="3175" cap="flat" cmpd="sng" algn="ctr">
+                      <a:solidFill>
+                        <a:schemeClr val="tx1"/>
+                      </a:solidFill>
+                      <a:prstDash val="solid"/>
+                      <a:round/>
+                      <a:headEnd type="none" w="med" len="med"/>
+                      <a:tailEnd type="none" w="med" len="med"/>
+                    </a:lnR>
+                    <a:lnT w="3175" cap="flat" cmpd="sng" algn="ctr">
+                      <a:solidFill>
+                        <a:schemeClr val="tx1"/>
+                      </a:solidFill>
+                      <a:prstDash val="solid"/>
+                      <a:round/>
+                      <a:headEnd type="none" w="med" len="med"/>
+                      <a:tailEnd type="none" w="med" len="med"/>
+                    </a:lnT>
+                    <a:lnB w="3175" cap="flat" cmpd="sng" algn="ctr">
+                      <a:solidFill>
+                        <a:schemeClr val="tx1"/>
+                      </a:solidFill>
+                      <a:prstDash val="solid"/>
+                      <a:round/>
+                      <a:headEnd type="none" w="med" len="med"/>
+                      <a:tailEnd type="none" w="med" len="med"/>
+                    </a:lnB>
+                  </a:tcPr>
+                </a:tc>
+                <a:extLst>
+                  <a:ext uri="{0D108BD9-81ED-4DB2-BD59-A6C34878D82A}">
+                    <a16:rowId xmlns:a16="http://schemas.microsoft.com/office/drawing/2014/main" val="2220716169"/>
                   </a:ext>
                 </a:extLst>
               </a:tr>
@@ -5235,1454 +7019,7 @@
                   <a:schemeClr val="tx1"/>
                 </a:solidFill>
               </a:rPr>
-              <a:t>노후감시</a:t>
-            </a:r>
-          </a:p>
-        </p:txBody>
-      </p:sp>
-      <p:graphicFrame>
-        <p:nvGraphicFramePr>
-          <p:cNvPr id="7" name="표 6">
-            <a:extLst>
-              <a:ext uri="{FF2B5EF4-FFF2-40B4-BE49-F238E27FC236}">
-                <a16:creationId xmlns:a16="http://schemas.microsoft.com/office/drawing/2014/main" id="{7AD756A9-4B3F-75FE-33FC-B04BA2528C93}"/>
-              </a:ext>
-            </a:extLst>
-          </p:cNvPr>
-          <p:cNvGraphicFramePr>
-            <a:graphicFrameLocks noGrp="1"/>
-          </p:cNvGraphicFramePr>
-          <p:nvPr>
-            <p:extLst>
-              <p:ext uri="{D42A27DB-BD31-4B8C-83A1-F6EECF244321}">
-                <p14:modId xmlns:p14="http://schemas.microsoft.com/office/powerpoint/2010/main" val="2609026937"/>
-              </p:ext>
-            </p:extLst>
-          </p:nvPr>
-        </p:nvGraphicFramePr>
-        <p:xfrm>
-          <a:off x="233082" y="3472412"/>
-          <a:ext cx="11734800" cy="1572336"/>
-        </p:xfrm>
-        <a:graphic>
-          <a:graphicData uri="http://schemas.openxmlformats.org/drawingml/2006/table">
-            <a:tbl>
-              <a:tblPr firstRow="1" bandRow="1">
-                <a:tableStyleId>{5940675A-B579-460E-94D1-54222C63F5DA}</a:tableStyleId>
-              </a:tblPr>
-              <a:tblGrid>
-                <a:gridCol w="855950">
-                  <a:extLst>
-                    <a:ext uri="{9D8B030D-6E8A-4147-A177-3AD203B41FA5}">
-                      <a16:colId xmlns:a16="http://schemas.microsoft.com/office/drawing/2014/main" val="2289714061"/>
-                    </a:ext>
-                  </a:extLst>
-                </a:gridCol>
-                <a:gridCol w="2629976">
-                  <a:extLst>
-                    <a:ext uri="{9D8B030D-6E8A-4147-A177-3AD203B41FA5}">
-                      <a16:colId xmlns:a16="http://schemas.microsoft.com/office/drawing/2014/main" val="3074322668"/>
-                    </a:ext>
-                  </a:extLst>
-                </a:gridCol>
-                <a:gridCol w="2850866">
-                  <a:extLst>
-                    <a:ext uri="{9D8B030D-6E8A-4147-A177-3AD203B41FA5}">
-                      <a16:colId xmlns:a16="http://schemas.microsoft.com/office/drawing/2014/main" val="1798977469"/>
-                    </a:ext>
-                  </a:extLst>
-                </a:gridCol>
-                <a:gridCol w="2699004">
-                  <a:extLst>
-                    <a:ext uri="{9D8B030D-6E8A-4147-A177-3AD203B41FA5}">
-                      <a16:colId xmlns:a16="http://schemas.microsoft.com/office/drawing/2014/main" val="1643037011"/>
-                    </a:ext>
-                  </a:extLst>
-                </a:gridCol>
-                <a:gridCol w="2699004">
-                  <a:extLst>
-                    <a:ext uri="{9D8B030D-6E8A-4147-A177-3AD203B41FA5}">
-                      <a16:colId xmlns:a16="http://schemas.microsoft.com/office/drawing/2014/main" val="2136492913"/>
-                    </a:ext>
-                  </a:extLst>
-                </a:gridCol>
-              </a:tblGrid>
-              <a:tr h="331072">
-                <a:tc>
-                  <a:txBody>
-                    <a:bodyPr/>
-                    <a:lstStyle/>
-                    <a:p>
-                      <a:pPr algn="ctr" latinLnBrk="1"/>
-                      <a:r>
-                        <a:rPr lang="ko-KR" altLang="en-US" sz="800" dirty="0">
-                          <a:solidFill>
-                            <a:schemeClr val="tx1"/>
-                          </a:solidFill>
-                        </a:rPr>
-                        <a:t>구분</a:t>
-                      </a:r>
-                    </a:p>
-                  </a:txBody>
-                  <a:tcPr anchor="ctr">
-                    <a:lnL w="3175" cap="flat" cmpd="sng" algn="ctr">
-                      <a:solidFill>
-                        <a:schemeClr val="tx1"/>
-                      </a:solidFill>
-                      <a:prstDash val="solid"/>
-                      <a:round/>
-                      <a:headEnd type="none" w="med" len="med"/>
-                      <a:tailEnd type="none" w="med" len="med"/>
-                    </a:lnL>
-                    <a:lnR w="3175" cap="flat" cmpd="sng" algn="ctr">
-                      <a:solidFill>
-                        <a:schemeClr val="tx1"/>
-                      </a:solidFill>
-                      <a:prstDash val="solid"/>
-                      <a:round/>
-                      <a:headEnd type="none" w="med" len="med"/>
-                      <a:tailEnd type="none" w="med" len="med"/>
-                    </a:lnR>
-                    <a:lnT w="3175" cap="flat" cmpd="sng" algn="ctr">
-                      <a:solidFill>
-                        <a:schemeClr val="tx1"/>
-                      </a:solidFill>
-                      <a:prstDash val="solid"/>
-                      <a:round/>
-                      <a:headEnd type="none" w="med" len="med"/>
-                      <a:tailEnd type="none" w="med" len="med"/>
-                    </a:lnT>
-                    <a:lnB w="3175" cap="flat" cmpd="sng" algn="ctr">
-                      <a:solidFill>
-                        <a:schemeClr val="tx1"/>
-                      </a:solidFill>
-                      <a:prstDash val="solid"/>
-                      <a:round/>
-                      <a:headEnd type="none" w="med" len="med"/>
-                      <a:tailEnd type="none" w="med" len="med"/>
-                    </a:lnB>
-                  </a:tcPr>
-                </a:tc>
-                <a:tc>
-                  <a:txBody>
-                    <a:bodyPr/>
-                    <a:lstStyle/>
-                    <a:p>
-                      <a:pPr algn="ctr" latinLnBrk="1"/>
-                      <a:r>
-                        <a:rPr lang="ko-KR" altLang="en-US" sz="800" dirty="0">
-                          <a:solidFill>
-                            <a:schemeClr val="tx1"/>
-                          </a:solidFill>
-                        </a:rPr>
-                        <a:t>계측</a:t>
-                      </a:r>
-                      <a:r>
-                        <a:rPr lang="en-US" altLang="ko-KR" sz="800" dirty="0">
-                          <a:solidFill>
-                            <a:schemeClr val="tx1"/>
-                          </a:solidFill>
-                        </a:rPr>
-                        <a:t>, </a:t>
-                      </a:r>
-                      <a:r>
-                        <a:rPr lang="ko-KR" altLang="en-US" sz="800" dirty="0">
-                          <a:solidFill>
-                            <a:schemeClr val="tx1"/>
-                          </a:solidFill>
-                        </a:rPr>
-                        <a:t>분석</a:t>
-                      </a:r>
-                    </a:p>
-                  </a:txBody>
-                  <a:tcPr anchor="ctr">
-                    <a:lnL w="3175" cap="flat" cmpd="sng" algn="ctr">
-                      <a:solidFill>
-                        <a:schemeClr val="tx1"/>
-                      </a:solidFill>
-                      <a:prstDash val="solid"/>
-                      <a:round/>
-                      <a:headEnd type="none" w="med" len="med"/>
-                      <a:tailEnd type="none" w="med" len="med"/>
-                    </a:lnL>
-                    <a:lnR w="3175" cap="flat" cmpd="sng" algn="ctr">
-                      <a:solidFill>
-                        <a:schemeClr val="tx1"/>
-                      </a:solidFill>
-                      <a:prstDash val="solid"/>
-                      <a:round/>
-                      <a:headEnd type="none" w="med" len="med"/>
-                      <a:tailEnd type="none" w="med" len="med"/>
-                    </a:lnR>
-                    <a:lnT w="3175" cap="flat" cmpd="sng" algn="ctr">
-                      <a:solidFill>
-                        <a:schemeClr val="tx1"/>
-                      </a:solidFill>
-                      <a:prstDash val="solid"/>
-                      <a:round/>
-                      <a:headEnd type="none" w="med" len="med"/>
-                      <a:tailEnd type="none" w="med" len="med"/>
-                    </a:lnT>
-                    <a:lnB w="3175" cap="flat" cmpd="sng" algn="ctr">
-                      <a:solidFill>
-                        <a:schemeClr val="tx1"/>
-                      </a:solidFill>
-                      <a:prstDash val="solid"/>
-                      <a:round/>
-                      <a:headEnd type="none" w="med" len="med"/>
-                      <a:tailEnd type="none" w="med" len="med"/>
-                    </a:lnB>
-                  </a:tcPr>
-                </a:tc>
-                <a:tc>
-                  <a:txBody>
-                    <a:bodyPr/>
-                    <a:lstStyle/>
-                    <a:p>
-                      <a:pPr algn="ctr" latinLnBrk="1"/>
-                      <a:r>
-                        <a:rPr lang="ko-KR" altLang="en-US" sz="800" dirty="0">
-                          <a:solidFill>
-                            <a:schemeClr val="tx1"/>
-                          </a:solidFill>
-                        </a:rPr>
-                        <a:t>이벤트</a:t>
-                      </a:r>
-                    </a:p>
-                  </a:txBody>
-                  <a:tcPr anchor="ctr">
-                    <a:lnL w="3175" cap="flat" cmpd="sng" algn="ctr">
-                      <a:solidFill>
-                        <a:schemeClr val="tx1"/>
-                      </a:solidFill>
-                      <a:prstDash val="solid"/>
-                      <a:round/>
-                      <a:headEnd type="none" w="med" len="med"/>
-                      <a:tailEnd type="none" w="med" len="med"/>
-                    </a:lnL>
-                    <a:lnR w="3175" cap="flat" cmpd="sng" algn="ctr">
-                      <a:solidFill>
-                        <a:schemeClr val="tx1"/>
-                      </a:solidFill>
-                      <a:prstDash val="solid"/>
-                      <a:round/>
-                      <a:headEnd type="none" w="med" len="med"/>
-                      <a:tailEnd type="none" w="med" len="med"/>
-                    </a:lnR>
-                    <a:lnT w="3175" cap="flat" cmpd="sng" algn="ctr">
-                      <a:solidFill>
-                        <a:schemeClr val="tx1"/>
-                      </a:solidFill>
-                      <a:prstDash val="solid"/>
-                      <a:round/>
-                      <a:headEnd type="none" w="med" len="med"/>
-                      <a:tailEnd type="none" w="med" len="med"/>
-                    </a:lnT>
-                    <a:lnB w="3175" cap="flat" cmpd="sng" algn="ctr">
-                      <a:solidFill>
-                        <a:schemeClr val="tx1"/>
-                      </a:solidFill>
-                      <a:prstDash val="solid"/>
-                      <a:round/>
-                      <a:headEnd type="none" w="med" len="med"/>
-                      <a:tailEnd type="none" w="med" len="med"/>
-                    </a:lnB>
-                  </a:tcPr>
-                </a:tc>
-                <a:tc>
-                  <a:txBody>
-                    <a:bodyPr/>
-                    <a:lstStyle/>
-                    <a:p>
-                      <a:pPr algn="ctr" latinLnBrk="1"/>
-                      <a:r>
-                        <a:rPr lang="ko-KR" altLang="en-US" sz="800" dirty="0">
-                          <a:solidFill>
-                            <a:schemeClr val="tx1"/>
-                          </a:solidFill>
-                        </a:rPr>
-                        <a:t>상태</a:t>
-                      </a:r>
-                    </a:p>
-                  </a:txBody>
-                  <a:tcPr anchor="ctr">
-                    <a:lnL w="3175" cap="flat" cmpd="sng" algn="ctr">
-                      <a:solidFill>
-                        <a:schemeClr val="tx1"/>
-                      </a:solidFill>
-                      <a:prstDash val="solid"/>
-                      <a:round/>
-                      <a:headEnd type="none" w="med" len="med"/>
-                      <a:tailEnd type="none" w="med" len="med"/>
-                    </a:lnL>
-                    <a:lnR w="3175" cap="flat" cmpd="sng" algn="ctr">
-                      <a:solidFill>
-                        <a:schemeClr val="tx1"/>
-                      </a:solidFill>
-                      <a:prstDash val="solid"/>
-                      <a:round/>
-                      <a:headEnd type="none" w="med" len="med"/>
-                      <a:tailEnd type="none" w="med" len="med"/>
-                    </a:lnR>
-                    <a:lnT w="3175" cap="flat" cmpd="sng" algn="ctr">
-                      <a:solidFill>
-                        <a:schemeClr val="tx1"/>
-                      </a:solidFill>
-                      <a:prstDash val="solid"/>
-                      <a:round/>
-                      <a:headEnd type="none" w="med" len="med"/>
-                      <a:tailEnd type="none" w="med" len="med"/>
-                    </a:lnT>
-                    <a:lnB w="3175" cap="flat" cmpd="sng" algn="ctr">
-                      <a:solidFill>
-                        <a:schemeClr val="tx1"/>
-                      </a:solidFill>
-                      <a:prstDash val="solid"/>
-                      <a:round/>
-                      <a:headEnd type="none" w="med" len="med"/>
-                      <a:tailEnd type="none" w="med" len="med"/>
-                    </a:lnB>
-                  </a:tcPr>
-                </a:tc>
-                <a:tc>
-                  <a:txBody>
-                    <a:bodyPr/>
-                    <a:lstStyle/>
-                    <a:p>
-                      <a:pPr algn="ctr" latinLnBrk="1"/>
-                      <a:r>
-                        <a:rPr lang="ko-KR" altLang="en-US" sz="800" dirty="0">
-                          <a:solidFill>
-                            <a:schemeClr val="tx1"/>
-                          </a:solidFill>
-                        </a:rPr>
-                        <a:t>제어</a:t>
-                      </a:r>
-                      <a:r>
-                        <a:rPr lang="en-US" altLang="ko-KR" sz="800" dirty="0">
-                          <a:solidFill>
-                            <a:schemeClr val="tx1"/>
-                          </a:solidFill>
-                        </a:rPr>
-                        <a:t>, </a:t>
-                      </a:r>
-                      <a:r>
-                        <a:rPr lang="ko-KR" altLang="en-US" sz="800" dirty="0">
-                          <a:solidFill>
-                            <a:schemeClr val="tx1"/>
-                          </a:solidFill>
-                        </a:rPr>
-                        <a:t>설정</a:t>
-                      </a:r>
-                    </a:p>
-                  </a:txBody>
-                  <a:tcPr anchor="ctr">
-                    <a:lnL w="3175" cap="flat" cmpd="sng" algn="ctr">
-                      <a:solidFill>
-                        <a:schemeClr val="tx1"/>
-                      </a:solidFill>
-                      <a:prstDash val="solid"/>
-                      <a:round/>
-                      <a:headEnd type="none" w="med" len="med"/>
-                      <a:tailEnd type="none" w="med" len="med"/>
-                    </a:lnL>
-                    <a:lnR w="3175" cap="flat" cmpd="sng" algn="ctr">
-                      <a:solidFill>
-                        <a:schemeClr val="tx1"/>
-                      </a:solidFill>
-                      <a:prstDash val="solid"/>
-                      <a:round/>
-                      <a:headEnd type="none" w="med" len="med"/>
-                      <a:tailEnd type="none" w="med" len="med"/>
-                    </a:lnR>
-                    <a:lnT w="3175" cap="flat" cmpd="sng" algn="ctr">
-                      <a:solidFill>
-                        <a:schemeClr val="tx1"/>
-                      </a:solidFill>
-                      <a:prstDash val="solid"/>
-                      <a:round/>
-                      <a:headEnd type="none" w="med" len="med"/>
-                      <a:tailEnd type="none" w="med" len="med"/>
-                    </a:lnT>
-                    <a:lnB w="3175" cap="flat" cmpd="sng" algn="ctr">
-                      <a:solidFill>
-                        <a:schemeClr val="tx1"/>
-                      </a:solidFill>
-                      <a:prstDash val="solid"/>
-                      <a:round/>
-                      <a:headEnd type="none" w="med" len="med"/>
-                      <a:tailEnd type="none" w="med" len="med"/>
-                    </a:lnB>
-                  </a:tcPr>
-                </a:tc>
-                <a:extLst>
-                  <a:ext uri="{0D108BD9-81ED-4DB2-BD59-A6C34878D82A}">
-                    <a16:rowId xmlns:a16="http://schemas.microsoft.com/office/drawing/2014/main" val="8603986"/>
-                  </a:ext>
-                </a:extLst>
-              </a:tr>
-              <a:tr h="331072">
-                <a:tc>
-                  <a:txBody>
-                    <a:bodyPr/>
-                    <a:lstStyle/>
-                    <a:p>
-                      <a:pPr algn="l" latinLnBrk="1"/>
-                      <a:r>
-                        <a:rPr lang="en-US" altLang="ko-KR" sz="800" dirty="0">
-                          <a:solidFill>
-                            <a:schemeClr val="tx1"/>
-                          </a:solidFill>
-                        </a:rPr>
-                        <a:t>Data logger</a:t>
-                      </a:r>
-                      <a:endParaRPr lang="ko-KR" altLang="en-US" sz="800" dirty="0">
-                        <a:solidFill>
-                          <a:schemeClr val="tx1"/>
-                        </a:solidFill>
-                      </a:endParaRPr>
-                    </a:p>
-                  </a:txBody>
-                  <a:tcPr anchor="ctr">
-                    <a:lnL w="3175" cap="flat" cmpd="sng" algn="ctr">
-                      <a:solidFill>
-                        <a:schemeClr val="tx1"/>
-                      </a:solidFill>
-                      <a:prstDash val="solid"/>
-                      <a:round/>
-                      <a:headEnd type="none" w="med" len="med"/>
-                      <a:tailEnd type="none" w="med" len="med"/>
-                    </a:lnL>
-                    <a:lnR w="3175" cap="flat" cmpd="sng" algn="ctr">
-                      <a:solidFill>
-                        <a:schemeClr val="tx1"/>
-                      </a:solidFill>
-                      <a:prstDash val="solid"/>
-                      <a:round/>
-                      <a:headEnd type="none" w="med" len="med"/>
-                      <a:tailEnd type="none" w="med" len="med"/>
-                    </a:lnR>
-                    <a:lnT w="3175" cap="flat" cmpd="sng" algn="ctr">
-                      <a:solidFill>
-                        <a:schemeClr val="tx1"/>
-                      </a:solidFill>
-                      <a:prstDash val="solid"/>
-                      <a:round/>
-                      <a:headEnd type="none" w="med" len="med"/>
-                      <a:tailEnd type="none" w="med" len="med"/>
-                    </a:lnT>
-                    <a:lnB w="3175" cap="flat" cmpd="sng" algn="ctr">
-                      <a:solidFill>
-                        <a:schemeClr val="tx1"/>
-                      </a:solidFill>
-                      <a:prstDash val="solid"/>
-                      <a:round/>
-                      <a:headEnd type="none" w="med" len="med"/>
-                      <a:tailEnd type="none" w="med" len="med"/>
-                    </a:lnB>
-                  </a:tcPr>
-                </a:tc>
-                <a:tc>
-                  <a:txBody>
-                    <a:bodyPr/>
-                    <a:lstStyle/>
-                    <a:p>
-                      <a:endParaRPr lang="en-US" altLang="ko-KR" sz="800" dirty="0">
-                        <a:solidFill>
-                          <a:schemeClr val="tx1"/>
-                        </a:solidFill>
-                      </a:endParaRPr>
-                    </a:p>
-                  </a:txBody>
-                  <a:tcPr anchor="ctr">
-                    <a:lnL w="3175" cap="flat" cmpd="sng" algn="ctr">
-                      <a:solidFill>
-                        <a:schemeClr val="tx1"/>
-                      </a:solidFill>
-                      <a:prstDash val="solid"/>
-                      <a:round/>
-                      <a:headEnd type="none" w="med" len="med"/>
-                      <a:tailEnd type="none" w="med" len="med"/>
-                    </a:lnL>
-                    <a:lnR w="3175" cap="flat" cmpd="sng" algn="ctr">
-                      <a:solidFill>
-                        <a:schemeClr val="tx1"/>
-                      </a:solidFill>
-                      <a:prstDash val="solid"/>
-                      <a:round/>
-                      <a:headEnd type="none" w="med" len="med"/>
-                      <a:tailEnd type="none" w="med" len="med"/>
-                    </a:lnR>
-                    <a:lnT w="3175" cap="flat" cmpd="sng" algn="ctr">
-                      <a:solidFill>
-                        <a:schemeClr val="tx1"/>
-                      </a:solidFill>
-                      <a:prstDash val="solid"/>
-                      <a:round/>
-                      <a:headEnd type="none" w="med" len="med"/>
-                      <a:tailEnd type="none" w="med" len="med"/>
-                    </a:lnT>
-                    <a:lnB w="3175" cap="flat" cmpd="sng" algn="ctr">
-                      <a:solidFill>
-                        <a:schemeClr val="tx1"/>
-                      </a:solidFill>
-                      <a:prstDash val="solid"/>
-                      <a:round/>
-                      <a:headEnd type="none" w="med" len="med"/>
-                      <a:tailEnd type="none" w="med" len="med"/>
-                    </a:lnB>
-                  </a:tcPr>
-                </a:tc>
-                <a:tc>
-                  <a:txBody>
-                    <a:bodyPr/>
-                    <a:lstStyle/>
-                    <a:p>
-                      <a:pPr algn="l" latinLnBrk="1"/>
-                      <a:endParaRPr lang="ko-KR" altLang="en-US" sz="800" dirty="0">
-                        <a:solidFill>
-                          <a:schemeClr val="tx1"/>
-                        </a:solidFill>
-                      </a:endParaRPr>
-                    </a:p>
-                  </a:txBody>
-                  <a:tcPr anchor="ctr">
-                    <a:lnL w="3175" cap="flat" cmpd="sng" algn="ctr">
-                      <a:solidFill>
-                        <a:schemeClr val="tx1"/>
-                      </a:solidFill>
-                      <a:prstDash val="solid"/>
-                      <a:round/>
-                      <a:headEnd type="none" w="med" len="med"/>
-                      <a:tailEnd type="none" w="med" len="med"/>
-                    </a:lnL>
-                    <a:lnR w="3175" cap="flat" cmpd="sng" algn="ctr">
-                      <a:solidFill>
-                        <a:schemeClr val="tx1"/>
-                      </a:solidFill>
-                      <a:prstDash val="solid"/>
-                      <a:round/>
-                      <a:headEnd type="none" w="med" len="med"/>
-                      <a:tailEnd type="none" w="med" len="med"/>
-                    </a:lnR>
-                    <a:lnT w="3175" cap="flat" cmpd="sng" algn="ctr">
-                      <a:solidFill>
-                        <a:schemeClr val="tx1"/>
-                      </a:solidFill>
-                      <a:prstDash val="solid"/>
-                      <a:round/>
-                      <a:headEnd type="none" w="med" len="med"/>
-                      <a:tailEnd type="none" w="med" len="med"/>
-                    </a:lnT>
-                    <a:lnB w="3175" cap="flat" cmpd="sng" algn="ctr">
-                      <a:solidFill>
-                        <a:schemeClr val="tx1"/>
-                      </a:solidFill>
-                      <a:prstDash val="solid"/>
-                      <a:round/>
-                      <a:headEnd type="none" w="med" len="med"/>
-                      <a:tailEnd type="none" w="med" len="med"/>
-                    </a:lnB>
-                  </a:tcPr>
-                </a:tc>
-                <a:tc>
-                  <a:txBody>
-                    <a:bodyPr/>
-                    <a:lstStyle/>
-                    <a:p>
-                      <a:pPr algn="l" latinLnBrk="1"/>
-                      <a:endParaRPr lang="ko-KR" altLang="en-US" sz="800" dirty="0">
-                        <a:solidFill>
-                          <a:schemeClr val="tx1"/>
-                        </a:solidFill>
-                      </a:endParaRPr>
-                    </a:p>
-                  </a:txBody>
-                  <a:tcPr anchor="ctr">
-                    <a:lnL w="3175" cap="flat" cmpd="sng" algn="ctr">
-                      <a:solidFill>
-                        <a:schemeClr val="tx1"/>
-                      </a:solidFill>
-                      <a:prstDash val="solid"/>
-                      <a:round/>
-                      <a:headEnd type="none" w="med" len="med"/>
-                      <a:tailEnd type="none" w="med" len="med"/>
-                    </a:lnL>
-                    <a:lnR w="3175" cap="flat" cmpd="sng" algn="ctr">
-                      <a:solidFill>
-                        <a:schemeClr val="tx1"/>
-                      </a:solidFill>
-                      <a:prstDash val="solid"/>
-                      <a:round/>
-                      <a:headEnd type="none" w="med" len="med"/>
-                      <a:tailEnd type="none" w="med" len="med"/>
-                    </a:lnR>
-                    <a:lnT w="3175" cap="flat" cmpd="sng" algn="ctr">
-                      <a:solidFill>
-                        <a:schemeClr val="tx1"/>
-                      </a:solidFill>
-                      <a:prstDash val="solid"/>
-                      <a:round/>
-                      <a:headEnd type="none" w="med" len="med"/>
-                      <a:tailEnd type="none" w="med" len="med"/>
-                    </a:lnT>
-                    <a:lnB w="3175" cap="flat" cmpd="sng" algn="ctr">
-                      <a:solidFill>
-                        <a:schemeClr val="tx1"/>
-                      </a:solidFill>
-                      <a:prstDash val="solid"/>
-                      <a:round/>
-                      <a:headEnd type="none" w="med" len="med"/>
-                      <a:tailEnd type="none" w="med" len="med"/>
-                    </a:lnB>
-                  </a:tcPr>
-                </a:tc>
-                <a:tc>
-                  <a:txBody>
-                    <a:bodyPr/>
-                    <a:lstStyle/>
-                    <a:p>
-                      <a:pPr algn="l" latinLnBrk="1"/>
-                      <a:endParaRPr lang="ko-KR" altLang="en-US" sz="800" dirty="0">
-                        <a:solidFill>
-                          <a:schemeClr val="tx1"/>
-                        </a:solidFill>
-                      </a:endParaRPr>
-                    </a:p>
-                  </a:txBody>
-                  <a:tcPr anchor="ctr">
-                    <a:lnL w="3175" cap="flat" cmpd="sng" algn="ctr">
-                      <a:solidFill>
-                        <a:schemeClr val="tx1"/>
-                      </a:solidFill>
-                      <a:prstDash val="solid"/>
-                      <a:round/>
-                      <a:headEnd type="none" w="med" len="med"/>
-                      <a:tailEnd type="none" w="med" len="med"/>
-                    </a:lnL>
-                    <a:lnR w="3175" cap="flat" cmpd="sng" algn="ctr">
-                      <a:solidFill>
-                        <a:schemeClr val="tx1"/>
-                      </a:solidFill>
-                      <a:prstDash val="solid"/>
-                      <a:round/>
-                      <a:headEnd type="none" w="med" len="med"/>
-                      <a:tailEnd type="none" w="med" len="med"/>
-                    </a:lnR>
-                    <a:lnT w="3175" cap="flat" cmpd="sng" algn="ctr">
-                      <a:solidFill>
-                        <a:schemeClr val="tx1"/>
-                      </a:solidFill>
-                      <a:prstDash val="solid"/>
-                      <a:round/>
-                      <a:headEnd type="none" w="med" len="med"/>
-                      <a:tailEnd type="none" w="med" len="med"/>
-                    </a:lnT>
-                    <a:lnB w="3175" cap="flat" cmpd="sng" algn="ctr">
-                      <a:solidFill>
-                        <a:schemeClr val="tx1"/>
-                      </a:solidFill>
-                      <a:prstDash val="solid"/>
-                      <a:round/>
-                      <a:headEnd type="none" w="med" len="med"/>
-                      <a:tailEnd type="none" w="med" len="med"/>
-                    </a:lnB>
-                  </a:tcPr>
-                </a:tc>
-                <a:extLst>
-                  <a:ext uri="{0D108BD9-81ED-4DB2-BD59-A6C34878D82A}">
-                    <a16:rowId xmlns:a16="http://schemas.microsoft.com/office/drawing/2014/main" val="472322096"/>
-                  </a:ext>
-                </a:extLst>
-              </a:tr>
-              <a:tr h="331072">
-                <a:tc>
-                  <a:txBody>
-                    <a:bodyPr/>
-                    <a:lstStyle/>
-                    <a:p>
-                      <a:pPr algn="l" latinLnBrk="1"/>
-                      <a:r>
-                        <a:rPr lang="en-US" altLang="ko-KR" sz="800" dirty="0">
-                          <a:solidFill>
-                            <a:schemeClr val="tx1"/>
-                          </a:solidFill>
-                        </a:rPr>
-                        <a:t>Edge platform</a:t>
-                      </a:r>
-                      <a:endParaRPr lang="ko-KR" altLang="en-US" sz="800" dirty="0">
-                        <a:solidFill>
-                          <a:schemeClr val="tx1"/>
-                        </a:solidFill>
-                      </a:endParaRPr>
-                    </a:p>
-                  </a:txBody>
-                  <a:tcPr anchor="ctr">
-                    <a:lnL w="3175" cap="flat" cmpd="sng" algn="ctr">
-                      <a:solidFill>
-                        <a:schemeClr val="tx1"/>
-                      </a:solidFill>
-                      <a:prstDash val="solid"/>
-                      <a:round/>
-                      <a:headEnd type="none" w="med" len="med"/>
-                      <a:tailEnd type="none" w="med" len="med"/>
-                    </a:lnL>
-                    <a:lnR w="3175" cap="flat" cmpd="sng" algn="ctr">
-                      <a:solidFill>
-                        <a:schemeClr val="tx1"/>
-                      </a:solidFill>
-                      <a:prstDash val="solid"/>
-                      <a:round/>
-                      <a:headEnd type="none" w="med" len="med"/>
-                      <a:tailEnd type="none" w="med" len="med"/>
-                    </a:lnR>
-                    <a:lnT w="3175" cap="flat" cmpd="sng" algn="ctr">
-                      <a:solidFill>
-                        <a:schemeClr val="tx1"/>
-                      </a:solidFill>
-                      <a:prstDash val="solid"/>
-                      <a:round/>
-                      <a:headEnd type="none" w="med" len="med"/>
-                      <a:tailEnd type="none" w="med" len="med"/>
-                    </a:lnT>
-                    <a:lnB w="3175" cap="flat" cmpd="sng" algn="ctr">
-                      <a:solidFill>
-                        <a:schemeClr val="tx1"/>
-                      </a:solidFill>
-                      <a:prstDash val="solid"/>
-                      <a:round/>
-                      <a:headEnd type="none" w="med" len="med"/>
-                      <a:tailEnd type="none" w="med" len="med"/>
-                    </a:lnB>
-                  </a:tcPr>
-                </a:tc>
-                <a:tc>
-                  <a:txBody>
-                    <a:bodyPr/>
-                    <a:lstStyle/>
-                    <a:p>
-                      <a:r>
-                        <a:rPr lang="en-US" altLang="ko-KR" sz="800" dirty="0">
-                          <a:solidFill>
-                            <a:schemeClr val="tx1"/>
-                          </a:solidFill>
-                        </a:rPr>
-                        <a:t>1. </a:t>
-                      </a:r>
-                      <a:r>
-                        <a:rPr lang="en-US" altLang="ko-KR" sz="800" dirty="0" err="1">
-                          <a:solidFill>
-                            <a:schemeClr val="tx1"/>
-                          </a:solidFill>
-                        </a:rPr>
-                        <a:t>YoLo</a:t>
-                      </a:r>
-                      <a:r>
-                        <a:rPr lang="ko-KR" altLang="en-US" sz="800" dirty="0">
-                          <a:solidFill>
-                            <a:schemeClr val="tx1"/>
-                          </a:solidFill>
-                        </a:rPr>
-                        <a:t>에서 분석된 화재 위치 정보</a:t>
-                      </a:r>
-                      <a:endParaRPr lang="en-US" altLang="ko-KR" sz="800" dirty="0">
-                        <a:solidFill>
-                          <a:schemeClr val="tx1"/>
-                        </a:solidFill>
-                      </a:endParaRPr>
-                    </a:p>
-                    <a:p>
-                      <a:r>
-                        <a:rPr lang="en-US" altLang="ko-KR" sz="800" dirty="0">
-                          <a:solidFill>
-                            <a:schemeClr val="tx1"/>
-                          </a:solidFill>
-                        </a:rPr>
-                        <a:t>- </a:t>
-                      </a:r>
-                      <a:r>
-                        <a:rPr lang="ko-KR" altLang="en-US" sz="800" dirty="0" err="1">
-                          <a:solidFill>
-                            <a:schemeClr val="tx1"/>
-                          </a:solidFill>
-                        </a:rPr>
-                        <a:t>위치순번</a:t>
-                      </a:r>
-                      <a:r>
-                        <a:rPr lang="en-US" altLang="ko-KR" sz="800" dirty="0">
-                          <a:solidFill>
-                            <a:schemeClr val="tx1"/>
-                          </a:solidFill>
-                        </a:rPr>
-                        <a:t>, X, Y, W, H, Confidence * 6</a:t>
-                      </a:r>
-                      <a:r>
-                        <a:rPr lang="ko-KR" altLang="en-US" sz="800" dirty="0">
-                          <a:solidFill>
-                            <a:schemeClr val="tx1"/>
-                          </a:solidFill>
-                        </a:rPr>
-                        <a:t>건</a:t>
-                      </a:r>
-                      <a:endParaRPr lang="en-US" altLang="ko-KR" sz="800" dirty="0">
-                        <a:solidFill>
-                          <a:schemeClr val="tx1"/>
-                        </a:solidFill>
-                      </a:endParaRPr>
-                    </a:p>
-                    <a:p>
-                      <a:r>
-                        <a:rPr lang="en-US" altLang="ko-KR" sz="800" dirty="0">
-                          <a:solidFill>
-                            <a:schemeClr val="tx1"/>
-                          </a:solidFill>
-                        </a:rPr>
-                        <a:t>2. </a:t>
-                      </a:r>
-                    </a:p>
-                    <a:p>
-                      <a:endParaRPr lang="en-US" altLang="ko-KR" sz="800" dirty="0">
-                        <a:solidFill>
-                          <a:schemeClr val="tx1"/>
-                        </a:solidFill>
-                      </a:endParaRPr>
-                    </a:p>
-                  </a:txBody>
-                  <a:tcPr anchor="ctr">
-                    <a:lnL w="3175" cap="flat" cmpd="sng" algn="ctr">
-                      <a:solidFill>
-                        <a:schemeClr val="tx1"/>
-                      </a:solidFill>
-                      <a:prstDash val="solid"/>
-                      <a:round/>
-                      <a:headEnd type="none" w="med" len="med"/>
-                      <a:tailEnd type="none" w="med" len="med"/>
-                    </a:lnL>
-                    <a:lnR w="3175" cap="flat" cmpd="sng" algn="ctr">
-                      <a:solidFill>
-                        <a:schemeClr val="tx1"/>
-                      </a:solidFill>
-                      <a:prstDash val="solid"/>
-                      <a:round/>
-                      <a:headEnd type="none" w="med" len="med"/>
-                      <a:tailEnd type="none" w="med" len="med"/>
-                    </a:lnR>
-                    <a:lnT w="3175" cap="flat" cmpd="sng" algn="ctr">
-                      <a:solidFill>
-                        <a:schemeClr val="tx1"/>
-                      </a:solidFill>
-                      <a:prstDash val="solid"/>
-                      <a:round/>
-                      <a:headEnd type="none" w="med" len="med"/>
-                      <a:tailEnd type="none" w="med" len="med"/>
-                    </a:lnT>
-                    <a:lnB w="3175" cap="flat" cmpd="sng" algn="ctr">
-                      <a:solidFill>
-                        <a:schemeClr val="tx1"/>
-                      </a:solidFill>
-                      <a:prstDash val="solid"/>
-                      <a:round/>
-                      <a:headEnd type="none" w="med" len="med"/>
-                      <a:tailEnd type="none" w="med" len="med"/>
-                    </a:lnB>
-                  </a:tcPr>
-                </a:tc>
-                <a:tc>
-                  <a:txBody>
-                    <a:bodyPr/>
-                    <a:lstStyle/>
-                    <a:p>
-                      <a:pPr marL="0" marR="0" lvl="0" indent="0" algn="l" defTabSz="914400" rtl="0" eaLnBrk="1" fontAlgn="auto" latinLnBrk="1" hangingPunct="1">
-                        <a:lnSpc>
-                          <a:spcPct val="100000"/>
-                        </a:lnSpc>
-                        <a:spcBef>
-                          <a:spcPts val="0"/>
-                        </a:spcBef>
-                        <a:spcAft>
-                          <a:spcPts val="0"/>
-                        </a:spcAft>
-                        <a:buClrTx/>
-                        <a:buSzTx/>
-                        <a:buFontTx/>
-                        <a:buNone/>
-                        <a:tabLst/>
-                        <a:defRPr/>
-                      </a:pPr>
-                      <a:r>
-                        <a:rPr lang="en-US" altLang="ko-KR" sz="800" dirty="0">
-                          <a:solidFill>
-                            <a:schemeClr val="tx1"/>
-                          </a:solidFill>
-                        </a:rPr>
-                        <a:t>1. </a:t>
-                      </a:r>
-                      <a:r>
-                        <a:rPr lang="ko-KR" altLang="en-US" sz="800" dirty="0">
-                          <a:solidFill>
-                            <a:schemeClr val="tx1"/>
-                          </a:solidFill>
-                        </a:rPr>
-                        <a:t>화재 판단을 위한 </a:t>
-                      </a:r>
-                      <a:r>
-                        <a:rPr lang="en-US" altLang="ko-KR" sz="800" dirty="0">
-                          <a:solidFill>
-                            <a:schemeClr val="tx1"/>
-                          </a:solidFill>
-                        </a:rPr>
-                        <a:t>Threshold</a:t>
-                      </a:r>
-                    </a:p>
-                    <a:p>
-                      <a:pPr marL="0" marR="0" lvl="0" indent="0" algn="l" defTabSz="914400" rtl="0" eaLnBrk="1" fontAlgn="auto" latinLnBrk="1" hangingPunct="1">
-                        <a:lnSpc>
-                          <a:spcPct val="100000"/>
-                        </a:lnSpc>
-                        <a:spcBef>
-                          <a:spcPts val="0"/>
-                        </a:spcBef>
-                        <a:spcAft>
-                          <a:spcPts val="0"/>
-                        </a:spcAft>
-                        <a:buClrTx/>
-                        <a:buSzTx/>
-                        <a:buFontTx/>
-                        <a:buNone/>
-                        <a:tabLst/>
-                        <a:defRPr/>
-                      </a:pPr>
-                      <a:endParaRPr lang="en-US" altLang="ko-KR" sz="800" dirty="0">
-                        <a:solidFill>
-                          <a:schemeClr val="tx1"/>
-                        </a:solidFill>
-                      </a:endParaRPr>
-                    </a:p>
-                  </a:txBody>
-                  <a:tcPr anchor="ctr">
-                    <a:lnL w="3175" cap="flat" cmpd="sng" algn="ctr">
-                      <a:solidFill>
-                        <a:schemeClr val="tx1"/>
-                      </a:solidFill>
-                      <a:prstDash val="solid"/>
-                      <a:round/>
-                      <a:headEnd type="none" w="med" len="med"/>
-                      <a:tailEnd type="none" w="med" len="med"/>
-                    </a:lnL>
-                    <a:lnR w="3175" cap="flat" cmpd="sng" algn="ctr">
-                      <a:solidFill>
-                        <a:schemeClr val="tx1"/>
-                      </a:solidFill>
-                      <a:prstDash val="solid"/>
-                      <a:round/>
-                      <a:headEnd type="none" w="med" len="med"/>
-                      <a:tailEnd type="none" w="med" len="med"/>
-                    </a:lnR>
-                    <a:lnT w="3175" cap="flat" cmpd="sng" algn="ctr">
-                      <a:solidFill>
-                        <a:schemeClr val="tx1"/>
-                      </a:solidFill>
-                      <a:prstDash val="solid"/>
-                      <a:round/>
-                      <a:headEnd type="none" w="med" len="med"/>
-                      <a:tailEnd type="none" w="med" len="med"/>
-                    </a:lnT>
-                    <a:lnB w="3175" cap="flat" cmpd="sng" algn="ctr">
-                      <a:solidFill>
-                        <a:schemeClr val="tx1"/>
-                      </a:solidFill>
-                      <a:prstDash val="solid"/>
-                      <a:round/>
-                      <a:headEnd type="none" w="med" len="med"/>
-                      <a:tailEnd type="none" w="med" len="med"/>
-                    </a:lnB>
-                  </a:tcPr>
-                </a:tc>
-                <a:tc>
-                  <a:txBody>
-                    <a:bodyPr/>
-                    <a:lstStyle/>
-                    <a:p>
-                      <a:pPr algn="l" latinLnBrk="1"/>
-                      <a:r>
-                        <a:rPr lang="en-US" altLang="ko-KR" sz="800" dirty="0">
-                          <a:solidFill>
-                            <a:schemeClr val="tx1"/>
-                          </a:solidFill>
-                        </a:rPr>
-                        <a:t>1. CCTV Streaming</a:t>
-                      </a:r>
-                      <a:r>
-                        <a:rPr lang="ko-KR" altLang="en-US" sz="800" dirty="0">
-                          <a:solidFill>
-                            <a:schemeClr val="tx1"/>
-                          </a:solidFill>
-                        </a:rPr>
-                        <a:t> 정상 여부</a:t>
-                      </a:r>
-                      <a:endParaRPr lang="en-US" altLang="ko-KR" sz="800" dirty="0">
-                        <a:solidFill>
-                          <a:schemeClr val="tx1"/>
-                        </a:solidFill>
-                      </a:endParaRPr>
-                    </a:p>
-                    <a:p>
-                      <a:r>
-                        <a:rPr lang="en-US" altLang="ko-KR" sz="800" dirty="0"/>
-                        <a:t>2. PC</a:t>
-                      </a:r>
-                      <a:r>
-                        <a:rPr lang="ko-KR" altLang="en-US" sz="800" dirty="0"/>
-                        <a:t>상태</a:t>
-                      </a:r>
-                      <a:endParaRPr lang="en-US" altLang="ko-KR" sz="800" dirty="0"/>
-                    </a:p>
-                    <a:p>
-                      <a:r>
-                        <a:rPr lang="en-US" altLang="ko-KR" sz="800" dirty="0"/>
-                        <a:t>- CPU, RAM, HDD, </a:t>
-                      </a:r>
-                      <a:r>
-                        <a:rPr lang="ko-KR" altLang="en-US" sz="800" dirty="0"/>
-                        <a:t>온도 </a:t>
-                      </a:r>
-                      <a:endParaRPr lang="en-US" altLang="ko-KR" sz="800" dirty="0"/>
-                    </a:p>
-                  </a:txBody>
-                  <a:tcPr anchor="ctr">
-                    <a:lnL w="3175" cap="flat" cmpd="sng" algn="ctr">
-                      <a:solidFill>
-                        <a:schemeClr val="tx1"/>
-                      </a:solidFill>
-                      <a:prstDash val="solid"/>
-                      <a:round/>
-                      <a:headEnd type="none" w="med" len="med"/>
-                      <a:tailEnd type="none" w="med" len="med"/>
-                    </a:lnL>
-                    <a:lnR w="3175" cap="flat" cmpd="sng" algn="ctr">
-                      <a:solidFill>
-                        <a:schemeClr val="tx1"/>
-                      </a:solidFill>
-                      <a:prstDash val="solid"/>
-                      <a:round/>
-                      <a:headEnd type="none" w="med" len="med"/>
-                      <a:tailEnd type="none" w="med" len="med"/>
-                    </a:lnR>
-                    <a:lnT w="3175" cap="flat" cmpd="sng" algn="ctr">
-                      <a:solidFill>
-                        <a:schemeClr val="tx1"/>
-                      </a:solidFill>
-                      <a:prstDash val="solid"/>
-                      <a:round/>
-                      <a:headEnd type="none" w="med" len="med"/>
-                      <a:tailEnd type="none" w="med" len="med"/>
-                    </a:lnT>
-                    <a:lnB w="3175" cap="flat" cmpd="sng" algn="ctr">
-                      <a:solidFill>
-                        <a:schemeClr val="tx1"/>
-                      </a:solidFill>
-                      <a:prstDash val="solid"/>
-                      <a:round/>
-                      <a:headEnd type="none" w="med" len="med"/>
-                      <a:tailEnd type="none" w="med" len="med"/>
-                    </a:lnB>
-                  </a:tcPr>
-                </a:tc>
-                <a:tc>
-                  <a:txBody>
-                    <a:bodyPr/>
-                    <a:lstStyle/>
-                    <a:p>
-                      <a:pPr algn="l" latinLnBrk="1"/>
-                      <a:endParaRPr lang="ko-KR" altLang="en-US" sz="800" dirty="0">
-                        <a:solidFill>
-                          <a:schemeClr val="tx1"/>
-                        </a:solidFill>
-                      </a:endParaRPr>
-                    </a:p>
-                  </a:txBody>
-                  <a:tcPr anchor="ctr">
-                    <a:lnL w="3175" cap="flat" cmpd="sng" algn="ctr">
-                      <a:solidFill>
-                        <a:schemeClr val="tx1"/>
-                      </a:solidFill>
-                      <a:prstDash val="solid"/>
-                      <a:round/>
-                      <a:headEnd type="none" w="med" len="med"/>
-                      <a:tailEnd type="none" w="med" len="med"/>
-                    </a:lnL>
-                    <a:lnR w="3175" cap="flat" cmpd="sng" algn="ctr">
-                      <a:solidFill>
-                        <a:schemeClr val="tx1"/>
-                      </a:solidFill>
-                      <a:prstDash val="solid"/>
-                      <a:round/>
-                      <a:headEnd type="none" w="med" len="med"/>
-                      <a:tailEnd type="none" w="med" len="med"/>
-                    </a:lnR>
-                    <a:lnT w="3175" cap="flat" cmpd="sng" algn="ctr">
-                      <a:solidFill>
-                        <a:schemeClr val="tx1"/>
-                      </a:solidFill>
-                      <a:prstDash val="solid"/>
-                      <a:round/>
-                      <a:headEnd type="none" w="med" len="med"/>
-                      <a:tailEnd type="none" w="med" len="med"/>
-                    </a:lnT>
-                    <a:lnB w="3175" cap="flat" cmpd="sng" algn="ctr">
-                      <a:solidFill>
-                        <a:schemeClr val="tx1"/>
-                      </a:solidFill>
-                      <a:prstDash val="solid"/>
-                      <a:round/>
-                      <a:headEnd type="none" w="med" len="med"/>
-                      <a:tailEnd type="none" w="med" len="med"/>
-                    </a:lnB>
-                  </a:tcPr>
-                </a:tc>
-                <a:extLst>
-                  <a:ext uri="{0D108BD9-81ED-4DB2-BD59-A6C34878D82A}">
-                    <a16:rowId xmlns:a16="http://schemas.microsoft.com/office/drawing/2014/main" val="1676996294"/>
-                  </a:ext>
-                </a:extLst>
-              </a:tr>
-              <a:tr h="331072">
-                <a:tc>
-                  <a:txBody>
-                    <a:bodyPr/>
-                    <a:lstStyle/>
-                    <a:p>
-                      <a:pPr algn="l" latinLnBrk="1"/>
-                      <a:r>
-                        <a:rPr lang="ko-KR" altLang="en-US" sz="800" dirty="0" err="1">
-                          <a:solidFill>
-                            <a:schemeClr val="tx1"/>
-                          </a:solidFill>
-                        </a:rPr>
-                        <a:t>함체</a:t>
-                      </a:r>
-                      <a:endParaRPr lang="ko-KR" altLang="en-US" sz="800" dirty="0">
-                        <a:solidFill>
-                          <a:schemeClr val="tx1"/>
-                        </a:solidFill>
-                      </a:endParaRPr>
-                    </a:p>
-                  </a:txBody>
-                  <a:tcPr anchor="ctr">
-                    <a:lnL w="3175" cap="flat" cmpd="sng" algn="ctr">
-                      <a:solidFill>
-                        <a:schemeClr val="tx1"/>
-                      </a:solidFill>
-                      <a:prstDash val="solid"/>
-                      <a:round/>
-                      <a:headEnd type="none" w="med" len="med"/>
-                      <a:tailEnd type="none" w="med" len="med"/>
-                    </a:lnL>
-                    <a:lnR w="3175" cap="flat" cmpd="sng" algn="ctr">
-                      <a:solidFill>
-                        <a:schemeClr val="tx1"/>
-                      </a:solidFill>
-                      <a:prstDash val="solid"/>
-                      <a:round/>
-                      <a:headEnd type="none" w="med" len="med"/>
-                      <a:tailEnd type="none" w="med" len="med"/>
-                    </a:lnR>
-                    <a:lnT w="3175" cap="flat" cmpd="sng" algn="ctr">
-                      <a:solidFill>
-                        <a:schemeClr val="tx1"/>
-                      </a:solidFill>
-                      <a:prstDash val="solid"/>
-                      <a:round/>
-                      <a:headEnd type="none" w="med" len="med"/>
-                      <a:tailEnd type="none" w="med" len="med"/>
-                    </a:lnT>
-                    <a:lnB w="3175" cap="flat" cmpd="sng" algn="ctr">
-                      <a:solidFill>
-                        <a:schemeClr val="tx1"/>
-                      </a:solidFill>
-                      <a:prstDash val="solid"/>
-                      <a:round/>
-                      <a:headEnd type="none" w="med" len="med"/>
-                      <a:tailEnd type="none" w="med" len="med"/>
-                    </a:lnB>
-                  </a:tcPr>
-                </a:tc>
-                <a:tc>
-                  <a:txBody>
-                    <a:bodyPr/>
-                    <a:lstStyle/>
-                    <a:p>
-                      <a:pPr algn="l" latinLnBrk="1"/>
-                      <a:endParaRPr lang="ko-KR" altLang="en-US" sz="800" dirty="0">
-                        <a:solidFill>
-                          <a:schemeClr val="tx1"/>
-                        </a:solidFill>
-                      </a:endParaRPr>
-                    </a:p>
-                  </a:txBody>
-                  <a:tcPr anchor="ctr">
-                    <a:lnL w="3175" cap="flat" cmpd="sng" algn="ctr">
-                      <a:solidFill>
-                        <a:schemeClr val="tx1"/>
-                      </a:solidFill>
-                      <a:prstDash val="solid"/>
-                      <a:round/>
-                      <a:headEnd type="none" w="med" len="med"/>
-                      <a:tailEnd type="none" w="med" len="med"/>
-                    </a:lnL>
-                    <a:lnR w="3175" cap="flat" cmpd="sng" algn="ctr">
-                      <a:solidFill>
-                        <a:schemeClr val="tx1"/>
-                      </a:solidFill>
-                      <a:prstDash val="solid"/>
-                      <a:round/>
-                      <a:headEnd type="none" w="med" len="med"/>
-                      <a:tailEnd type="none" w="med" len="med"/>
-                    </a:lnR>
-                    <a:lnT w="3175" cap="flat" cmpd="sng" algn="ctr">
-                      <a:solidFill>
-                        <a:schemeClr val="tx1"/>
-                      </a:solidFill>
-                      <a:prstDash val="solid"/>
-                      <a:round/>
-                      <a:headEnd type="none" w="med" len="med"/>
-                      <a:tailEnd type="none" w="med" len="med"/>
-                    </a:lnT>
-                    <a:lnB w="3175" cap="flat" cmpd="sng" algn="ctr">
-                      <a:solidFill>
-                        <a:schemeClr val="tx1"/>
-                      </a:solidFill>
-                      <a:prstDash val="solid"/>
-                      <a:round/>
-                      <a:headEnd type="none" w="med" len="med"/>
-                      <a:tailEnd type="none" w="med" len="med"/>
-                    </a:lnB>
-                  </a:tcPr>
-                </a:tc>
-                <a:tc>
-                  <a:txBody>
-                    <a:bodyPr/>
-                    <a:lstStyle/>
-                    <a:p>
-                      <a:pPr algn="l" latinLnBrk="1"/>
-                      <a:endParaRPr lang="ko-KR" altLang="en-US" sz="800" dirty="0">
-                        <a:solidFill>
-                          <a:schemeClr val="tx1"/>
-                        </a:solidFill>
-                      </a:endParaRPr>
-                    </a:p>
-                  </a:txBody>
-                  <a:tcPr anchor="ctr">
-                    <a:lnL w="3175" cap="flat" cmpd="sng" algn="ctr">
-                      <a:solidFill>
-                        <a:schemeClr val="tx1"/>
-                      </a:solidFill>
-                      <a:prstDash val="solid"/>
-                      <a:round/>
-                      <a:headEnd type="none" w="med" len="med"/>
-                      <a:tailEnd type="none" w="med" len="med"/>
-                    </a:lnL>
-                    <a:lnR w="3175" cap="flat" cmpd="sng" algn="ctr">
-                      <a:solidFill>
-                        <a:schemeClr val="tx1"/>
-                      </a:solidFill>
-                      <a:prstDash val="solid"/>
-                      <a:round/>
-                      <a:headEnd type="none" w="med" len="med"/>
-                      <a:tailEnd type="none" w="med" len="med"/>
-                    </a:lnR>
-                    <a:lnT w="3175" cap="flat" cmpd="sng" algn="ctr">
-                      <a:solidFill>
-                        <a:schemeClr val="tx1"/>
-                      </a:solidFill>
-                      <a:prstDash val="solid"/>
-                      <a:round/>
-                      <a:headEnd type="none" w="med" len="med"/>
-                      <a:tailEnd type="none" w="med" len="med"/>
-                    </a:lnT>
-                    <a:lnB w="3175" cap="flat" cmpd="sng" algn="ctr">
-                      <a:solidFill>
-                        <a:schemeClr val="tx1"/>
-                      </a:solidFill>
-                      <a:prstDash val="solid"/>
-                      <a:round/>
-                      <a:headEnd type="none" w="med" len="med"/>
-                      <a:tailEnd type="none" w="med" len="med"/>
-                    </a:lnB>
-                  </a:tcPr>
-                </a:tc>
-                <a:tc>
-                  <a:txBody>
-                    <a:bodyPr/>
-                    <a:lstStyle/>
-                    <a:p>
-                      <a:pPr algn="l" latinLnBrk="1"/>
-                      <a:endParaRPr lang="ko-KR" altLang="en-US" sz="800" dirty="0">
-                        <a:solidFill>
-                          <a:schemeClr val="tx1"/>
-                        </a:solidFill>
-                      </a:endParaRPr>
-                    </a:p>
-                  </a:txBody>
-                  <a:tcPr anchor="ctr">
-                    <a:lnL w="3175" cap="flat" cmpd="sng" algn="ctr">
-                      <a:solidFill>
-                        <a:schemeClr val="tx1"/>
-                      </a:solidFill>
-                      <a:prstDash val="solid"/>
-                      <a:round/>
-                      <a:headEnd type="none" w="med" len="med"/>
-                      <a:tailEnd type="none" w="med" len="med"/>
-                    </a:lnL>
-                    <a:lnR w="3175" cap="flat" cmpd="sng" algn="ctr">
-                      <a:solidFill>
-                        <a:schemeClr val="tx1"/>
-                      </a:solidFill>
-                      <a:prstDash val="solid"/>
-                      <a:round/>
-                      <a:headEnd type="none" w="med" len="med"/>
-                      <a:tailEnd type="none" w="med" len="med"/>
-                    </a:lnR>
-                    <a:lnT w="3175" cap="flat" cmpd="sng" algn="ctr">
-                      <a:solidFill>
-                        <a:schemeClr val="tx1"/>
-                      </a:solidFill>
-                      <a:prstDash val="solid"/>
-                      <a:round/>
-                      <a:headEnd type="none" w="med" len="med"/>
-                      <a:tailEnd type="none" w="med" len="med"/>
-                    </a:lnT>
-                    <a:lnB w="3175" cap="flat" cmpd="sng" algn="ctr">
-                      <a:solidFill>
-                        <a:schemeClr val="tx1"/>
-                      </a:solidFill>
-                      <a:prstDash val="solid"/>
-                      <a:round/>
-                      <a:headEnd type="none" w="med" len="med"/>
-                      <a:tailEnd type="none" w="med" len="med"/>
-                    </a:lnB>
-                  </a:tcPr>
-                </a:tc>
-                <a:tc>
-                  <a:txBody>
-                    <a:bodyPr/>
-                    <a:lstStyle/>
-                    <a:p>
-                      <a:pPr algn="l" latinLnBrk="1"/>
-                      <a:endParaRPr lang="ko-KR" altLang="en-US" sz="800" dirty="0">
-                        <a:solidFill>
-                          <a:schemeClr val="tx1"/>
-                        </a:solidFill>
-                      </a:endParaRPr>
-                    </a:p>
-                  </a:txBody>
-                  <a:tcPr anchor="ctr">
-                    <a:lnL w="3175" cap="flat" cmpd="sng" algn="ctr">
-                      <a:solidFill>
-                        <a:schemeClr val="tx1"/>
-                      </a:solidFill>
-                      <a:prstDash val="solid"/>
-                      <a:round/>
-                      <a:headEnd type="none" w="med" len="med"/>
-                      <a:tailEnd type="none" w="med" len="med"/>
-                    </a:lnL>
-                    <a:lnR w="3175" cap="flat" cmpd="sng" algn="ctr">
-                      <a:solidFill>
-                        <a:schemeClr val="tx1"/>
-                      </a:solidFill>
-                      <a:prstDash val="solid"/>
-                      <a:round/>
-                      <a:headEnd type="none" w="med" len="med"/>
-                      <a:tailEnd type="none" w="med" len="med"/>
-                    </a:lnR>
-                    <a:lnT w="3175" cap="flat" cmpd="sng" algn="ctr">
-                      <a:solidFill>
-                        <a:schemeClr val="tx1"/>
-                      </a:solidFill>
-                      <a:prstDash val="solid"/>
-                      <a:round/>
-                      <a:headEnd type="none" w="med" len="med"/>
-                      <a:tailEnd type="none" w="med" len="med"/>
-                    </a:lnT>
-                    <a:lnB w="3175" cap="flat" cmpd="sng" algn="ctr">
-                      <a:solidFill>
-                        <a:schemeClr val="tx1"/>
-                      </a:solidFill>
-                      <a:prstDash val="solid"/>
-                      <a:round/>
-                      <a:headEnd type="none" w="med" len="med"/>
-                      <a:tailEnd type="none" w="med" len="med"/>
-                    </a:lnB>
-                  </a:tcPr>
-                </a:tc>
-                <a:extLst>
-                  <a:ext uri="{0D108BD9-81ED-4DB2-BD59-A6C34878D82A}">
-                    <a16:rowId xmlns:a16="http://schemas.microsoft.com/office/drawing/2014/main" val="3958756115"/>
-                  </a:ext>
-                </a:extLst>
-              </a:tr>
-            </a:tbl>
-          </a:graphicData>
-        </a:graphic>
-      </p:graphicFrame>
-      <p:sp>
-        <p:nvSpPr>
-          <p:cNvPr id="8" name="TextBox 7">
-            <a:extLst>
-              <a:ext uri="{FF2B5EF4-FFF2-40B4-BE49-F238E27FC236}">
-                <a16:creationId xmlns:a16="http://schemas.microsoft.com/office/drawing/2014/main" id="{A00423C8-A49E-95E5-C703-F86BCDD8E603}"/>
-              </a:ext>
-            </a:extLst>
-          </p:cNvPr>
-          <p:cNvSpPr txBox="1"/>
-          <p:nvPr/>
-        </p:nvSpPr>
-        <p:spPr>
-          <a:xfrm>
-            <a:off x="233082" y="3079510"/>
-            <a:ext cx="11734800" cy="261610"/>
-          </a:xfrm>
-          <a:prstGeom prst="rect">
-            <a:avLst/>
-          </a:prstGeom>
-          <a:noFill/>
-          <a:ln w="9525" cap="flat" cmpd="sng" algn="ctr">
-            <a:solidFill>
-              <a:schemeClr val="tx1"/>
-            </a:solidFill>
-            <a:prstDash val="solid"/>
-            <a:round/>
-            <a:headEnd type="none" w="med" len="med"/>
-            <a:tailEnd type="none" w="med" len="med"/>
-          </a:ln>
-        </p:spPr>
-        <p:style>
-          <a:lnRef idx="0">
-            <a:scrgbClr r="0" g="0" b="0"/>
-          </a:lnRef>
-          <a:fillRef idx="0">
-            <a:scrgbClr r="0" g="0" b="0"/>
-          </a:fillRef>
-          <a:effectRef idx="0">
-            <a:scrgbClr r="0" g="0" b="0"/>
-          </a:effectRef>
-          <a:fontRef idx="minor">
-            <a:schemeClr val="accent5"/>
-          </a:fontRef>
-        </p:style>
-        <p:txBody>
-          <a:bodyPr wrap="square" rtlCol="0">
-            <a:spAutoFit/>
-          </a:bodyPr>
-          <a:lstStyle/>
-          <a:p>
-            <a:r>
-              <a:rPr lang="ko-KR" altLang="en-US" sz="1100" dirty="0">
-                <a:solidFill>
-                  <a:schemeClr val="tx1"/>
-                </a:solidFill>
-              </a:rPr>
-              <a:t>화재감시</a:t>
+              <a:t>데이터 추출</a:t>
             </a:r>
           </a:p>
         </p:txBody>
@@ -6717,1938 +7054,6 @@
           <a:chExt cx="0" cy="0"/>
         </a:xfrm>
       </p:grpSpPr>
-      <p:graphicFrame>
-        <p:nvGraphicFramePr>
-          <p:cNvPr id="6" name="표 5">
-            <a:extLst>
-              <a:ext uri="{FF2B5EF4-FFF2-40B4-BE49-F238E27FC236}">
-                <a16:creationId xmlns:a16="http://schemas.microsoft.com/office/drawing/2014/main" id="{E9E7893D-2D1C-D3DA-B5B4-9B9404885694}"/>
-              </a:ext>
-            </a:extLst>
-          </p:cNvPr>
-          <p:cNvGraphicFramePr>
-            <a:graphicFrameLocks noGrp="1"/>
-          </p:cNvGraphicFramePr>
-          <p:nvPr>
-            <p:extLst>
-              <p:ext uri="{D42A27DB-BD31-4B8C-83A1-F6EECF244321}">
-                <p14:modId xmlns:p14="http://schemas.microsoft.com/office/powerpoint/2010/main" val="1648358093"/>
-              </p:ext>
-            </p:extLst>
-          </p:nvPr>
-        </p:nvGraphicFramePr>
-        <p:xfrm>
-          <a:off x="233082" y="522442"/>
-          <a:ext cx="11734800" cy="2425776"/>
-        </p:xfrm>
-        <a:graphic>
-          <a:graphicData uri="http://schemas.openxmlformats.org/drawingml/2006/table">
-            <a:tbl>
-              <a:tblPr firstRow="1" bandRow="1">
-                <a:tableStyleId>{5940675A-B579-460E-94D1-54222C63F5DA}</a:tableStyleId>
-              </a:tblPr>
-              <a:tblGrid>
-                <a:gridCol w="855950">
-                  <a:extLst>
-                    <a:ext uri="{9D8B030D-6E8A-4147-A177-3AD203B41FA5}">
-                      <a16:colId xmlns:a16="http://schemas.microsoft.com/office/drawing/2014/main" val="2289714061"/>
-                    </a:ext>
-                  </a:extLst>
-                </a:gridCol>
-                <a:gridCol w="2629976">
-                  <a:extLst>
-                    <a:ext uri="{9D8B030D-6E8A-4147-A177-3AD203B41FA5}">
-                      <a16:colId xmlns:a16="http://schemas.microsoft.com/office/drawing/2014/main" val="3074322668"/>
-                    </a:ext>
-                  </a:extLst>
-                </a:gridCol>
-                <a:gridCol w="2850866">
-                  <a:extLst>
-                    <a:ext uri="{9D8B030D-6E8A-4147-A177-3AD203B41FA5}">
-                      <a16:colId xmlns:a16="http://schemas.microsoft.com/office/drawing/2014/main" val="1798977469"/>
-                    </a:ext>
-                  </a:extLst>
-                </a:gridCol>
-                <a:gridCol w="2699004">
-                  <a:extLst>
-                    <a:ext uri="{9D8B030D-6E8A-4147-A177-3AD203B41FA5}">
-                      <a16:colId xmlns:a16="http://schemas.microsoft.com/office/drawing/2014/main" val="1643037011"/>
-                    </a:ext>
-                  </a:extLst>
-                </a:gridCol>
-                <a:gridCol w="2699004">
-                  <a:extLst>
-                    <a:ext uri="{9D8B030D-6E8A-4147-A177-3AD203B41FA5}">
-                      <a16:colId xmlns:a16="http://schemas.microsoft.com/office/drawing/2014/main" val="2136492913"/>
-                    </a:ext>
-                  </a:extLst>
-                </a:gridCol>
-              </a:tblGrid>
-              <a:tr h="331072">
-                <a:tc>
-                  <a:txBody>
-                    <a:bodyPr/>
-                    <a:lstStyle/>
-                    <a:p>
-                      <a:pPr algn="ctr" latinLnBrk="1"/>
-                      <a:r>
-                        <a:rPr lang="ko-KR" altLang="en-US" sz="800" dirty="0">
-                          <a:solidFill>
-                            <a:schemeClr val="tx1"/>
-                          </a:solidFill>
-                        </a:rPr>
-                        <a:t>구분</a:t>
-                      </a:r>
-                    </a:p>
-                  </a:txBody>
-                  <a:tcPr anchor="ctr">
-                    <a:lnL w="3175" cap="flat" cmpd="sng" algn="ctr">
-                      <a:solidFill>
-                        <a:schemeClr val="tx1"/>
-                      </a:solidFill>
-                      <a:prstDash val="solid"/>
-                      <a:round/>
-                      <a:headEnd type="none" w="med" len="med"/>
-                      <a:tailEnd type="none" w="med" len="med"/>
-                    </a:lnL>
-                    <a:lnR w="3175" cap="flat" cmpd="sng" algn="ctr">
-                      <a:solidFill>
-                        <a:schemeClr val="tx1"/>
-                      </a:solidFill>
-                      <a:prstDash val="solid"/>
-                      <a:round/>
-                      <a:headEnd type="none" w="med" len="med"/>
-                      <a:tailEnd type="none" w="med" len="med"/>
-                    </a:lnR>
-                    <a:lnT w="3175" cap="flat" cmpd="sng" algn="ctr">
-                      <a:solidFill>
-                        <a:schemeClr val="tx1"/>
-                      </a:solidFill>
-                      <a:prstDash val="solid"/>
-                      <a:round/>
-                      <a:headEnd type="none" w="med" len="med"/>
-                      <a:tailEnd type="none" w="med" len="med"/>
-                    </a:lnT>
-                    <a:lnB w="3175" cap="flat" cmpd="sng" algn="ctr">
-                      <a:solidFill>
-                        <a:schemeClr val="tx1"/>
-                      </a:solidFill>
-                      <a:prstDash val="solid"/>
-                      <a:round/>
-                      <a:headEnd type="none" w="med" len="med"/>
-                      <a:tailEnd type="none" w="med" len="med"/>
-                    </a:lnB>
-                  </a:tcPr>
-                </a:tc>
-                <a:tc>
-                  <a:txBody>
-                    <a:bodyPr/>
-                    <a:lstStyle/>
-                    <a:p>
-                      <a:pPr algn="ctr" latinLnBrk="1"/>
-                      <a:r>
-                        <a:rPr lang="ko-KR" altLang="en-US" sz="800" dirty="0">
-                          <a:solidFill>
-                            <a:schemeClr val="tx1"/>
-                          </a:solidFill>
-                        </a:rPr>
-                        <a:t>계측</a:t>
-                      </a:r>
-                      <a:r>
-                        <a:rPr lang="en-US" altLang="ko-KR" sz="800" dirty="0">
-                          <a:solidFill>
-                            <a:schemeClr val="tx1"/>
-                          </a:solidFill>
-                        </a:rPr>
-                        <a:t>, </a:t>
-                      </a:r>
-                      <a:r>
-                        <a:rPr lang="ko-KR" altLang="en-US" sz="800" dirty="0">
-                          <a:solidFill>
-                            <a:schemeClr val="tx1"/>
-                          </a:solidFill>
-                        </a:rPr>
-                        <a:t>분석</a:t>
-                      </a:r>
-                    </a:p>
-                  </a:txBody>
-                  <a:tcPr anchor="ctr">
-                    <a:lnL w="3175" cap="flat" cmpd="sng" algn="ctr">
-                      <a:solidFill>
-                        <a:schemeClr val="tx1"/>
-                      </a:solidFill>
-                      <a:prstDash val="solid"/>
-                      <a:round/>
-                      <a:headEnd type="none" w="med" len="med"/>
-                      <a:tailEnd type="none" w="med" len="med"/>
-                    </a:lnL>
-                    <a:lnR w="3175" cap="flat" cmpd="sng" algn="ctr">
-                      <a:solidFill>
-                        <a:schemeClr val="tx1"/>
-                      </a:solidFill>
-                      <a:prstDash val="solid"/>
-                      <a:round/>
-                      <a:headEnd type="none" w="med" len="med"/>
-                      <a:tailEnd type="none" w="med" len="med"/>
-                    </a:lnR>
-                    <a:lnT w="3175" cap="flat" cmpd="sng" algn="ctr">
-                      <a:solidFill>
-                        <a:schemeClr val="tx1"/>
-                      </a:solidFill>
-                      <a:prstDash val="solid"/>
-                      <a:round/>
-                      <a:headEnd type="none" w="med" len="med"/>
-                      <a:tailEnd type="none" w="med" len="med"/>
-                    </a:lnT>
-                    <a:lnB w="3175" cap="flat" cmpd="sng" algn="ctr">
-                      <a:solidFill>
-                        <a:schemeClr val="tx1"/>
-                      </a:solidFill>
-                      <a:prstDash val="solid"/>
-                      <a:round/>
-                      <a:headEnd type="none" w="med" len="med"/>
-                      <a:tailEnd type="none" w="med" len="med"/>
-                    </a:lnB>
-                  </a:tcPr>
-                </a:tc>
-                <a:tc>
-                  <a:txBody>
-                    <a:bodyPr/>
-                    <a:lstStyle/>
-                    <a:p>
-                      <a:pPr algn="ctr" latinLnBrk="1"/>
-                      <a:r>
-                        <a:rPr lang="ko-KR" altLang="en-US" sz="800" dirty="0">
-                          <a:solidFill>
-                            <a:schemeClr val="tx1"/>
-                          </a:solidFill>
-                        </a:rPr>
-                        <a:t>이벤트</a:t>
-                      </a:r>
-                    </a:p>
-                  </a:txBody>
-                  <a:tcPr anchor="ctr">
-                    <a:lnL w="3175" cap="flat" cmpd="sng" algn="ctr">
-                      <a:solidFill>
-                        <a:schemeClr val="tx1"/>
-                      </a:solidFill>
-                      <a:prstDash val="solid"/>
-                      <a:round/>
-                      <a:headEnd type="none" w="med" len="med"/>
-                      <a:tailEnd type="none" w="med" len="med"/>
-                    </a:lnL>
-                    <a:lnR w="3175" cap="flat" cmpd="sng" algn="ctr">
-                      <a:solidFill>
-                        <a:schemeClr val="tx1"/>
-                      </a:solidFill>
-                      <a:prstDash val="solid"/>
-                      <a:round/>
-                      <a:headEnd type="none" w="med" len="med"/>
-                      <a:tailEnd type="none" w="med" len="med"/>
-                    </a:lnR>
-                    <a:lnT w="3175" cap="flat" cmpd="sng" algn="ctr">
-                      <a:solidFill>
-                        <a:schemeClr val="tx1"/>
-                      </a:solidFill>
-                      <a:prstDash val="solid"/>
-                      <a:round/>
-                      <a:headEnd type="none" w="med" len="med"/>
-                      <a:tailEnd type="none" w="med" len="med"/>
-                    </a:lnT>
-                    <a:lnB w="3175" cap="flat" cmpd="sng" algn="ctr">
-                      <a:solidFill>
-                        <a:schemeClr val="tx1"/>
-                      </a:solidFill>
-                      <a:prstDash val="solid"/>
-                      <a:round/>
-                      <a:headEnd type="none" w="med" len="med"/>
-                      <a:tailEnd type="none" w="med" len="med"/>
-                    </a:lnB>
-                  </a:tcPr>
-                </a:tc>
-                <a:tc>
-                  <a:txBody>
-                    <a:bodyPr/>
-                    <a:lstStyle/>
-                    <a:p>
-                      <a:pPr algn="ctr" latinLnBrk="1"/>
-                      <a:r>
-                        <a:rPr lang="ko-KR" altLang="en-US" sz="800" dirty="0">
-                          <a:solidFill>
-                            <a:schemeClr val="tx1"/>
-                          </a:solidFill>
-                        </a:rPr>
-                        <a:t>상태</a:t>
-                      </a:r>
-                    </a:p>
-                  </a:txBody>
-                  <a:tcPr anchor="ctr">
-                    <a:lnL w="3175" cap="flat" cmpd="sng" algn="ctr">
-                      <a:solidFill>
-                        <a:schemeClr val="tx1"/>
-                      </a:solidFill>
-                      <a:prstDash val="solid"/>
-                      <a:round/>
-                      <a:headEnd type="none" w="med" len="med"/>
-                      <a:tailEnd type="none" w="med" len="med"/>
-                    </a:lnL>
-                    <a:lnR w="3175" cap="flat" cmpd="sng" algn="ctr">
-                      <a:solidFill>
-                        <a:schemeClr val="tx1"/>
-                      </a:solidFill>
-                      <a:prstDash val="solid"/>
-                      <a:round/>
-                      <a:headEnd type="none" w="med" len="med"/>
-                      <a:tailEnd type="none" w="med" len="med"/>
-                    </a:lnR>
-                    <a:lnT w="3175" cap="flat" cmpd="sng" algn="ctr">
-                      <a:solidFill>
-                        <a:schemeClr val="tx1"/>
-                      </a:solidFill>
-                      <a:prstDash val="solid"/>
-                      <a:round/>
-                      <a:headEnd type="none" w="med" len="med"/>
-                      <a:tailEnd type="none" w="med" len="med"/>
-                    </a:lnT>
-                    <a:lnB w="3175" cap="flat" cmpd="sng" algn="ctr">
-                      <a:solidFill>
-                        <a:schemeClr val="tx1"/>
-                      </a:solidFill>
-                      <a:prstDash val="solid"/>
-                      <a:round/>
-                      <a:headEnd type="none" w="med" len="med"/>
-                      <a:tailEnd type="none" w="med" len="med"/>
-                    </a:lnB>
-                  </a:tcPr>
-                </a:tc>
-                <a:tc>
-                  <a:txBody>
-                    <a:bodyPr/>
-                    <a:lstStyle/>
-                    <a:p>
-                      <a:pPr algn="ctr" latinLnBrk="1"/>
-                      <a:r>
-                        <a:rPr lang="ko-KR" altLang="en-US" sz="800" dirty="0">
-                          <a:solidFill>
-                            <a:schemeClr val="tx1"/>
-                          </a:solidFill>
-                        </a:rPr>
-                        <a:t>제어</a:t>
-                      </a:r>
-                    </a:p>
-                  </a:txBody>
-                  <a:tcPr anchor="ctr">
-                    <a:lnL w="3175" cap="flat" cmpd="sng" algn="ctr">
-                      <a:solidFill>
-                        <a:schemeClr val="tx1"/>
-                      </a:solidFill>
-                      <a:prstDash val="solid"/>
-                      <a:round/>
-                      <a:headEnd type="none" w="med" len="med"/>
-                      <a:tailEnd type="none" w="med" len="med"/>
-                    </a:lnL>
-                    <a:lnR w="3175" cap="flat" cmpd="sng" algn="ctr">
-                      <a:solidFill>
-                        <a:schemeClr val="tx1"/>
-                      </a:solidFill>
-                      <a:prstDash val="solid"/>
-                      <a:round/>
-                      <a:headEnd type="none" w="med" len="med"/>
-                      <a:tailEnd type="none" w="med" len="med"/>
-                    </a:lnR>
-                    <a:lnT w="3175" cap="flat" cmpd="sng" algn="ctr">
-                      <a:solidFill>
-                        <a:schemeClr val="tx1"/>
-                      </a:solidFill>
-                      <a:prstDash val="solid"/>
-                      <a:round/>
-                      <a:headEnd type="none" w="med" len="med"/>
-                      <a:tailEnd type="none" w="med" len="med"/>
-                    </a:lnT>
-                    <a:lnB w="3175" cap="flat" cmpd="sng" algn="ctr">
-                      <a:solidFill>
-                        <a:schemeClr val="tx1"/>
-                      </a:solidFill>
-                      <a:prstDash val="solid"/>
-                      <a:round/>
-                      <a:headEnd type="none" w="med" len="med"/>
-                      <a:tailEnd type="none" w="med" len="med"/>
-                    </a:lnB>
-                  </a:tcPr>
-                </a:tc>
-                <a:extLst>
-                  <a:ext uri="{0D108BD9-81ED-4DB2-BD59-A6C34878D82A}">
-                    <a16:rowId xmlns:a16="http://schemas.microsoft.com/office/drawing/2014/main" val="8603986"/>
-                  </a:ext>
-                </a:extLst>
-              </a:tr>
-              <a:tr h="331072">
-                <a:tc>
-                  <a:txBody>
-                    <a:bodyPr/>
-                    <a:lstStyle/>
-                    <a:p>
-                      <a:pPr algn="l" latinLnBrk="1"/>
-                      <a:r>
-                        <a:rPr lang="en-US" altLang="ko-KR" sz="800" dirty="0">
-                          <a:solidFill>
-                            <a:schemeClr val="tx1"/>
-                          </a:solidFill>
-                        </a:rPr>
-                        <a:t>Data logger</a:t>
-                      </a:r>
-                      <a:endParaRPr lang="ko-KR" altLang="en-US" sz="800" dirty="0">
-                        <a:solidFill>
-                          <a:schemeClr val="tx1"/>
-                        </a:solidFill>
-                      </a:endParaRPr>
-                    </a:p>
-                  </a:txBody>
-                  <a:tcPr anchor="ctr">
-                    <a:lnL w="3175" cap="flat" cmpd="sng" algn="ctr">
-                      <a:solidFill>
-                        <a:schemeClr val="tx1"/>
-                      </a:solidFill>
-                      <a:prstDash val="solid"/>
-                      <a:round/>
-                      <a:headEnd type="none" w="med" len="med"/>
-                      <a:tailEnd type="none" w="med" len="med"/>
-                    </a:lnL>
-                    <a:lnR w="3175" cap="flat" cmpd="sng" algn="ctr">
-                      <a:solidFill>
-                        <a:schemeClr val="tx1"/>
-                      </a:solidFill>
-                      <a:prstDash val="solid"/>
-                      <a:round/>
-                      <a:headEnd type="none" w="med" len="med"/>
-                      <a:tailEnd type="none" w="med" len="med"/>
-                    </a:lnR>
-                    <a:lnT w="3175" cap="flat" cmpd="sng" algn="ctr">
-                      <a:solidFill>
-                        <a:schemeClr val="tx1"/>
-                      </a:solidFill>
-                      <a:prstDash val="solid"/>
-                      <a:round/>
-                      <a:headEnd type="none" w="med" len="med"/>
-                      <a:tailEnd type="none" w="med" len="med"/>
-                    </a:lnT>
-                    <a:lnB w="3175" cap="flat" cmpd="sng" algn="ctr">
-                      <a:solidFill>
-                        <a:schemeClr val="tx1"/>
-                      </a:solidFill>
-                      <a:prstDash val="solid"/>
-                      <a:round/>
-                      <a:headEnd type="none" w="med" len="med"/>
-                      <a:tailEnd type="none" w="med" len="med"/>
-                    </a:lnB>
-                  </a:tcPr>
-                </a:tc>
-                <a:tc>
-                  <a:txBody>
-                    <a:bodyPr/>
-                    <a:lstStyle/>
-                    <a:p>
-                      <a:endParaRPr lang="en-US" altLang="ko-KR" sz="800" dirty="0">
-                        <a:solidFill>
-                          <a:schemeClr val="tx1"/>
-                        </a:solidFill>
-                      </a:endParaRPr>
-                    </a:p>
-                  </a:txBody>
-                  <a:tcPr anchor="ctr">
-                    <a:lnL w="3175" cap="flat" cmpd="sng" algn="ctr">
-                      <a:solidFill>
-                        <a:schemeClr val="tx1"/>
-                      </a:solidFill>
-                      <a:prstDash val="solid"/>
-                      <a:round/>
-                      <a:headEnd type="none" w="med" len="med"/>
-                      <a:tailEnd type="none" w="med" len="med"/>
-                    </a:lnL>
-                    <a:lnR w="3175" cap="flat" cmpd="sng" algn="ctr">
-                      <a:solidFill>
-                        <a:schemeClr val="tx1"/>
-                      </a:solidFill>
-                      <a:prstDash val="solid"/>
-                      <a:round/>
-                      <a:headEnd type="none" w="med" len="med"/>
-                      <a:tailEnd type="none" w="med" len="med"/>
-                    </a:lnR>
-                    <a:lnT w="3175" cap="flat" cmpd="sng" algn="ctr">
-                      <a:solidFill>
-                        <a:schemeClr val="tx1"/>
-                      </a:solidFill>
-                      <a:prstDash val="solid"/>
-                      <a:round/>
-                      <a:headEnd type="none" w="med" len="med"/>
-                      <a:tailEnd type="none" w="med" len="med"/>
-                    </a:lnT>
-                    <a:lnB w="3175" cap="flat" cmpd="sng" algn="ctr">
-                      <a:solidFill>
-                        <a:schemeClr val="tx1"/>
-                      </a:solidFill>
-                      <a:prstDash val="solid"/>
-                      <a:round/>
-                      <a:headEnd type="none" w="med" len="med"/>
-                      <a:tailEnd type="none" w="med" len="med"/>
-                    </a:lnB>
-                  </a:tcPr>
-                </a:tc>
-                <a:tc>
-                  <a:txBody>
-                    <a:bodyPr/>
-                    <a:lstStyle/>
-                    <a:p>
-                      <a:pPr algn="l" latinLnBrk="1"/>
-                      <a:endParaRPr lang="ko-KR" altLang="en-US" sz="800" dirty="0">
-                        <a:solidFill>
-                          <a:schemeClr val="tx1"/>
-                        </a:solidFill>
-                      </a:endParaRPr>
-                    </a:p>
-                  </a:txBody>
-                  <a:tcPr anchor="ctr">
-                    <a:lnL w="3175" cap="flat" cmpd="sng" algn="ctr">
-                      <a:solidFill>
-                        <a:schemeClr val="tx1"/>
-                      </a:solidFill>
-                      <a:prstDash val="solid"/>
-                      <a:round/>
-                      <a:headEnd type="none" w="med" len="med"/>
-                      <a:tailEnd type="none" w="med" len="med"/>
-                    </a:lnL>
-                    <a:lnR w="3175" cap="flat" cmpd="sng" algn="ctr">
-                      <a:solidFill>
-                        <a:schemeClr val="tx1"/>
-                      </a:solidFill>
-                      <a:prstDash val="solid"/>
-                      <a:round/>
-                      <a:headEnd type="none" w="med" len="med"/>
-                      <a:tailEnd type="none" w="med" len="med"/>
-                    </a:lnR>
-                    <a:lnT w="3175" cap="flat" cmpd="sng" algn="ctr">
-                      <a:solidFill>
-                        <a:schemeClr val="tx1"/>
-                      </a:solidFill>
-                      <a:prstDash val="solid"/>
-                      <a:round/>
-                      <a:headEnd type="none" w="med" len="med"/>
-                      <a:tailEnd type="none" w="med" len="med"/>
-                    </a:lnT>
-                    <a:lnB w="3175" cap="flat" cmpd="sng" algn="ctr">
-                      <a:solidFill>
-                        <a:schemeClr val="tx1"/>
-                      </a:solidFill>
-                      <a:prstDash val="solid"/>
-                      <a:round/>
-                      <a:headEnd type="none" w="med" len="med"/>
-                      <a:tailEnd type="none" w="med" len="med"/>
-                    </a:lnB>
-                  </a:tcPr>
-                </a:tc>
-                <a:tc>
-                  <a:txBody>
-                    <a:bodyPr/>
-                    <a:lstStyle/>
-                    <a:p>
-                      <a:pPr algn="l" latinLnBrk="1"/>
-                      <a:endParaRPr lang="ko-KR" altLang="en-US" sz="800" dirty="0">
-                        <a:solidFill>
-                          <a:schemeClr val="tx1"/>
-                        </a:solidFill>
-                      </a:endParaRPr>
-                    </a:p>
-                  </a:txBody>
-                  <a:tcPr anchor="ctr">
-                    <a:lnL w="3175" cap="flat" cmpd="sng" algn="ctr">
-                      <a:solidFill>
-                        <a:schemeClr val="tx1"/>
-                      </a:solidFill>
-                      <a:prstDash val="solid"/>
-                      <a:round/>
-                      <a:headEnd type="none" w="med" len="med"/>
-                      <a:tailEnd type="none" w="med" len="med"/>
-                    </a:lnL>
-                    <a:lnR w="3175" cap="flat" cmpd="sng" algn="ctr">
-                      <a:solidFill>
-                        <a:schemeClr val="tx1"/>
-                      </a:solidFill>
-                      <a:prstDash val="solid"/>
-                      <a:round/>
-                      <a:headEnd type="none" w="med" len="med"/>
-                      <a:tailEnd type="none" w="med" len="med"/>
-                    </a:lnR>
-                    <a:lnT w="3175" cap="flat" cmpd="sng" algn="ctr">
-                      <a:solidFill>
-                        <a:schemeClr val="tx1"/>
-                      </a:solidFill>
-                      <a:prstDash val="solid"/>
-                      <a:round/>
-                      <a:headEnd type="none" w="med" len="med"/>
-                      <a:tailEnd type="none" w="med" len="med"/>
-                    </a:lnT>
-                    <a:lnB w="3175" cap="flat" cmpd="sng" algn="ctr">
-                      <a:solidFill>
-                        <a:schemeClr val="tx1"/>
-                      </a:solidFill>
-                      <a:prstDash val="solid"/>
-                      <a:round/>
-                      <a:headEnd type="none" w="med" len="med"/>
-                      <a:tailEnd type="none" w="med" len="med"/>
-                    </a:lnB>
-                  </a:tcPr>
-                </a:tc>
-                <a:tc>
-                  <a:txBody>
-                    <a:bodyPr/>
-                    <a:lstStyle/>
-                    <a:p>
-                      <a:pPr algn="l" latinLnBrk="1"/>
-                      <a:endParaRPr lang="ko-KR" altLang="en-US" sz="800" dirty="0">
-                        <a:solidFill>
-                          <a:schemeClr val="tx1"/>
-                        </a:solidFill>
-                      </a:endParaRPr>
-                    </a:p>
-                  </a:txBody>
-                  <a:tcPr anchor="ctr">
-                    <a:lnL w="3175" cap="flat" cmpd="sng" algn="ctr">
-                      <a:solidFill>
-                        <a:schemeClr val="tx1"/>
-                      </a:solidFill>
-                      <a:prstDash val="solid"/>
-                      <a:round/>
-                      <a:headEnd type="none" w="med" len="med"/>
-                      <a:tailEnd type="none" w="med" len="med"/>
-                    </a:lnL>
-                    <a:lnR w="3175" cap="flat" cmpd="sng" algn="ctr">
-                      <a:solidFill>
-                        <a:schemeClr val="tx1"/>
-                      </a:solidFill>
-                      <a:prstDash val="solid"/>
-                      <a:round/>
-                      <a:headEnd type="none" w="med" len="med"/>
-                      <a:tailEnd type="none" w="med" len="med"/>
-                    </a:lnR>
-                    <a:lnT w="3175" cap="flat" cmpd="sng" algn="ctr">
-                      <a:solidFill>
-                        <a:schemeClr val="tx1"/>
-                      </a:solidFill>
-                      <a:prstDash val="solid"/>
-                      <a:round/>
-                      <a:headEnd type="none" w="med" len="med"/>
-                      <a:tailEnd type="none" w="med" len="med"/>
-                    </a:lnT>
-                    <a:lnB w="3175" cap="flat" cmpd="sng" algn="ctr">
-                      <a:solidFill>
-                        <a:schemeClr val="tx1"/>
-                      </a:solidFill>
-                      <a:prstDash val="solid"/>
-                      <a:round/>
-                      <a:headEnd type="none" w="med" len="med"/>
-                      <a:tailEnd type="none" w="med" len="med"/>
-                    </a:lnB>
-                  </a:tcPr>
-                </a:tc>
-                <a:extLst>
-                  <a:ext uri="{0D108BD9-81ED-4DB2-BD59-A6C34878D82A}">
-                    <a16:rowId xmlns:a16="http://schemas.microsoft.com/office/drawing/2014/main" val="472322096"/>
-                  </a:ext>
-                </a:extLst>
-              </a:tr>
-              <a:tr h="331072">
-                <a:tc>
-                  <a:txBody>
-                    <a:bodyPr/>
-                    <a:lstStyle/>
-                    <a:p>
-                      <a:pPr algn="l" latinLnBrk="1"/>
-                      <a:r>
-                        <a:rPr lang="en-US" altLang="ko-KR" sz="800" dirty="0">
-                          <a:solidFill>
-                            <a:schemeClr val="tx1"/>
-                          </a:solidFill>
-                        </a:rPr>
-                        <a:t>Edge platform</a:t>
-                      </a:r>
-                      <a:endParaRPr lang="ko-KR" altLang="en-US" sz="800" dirty="0">
-                        <a:solidFill>
-                          <a:schemeClr val="tx1"/>
-                        </a:solidFill>
-                      </a:endParaRPr>
-                    </a:p>
-                  </a:txBody>
-                  <a:tcPr anchor="ctr">
-                    <a:lnL w="3175" cap="flat" cmpd="sng" algn="ctr">
-                      <a:solidFill>
-                        <a:schemeClr val="tx1"/>
-                      </a:solidFill>
-                      <a:prstDash val="solid"/>
-                      <a:round/>
-                      <a:headEnd type="none" w="med" len="med"/>
-                      <a:tailEnd type="none" w="med" len="med"/>
-                    </a:lnL>
-                    <a:lnR w="3175" cap="flat" cmpd="sng" algn="ctr">
-                      <a:solidFill>
-                        <a:schemeClr val="tx1"/>
-                      </a:solidFill>
-                      <a:prstDash val="solid"/>
-                      <a:round/>
-                      <a:headEnd type="none" w="med" len="med"/>
-                      <a:tailEnd type="none" w="med" len="med"/>
-                    </a:lnR>
-                    <a:lnT w="3175" cap="flat" cmpd="sng" algn="ctr">
-                      <a:solidFill>
-                        <a:schemeClr val="tx1"/>
-                      </a:solidFill>
-                      <a:prstDash val="solid"/>
-                      <a:round/>
-                      <a:headEnd type="none" w="med" len="med"/>
-                      <a:tailEnd type="none" w="med" len="med"/>
-                    </a:lnT>
-                    <a:lnB w="3175" cap="flat" cmpd="sng" algn="ctr">
-                      <a:solidFill>
-                        <a:schemeClr val="tx1"/>
-                      </a:solidFill>
-                      <a:prstDash val="solid"/>
-                      <a:round/>
-                      <a:headEnd type="none" w="med" len="med"/>
-                      <a:tailEnd type="none" w="med" len="med"/>
-                    </a:lnB>
-                  </a:tcPr>
-                </a:tc>
-                <a:tc>
-                  <a:txBody>
-                    <a:bodyPr/>
-                    <a:lstStyle/>
-                    <a:p>
-                      <a:r>
-                        <a:rPr lang="en-US" altLang="ko-KR" sz="800" dirty="0">
-                          <a:solidFill>
-                            <a:schemeClr val="tx1"/>
-                          </a:solidFill>
-                        </a:rPr>
-                        <a:t>1. </a:t>
-                      </a:r>
-                      <a:r>
-                        <a:rPr lang="ko-KR" altLang="en-US" sz="800" dirty="0">
-                          <a:solidFill>
-                            <a:schemeClr val="tx1"/>
-                          </a:solidFill>
-                        </a:rPr>
-                        <a:t>통계 데이터 </a:t>
-                      </a:r>
-                      <a:r>
-                        <a:rPr lang="en-US" altLang="ko-KR" sz="800" dirty="0">
-                          <a:solidFill>
-                            <a:schemeClr val="tx1"/>
-                          </a:solidFill>
-                        </a:rPr>
-                        <a:t>form Raw data (.csv)</a:t>
-                      </a:r>
-                    </a:p>
-                    <a:p>
-                      <a:r>
-                        <a:rPr lang="en-US" altLang="ko-KR" sz="800" dirty="0">
-                          <a:solidFill>
-                            <a:schemeClr val="tx1"/>
-                          </a:solidFill>
-                        </a:rPr>
-                        <a:t>- 5</a:t>
-                      </a:r>
-                      <a:r>
-                        <a:rPr lang="ko-KR" altLang="en-US" sz="800" dirty="0">
-                          <a:solidFill>
-                            <a:schemeClr val="tx1"/>
-                          </a:solidFill>
-                        </a:rPr>
-                        <a:t>개 채널 </a:t>
-                      </a:r>
-                      <a:r>
-                        <a:rPr lang="en-US" altLang="ko-KR" sz="800" dirty="0">
-                          <a:solidFill>
-                            <a:schemeClr val="tx1"/>
-                          </a:solidFill>
-                        </a:rPr>
-                        <a:t>60,000</a:t>
-                      </a:r>
-                      <a:r>
-                        <a:rPr lang="ko-KR" altLang="en-US" sz="800" dirty="0">
-                          <a:solidFill>
-                            <a:schemeClr val="tx1"/>
-                          </a:solidFill>
-                        </a:rPr>
-                        <a:t>건 </a:t>
-                      </a:r>
-                      <a:r>
-                        <a:rPr lang="en-US" altLang="ko-KR" sz="800" dirty="0">
-                          <a:solidFill>
-                            <a:schemeClr val="tx1"/>
-                          </a:solidFill>
-                        </a:rPr>
-                        <a:t>(60Hz 10</a:t>
-                      </a:r>
-                      <a:r>
-                        <a:rPr lang="ko-KR" altLang="en-US" sz="800" dirty="0">
-                          <a:solidFill>
-                            <a:schemeClr val="tx1"/>
-                          </a:solidFill>
-                        </a:rPr>
-                        <a:t>분데이터</a:t>
-                      </a:r>
-                      <a:r>
-                        <a:rPr lang="en-US" altLang="ko-KR" sz="800" dirty="0">
-                          <a:solidFill>
-                            <a:schemeClr val="tx1"/>
-                          </a:solidFill>
-                        </a:rPr>
-                        <a:t>)</a:t>
-                      </a:r>
-                    </a:p>
-                    <a:p>
-                      <a:r>
-                        <a:rPr lang="en-US" altLang="ko-KR" sz="800" dirty="0">
-                          <a:solidFill>
-                            <a:schemeClr val="tx1"/>
-                          </a:solidFill>
-                        </a:rPr>
-                        <a:t>2. Raw data </a:t>
-                      </a:r>
-                      <a:r>
-                        <a:rPr lang="ko-KR" altLang="en-US" sz="800" dirty="0">
-                          <a:solidFill>
-                            <a:schemeClr val="tx1"/>
-                          </a:solidFill>
-                        </a:rPr>
-                        <a:t>통계 </a:t>
-                      </a:r>
-                      <a:r>
-                        <a:rPr lang="en-US" altLang="ko-KR" sz="800" dirty="0">
-                          <a:solidFill>
-                            <a:schemeClr val="tx1"/>
-                          </a:solidFill>
-                        </a:rPr>
-                        <a:t>(.</a:t>
-                      </a:r>
-                      <a:r>
-                        <a:rPr lang="en-US" altLang="ko-KR" sz="800" dirty="0" err="1">
-                          <a:solidFill>
-                            <a:schemeClr val="tx1"/>
-                          </a:solidFill>
-                        </a:rPr>
-                        <a:t>py</a:t>
-                      </a:r>
-                      <a:r>
-                        <a:rPr lang="en-US" altLang="ko-KR" sz="800" dirty="0">
-                          <a:solidFill>
-                            <a:schemeClr val="tx1"/>
-                          </a:solidFill>
-                        </a:rPr>
-                        <a:t>)</a:t>
-                      </a:r>
-                    </a:p>
-                    <a:p>
-                      <a:r>
-                        <a:rPr lang="en-US" altLang="ko-KR" sz="800" dirty="0">
-                          <a:solidFill>
-                            <a:schemeClr val="tx1"/>
-                          </a:solidFill>
-                        </a:rPr>
-                        <a:t>- 5</a:t>
-                      </a:r>
-                      <a:r>
-                        <a:rPr lang="ko-KR" altLang="en-US" sz="800" dirty="0">
-                          <a:solidFill>
-                            <a:schemeClr val="tx1"/>
-                          </a:solidFill>
-                        </a:rPr>
-                        <a:t>개 채널</a:t>
-                      </a:r>
-                      <a:r>
-                        <a:rPr lang="en-US" altLang="ko-KR" sz="800" dirty="0">
-                          <a:solidFill>
-                            <a:schemeClr val="tx1"/>
-                          </a:solidFill>
-                        </a:rPr>
-                        <a:t>, </a:t>
-                      </a:r>
-                      <a:r>
-                        <a:rPr lang="ko-KR" altLang="en-US" sz="800" dirty="0">
-                          <a:solidFill>
-                            <a:schemeClr val="tx1"/>
-                          </a:solidFill>
-                        </a:rPr>
-                        <a:t>평균</a:t>
-                      </a:r>
-                      <a:r>
-                        <a:rPr lang="en-US" altLang="ko-KR" sz="800" dirty="0">
-                          <a:solidFill>
-                            <a:schemeClr val="tx1"/>
-                          </a:solidFill>
-                        </a:rPr>
-                        <a:t>,</a:t>
-                      </a:r>
-                      <a:r>
-                        <a:rPr lang="ko-KR" altLang="en-US" sz="800" dirty="0">
-                          <a:solidFill>
-                            <a:schemeClr val="tx1"/>
-                          </a:solidFill>
-                        </a:rPr>
-                        <a:t>최소</a:t>
-                      </a:r>
-                      <a:r>
-                        <a:rPr lang="en-US" altLang="ko-KR" sz="800" dirty="0">
-                          <a:solidFill>
-                            <a:schemeClr val="tx1"/>
-                          </a:solidFill>
-                        </a:rPr>
-                        <a:t>,</a:t>
-                      </a:r>
-                      <a:r>
-                        <a:rPr lang="ko-KR" altLang="en-US" sz="800" dirty="0">
-                          <a:solidFill>
-                            <a:schemeClr val="tx1"/>
-                          </a:solidFill>
-                        </a:rPr>
-                        <a:t>최대</a:t>
-                      </a:r>
-                      <a:r>
-                        <a:rPr lang="en-US" altLang="ko-KR" sz="800" dirty="0">
-                          <a:solidFill>
-                            <a:schemeClr val="tx1"/>
-                          </a:solidFill>
-                        </a:rPr>
-                        <a:t>,</a:t>
-                      </a:r>
-                      <a:r>
-                        <a:rPr lang="ko-KR" altLang="en-US" sz="800" dirty="0">
-                          <a:solidFill>
-                            <a:schemeClr val="tx1"/>
-                          </a:solidFill>
-                        </a:rPr>
-                        <a:t>표준편차</a:t>
-                      </a:r>
-                      <a:endParaRPr lang="en-US" altLang="ko-KR" sz="800" dirty="0">
-                        <a:solidFill>
-                          <a:schemeClr val="tx1"/>
-                        </a:solidFill>
-                      </a:endParaRPr>
-                    </a:p>
-                    <a:p>
-                      <a:r>
-                        <a:rPr lang="en-US" altLang="ko-KR" sz="800" dirty="0">
-                          <a:solidFill>
-                            <a:schemeClr val="tx1"/>
-                          </a:solidFill>
-                        </a:rPr>
-                        <a:t>3. </a:t>
-                      </a:r>
-                      <a:r>
-                        <a:rPr lang="ko-KR" altLang="en-US" sz="800" dirty="0">
-                          <a:solidFill>
-                            <a:schemeClr val="tx1"/>
-                          </a:solidFill>
-                        </a:rPr>
-                        <a:t>경사 및 변위 분석</a:t>
-                      </a:r>
-                      <a:endParaRPr lang="en-US" altLang="ko-KR" sz="800" dirty="0">
-                        <a:solidFill>
-                          <a:schemeClr val="tx1"/>
-                        </a:solidFill>
-                      </a:endParaRPr>
-                    </a:p>
-                    <a:p>
-                      <a:r>
-                        <a:rPr lang="en-US" altLang="ko-KR" sz="800" dirty="0">
-                          <a:solidFill>
-                            <a:schemeClr val="tx1"/>
-                          </a:solidFill>
-                        </a:rPr>
-                        <a:t>- 5</a:t>
-                      </a:r>
-                      <a:r>
-                        <a:rPr lang="ko-KR" altLang="en-US" sz="800" dirty="0">
-                          <a:solidFill>
-                            <a:schemeClr val="tx1"/>
-                          </a:solidFill>
-                        </a:rPr>
-                        <a:t>개</a:t>
-                      </a:r>
-                      <a:r>
-                        <a:rPr lang="en-US" altLang="ko-KR" sz="800" dirty="0">
-                          <a:solidFill>
-                            <a:schemeClr val="tx1"/>
-                          </a:solidFill>
-                        </a:rPr>
-                        <a:t>,</a:t>
-                      </a:r>
-                      <a:r>
-                        <a:rPr lang="ko-KR" altLang="en-US" sz="800" dirty="0">
-                          <a:solidFill>
-                            <a:schemeClr val="tx1"/>
-                          </a:solidFill>
-                        </a:rPr>
-                        <a:t> </a:t>
-                      </a:r>
-                      <a:r>
-                        <a:rPr lang="en-US" altLang="ko-KR" sz="800" dirty="0">
-                          <a:solidFill>
-                            <a:schemeClr val="tx1"/>
-                          </a:solidFill>
-                        </a:rPr>
-                        <a:t>3</a:t>
-                      </a:r>
-                      <a:r>
-                        <a:rPr lang="ko-KR" altLang="en-US" sz="800" dirty="0">
-                          <a:solidFill>
-                            <a:schemeClr val="tx1"/>
-                          </a:solidFill>
-                        </a:rPr>
-                        <a:t>개 </a:t>
-                      </a:r>
-                      <a:r>
-                        <a:rPr lang="en-US" altLang="ko-KR" sz="800" dirty="0">
-                          <a:solidFill>
-                            <a:schemeClr val="tx1"/>
-                          </a:solidFill>
-                        </a:rPr>
-                        <a:t>60,000</a:t>
-                      </a:r>
-                      <a:r>
-                        <a:rPr lang="ko-KR" altLang="en-US" sz="800" dirty="0">
-                          <a:solidFill>
-                            <a:schemeClr val="tx1"/>
-                          </a:solidFill>
-                        </a:rPr>
-                        <a:t>건 </a:t>
-                      </a:r>
-                      <a:r>
-                        <a:rPr lang="en-US" altLang="ko-KR" sz="800" dirty="0">
-                          <a:solidFill>
-                            <a:schemeClr val="tx1"/>
-                          </a:solidFill>
-                        </a:rPr>
-                        <a:t>(60Hz 10</a:t>
-                      </a:r>
-                      <a:r>
-                        <a:rPr lang="ko-KR" altLang="en-US" sz="800" dirty="0">
-                          <a:solidFill>
-                            <a:schemeClr val="tx1"/>
-                          </a:solidFill>
-                        </a:rPr>
-                        <a:t>분데이터</a:t>
-                      </a:r>
-                      <a:r>
-                        <a:rPr lang="en-US" altLang="ko-KR" sz="800" dirty="0">
-                          <a:solidFill>
-                            <a:schemeClr val="tx1"/>
-                          </a:solidFill>
-                        </a:rPr>
-                        <a:t>)</a:t>
-                      </a:r>
-                    </a:p>
-                    <a:p>
-                      <a:r>
-                        <a:rPr lang="en-US" altLang="ko-KR" sz="800" dirty="0">
-                          <a:solidFill>
-                            <a:schemeClr val="tx1"/>
-                          </a:solidFill>
-                        </a:rPr>
-                        <a:t>4. </a:t>
-                      </a:r>
-                      <a:r>
-                        <a:rPr lang="ko-KR" altLang="en-US" sz="800" dirty="0">
-                          <a:solidFill>
-                            <a:schemeClr val="tx1"/>
-                          </a:solidFill>
-                        </a:rPr>
-                        <a:t>분석 통계 </a:t>
-                      </a:r>
-                      <a:r>
-                        <a:rPr lang="en-US" altLang="ko-KR" sz="800" dirty="0">
-                          <a:solidFill>
-                            <a:schemeClr val="tx1"/>
-                          </a:solidFill>
-                        </a:rPr>
-                        <a:t>(.</a:t>
-                      </a:r>
-                      <a:r>
-                        <a:rPr lang="en-US" altLang="ko-KR" sz="800" dirty="0" err="1">
-                          <a:solidFill>
-                            <a:schemeClr val="tx1"/>
-                          </a:solidFill>
-                        </a:rPr>
-                        <a:t>py</a:t>
-                      </a:r>
-                      <a:r>
-                        <a:rPr lang="en-US" altLang="ko-KR" sz="800" dirty="0">
-                          <a:solidFill>
-                            <a:schemeClr val="tx1"/>
-                          </a:solidFill>
-                        </a:rPr>
-                        <a:t>)</a:t>
-                      </a:r>
-                    </a:p>
-                    <a:p>
-                      <a:r>
-                        <a:rPr lang="en-US" altLang="ko-KR" sz="800" dirty="0">
-                          <a:solidFill>
-                            <a:schemeClr val="tx1"/>
-                          </a:solidFill>
-                        </a:rPr>
-                        <a:t>- </a:t>
-                      </a:r>
-                      <a:r>
-                        <a:rPr lang="ko-KR" altLang="en-US" sz="800" dirty="0">
-                          <a:solidFill>
-                            <a:schemeClr val="tx1"/>
-                          </a:solidFill>
-                        </a:rPr>
-                        <a:t>경사 및 변위 </a:t>
-                      </a:r>
-                      <a:r>
-                        <a:rPr lang="en-US" altLang="ko-KR" sz="800" dirty="0">
-                          <a:solidFill>
-                            <a:schemeClr val="tx1"/>
-                          </a:solidFill>
-                        </a:rPr>
-                        <a:t>8</a:t>
-                      </a:r>
-                      <a:r>
-                        <a:rPr lang="ko-KR" altLang="en-US" sz="800" dirty="0">
-                          <a:solidFill>
-                            <a:schemeClr val="tx1"/>
-                          </a:solidFill>
-                        </a:rPr>
-                        <a:t>개</a:t>
-                      </a:r>
-                      <a:r>
-                        <a:rPr lang="en-US" altLang="ko-KR" sz="800" dirty="0">
-                          <a:solidFill>
-                            <a:schemeClr val="tx1"/>
-                          </a:solidFill>
-                        </a:rPr>
-                        <a:t> </a:t>
-                      </a:r>
-                      <a:r>
-                        <a:rPr lang="ko-KR" altLang="en-US" sz="800" dirty="0">
-                          <a:solidFill>
-                            <a:schemeClr val="tx1"/>
-                          </a:solidFill>
-                        </a:rPr>
-                        <a:t>평균</a:t>
-                      </a:r>
-                      <a:r>
-                        <a:rPr lang="en-US" altLang="ko-KR" sz="800" dirty="0">
-                          <a:solidFill>
-                            <a:schemeClr val="tx1"/>
-                          </a:solidFill>
-                        </a:rPr>
-                        <a:t>,</a:t>
-                      </a:r>
-                      <a:r>
-                        <a:rPr lang="ko-KR" altLang="en-US" sz="800" dirty="0">
-                          <a:solidFill>
-                            <a:schemeClr val="tx1"/>
-                          </a:solidFill>
-                        </a:rPr>
-                        <a:t>최소</a:t>
-                      </a:r>
-                      <a:r>
-                        <a:rPr lang="en-US" altLang="ko-KR" sz="800" dirty="0">
-                          <a:solidFill>
-                            <a:schemeClr val="tx1"/>
-                          </a:solidFill>
-                        </a:rPr>
-                        <a:t>,</a:t>
-                      </a:r>
-                      <a:r>
-                        <a:rPr lang="ko-KR" altLang="en-US" sz="800" dirty="0">
-                          <a:solidFill>
-                            <a:schemeClr val="tx1"/>
-                          </a:solidFill>
-                        </a:rPr>
-                        <a:t>최대</a:t>
-                      </a:r>
-                      <a:r>
-                        <a:rPr lang="en-US" altLang="ko-KR" sz="800" dirty="0">
-                          <a:solidFill>
-                            <a:schemeClr val="tx1"/>
-                          </a:solidFill>
-                        </a:rPr>
-                        <a:t>,</a:t>
-                      </a:r>
-                      <a:r>
-                        <a:rPr lang="ko-KR" altLang="en-US" sz="800" dirty="0">
-                          <a:solidFill>
-                            <a:schemeClr val="tx1"/>
-                          </a:solidFill>
-                        </a:rPr>
-                        <a:t>표준편차</a:t>
-                      </a:r>
-                      <a:endParaRPr lang="en-US" altLang="ko-KR" sz="800" dirty="0">
-                        <a:solidFill>
-                          <a:schemeClr val="tx1"/>
-                        </a:solidFill>
-                      </a:endParaRPr>
-                    </a:p>
-                    <a:p>
-                      <a:r>
-                        <a:rPr lang="en-US" altLang="ko-KR" sz="800" dirty="0"/>
-                        <a:t>5. PC</a:t>
-                      </a:r>
-                      <a:r>
-                        <a:rPr lang="ko-KR" altLang="en-US" sz="800" dirty="0"/>
-                        <a:t>상태</a:t>
-                      </a:r>
-                      <a:endParaRPr lang="en-US" altLang="ko-KR" sz="800" dirty="0"/>
-                    </a:p>
-                    <a:p>
-                      <a:r>
-                        <a:rPr lang="en-US" altLang="ko-KR" sz="800" dirty="0"/>
-                        <a:t>- CPU, RAM, HDD, </a:t>
-                      </a:r>
-                      <a:r>
-                        <a:rPr lang="ko-KR" altLang="en-US" sz="800" dirty="0"/>
-                        <a:t>온도 </a:t>
-                      </a:r>
-                      <a:endParaRPr lang="en-US" altLang="ko-KR" sz="800" dirty="0"/>
-                    </a:p>
-                    <a:p>
-                      <a:r>
-                        <a:rPr lang="en-US" altLang="ko-KR" sz="800" dirty="0">
-                          <a:solidFill>
-                            <a:schemeClr val="tx1"/>
-                          </a:solidFill>
-                        </a:rPr>
-                        <a:t>6. </a:t>
-                      </a:r>
-                    </a:p>
-                  </a:txBody>
-                  <a:tcPr anchor="ctr">
-                    <a:lnL w="3175" cap="flat" cmpd="sng" algn="ctr">
-                      <a:solidFill>
-                        <a:schemeClr val="tx1"/>
-                      </a:solidFill>
-                      <a:prstDash val="solid"/>
-                      <a:round/>
-                      <a:headEnd type="none" w="med" len="med"/>
-                      <a:tailEnd type="none" w="med" len="med"/>
-                    </a:lnL>
-                    <a:lnR w="3175" cap="flat" cmpd="sng" algn="ctr">
-                      <a:solidFill>
-                        <a:schemeClr val="tx1"/>
-                      </a:solidFill>
-                      <a:prstDash val="solid"/>
-                      <a:round/>
-                      <a:headEnd type="none" w="med" len="med"/>
-                      <a:tailEnd type="none" w="med" len="med"/>
-                    </a:lnR>
-                    <a:lnT w="3175" cap="flat" cmpd="sng" algn="ctr">
-                      <a:solidFill>
-                        <a:schemeClr val="tx1"/>
-                      </a:solidFill>
-                      <a:prstDash val="solid"/>
-                      <a:round/>
-                      <a:headEnd type="none" w="med" len="med"/>
-                      <a:tailEnd type="none" w="med" len="med"/>
-                    </a:lnT>
-                    <a:lnB w="3175" cap="flat" cmpd="sng" algn="ctr">
-                      <a:solidFill>
-                        <a:schemeClr val="tx1"/>
-                      </a:solidFill>
-                      <a:prstDash val="solid"/>
-                      <a:round/>
-                      <a:headEnd type="none" w="med" len="med"/>
-                      <a:tailEnd type="none" w="med" len="med"/>
-                    </a:lnB>
-                  </a:tcPr>
-                </a:tc>
-                <a:tc>
-                  <a:txBody>
-                    <a:bodyPr/>
-                    <a:lstStyle/>
-                    <a:p>
-                      <a:pPr marL="0" marR="0" lvl="0" indent="0" algn="l" defTabSz="914400" rtl="0" eaLnBrk="1" fontAlgn="auto" latinLnBrk="1" hangingPunct="1">
-                        <a:lnSpc>
-                          <a:spcPct val="100000"/>
-                        </a:lnSpc>
-                        <a:spcBef>
-                          <a:spcPts val="0"/>
-                        </a:spcBef>
-                        <a:spcAft>
-                          <a:spcPts val="0"/>
-                        </a:spcAft>
-                        <a:buClrTx/>
-                        <a:buSzTx/>
-                        <a:buFontTx/>
-                        <a:buNone/>
-                        <a:tabLst/>
-                        <a:defRPr/>
-                      </a:pPr>
-                      <a:r>
-                        <a:rPr lang="en-US" altLang="ko-KR" sz="800" dirty="0">
-                          <a:solidFill>
-                            <a:schemeClr val="tx1"/>
-                          </a:solidFill>
-                        </a:rPr>
-                        <a:t>1. </a:t>
-                      </a:r>
-                      <a:r>
-                        <a:rPr lang="ko-KR" altLang="en-US" sz="800" dirty="0">
-                          <a:solidFill>
-                            <a:schemeClr val="tx1"/>
-                          </a:solidFill>
-                        </a:rPr>
-                        <a:t>관리 기준치</a:t>
-                      </a:r>
-                      <a:r>
-                        <a:rPr lang="en-US" altLang="ko-KR" sz="800" dirty="0">
-                          <a:solidFill>
-                            <a:schemeClr val="tx1"/>
-                          </a:solidFill>
-                        </a:rPr>
-                        <a:t>, </a:t>
-                      </a:r>
-                      <a:r>
-                        <a:rPr lang="ko-KR" altLang="en-US" sz="800" dirty="0" err="1">
-                          <a:solidFill>
-                            <a:schemeClr val="tx1"/>
-                          </a:solidFill>
-                        </a:rPr>
-                        <a:t>트리거링</a:t>
-                      </a:r>
-                      <a:r>
-                        <a:rPr lang="ko-KR" altLang="en-US" sz="800" dirty="0">
-                          <a:solidFill>
-                            <a:schemeClr val="tx1"/>
-                          </a:solidFill>
-                        </a:rPr>
-                        <a:t> 이벤트 정보</a:t>
-                      </a:r>
-                      <a:endParaRPr lang="en-US" altLang="ko-KR" sz="800" dirty="0">
-                        <a:solidFill>
-                          <a:schemeClr val="tx1"/>
-                        </a:solidFill>
-                      </a:endParaRPr>
-                    </a:p>
-                  </a:txBody>
-                  <a:tcPr anchor="ctr">
-                    <a:lnL w="3175" cap="flat" cmpd="sng" algn="ctr">
-                      <a:solidFill>
-                        <a:schemeClr val="tx1"/>
-                      </a:solidFill>
-                      <a:prstDash val="solid"/>
-                      <a:round/>
-                      <a:headEnd type="none" w="med" len="med"/>
-                      <a:tailEnd type="none" w="med" len="med"/>
-                    </a:lnL>
-                    <a:lnR w="3175" cap="flat" cmpd="sng" algn="ctr">
-                      <a:solidFill>
-                        <a:schemeClr val="tx1"/>
-                      </a:solidFill>
-                      <a:prstDash val="solid"/>
-                      <a:round/>
-                      <a:headEnd type="none" w="med" len="med"/>
-                      <a:tailEnd type="none" w="med" len="med"/>
-                    </a:lnR>
-                    <a:lnT w="3175" cap="flat" cmpd="sng" algn="ctr">
-                      <a:solidFill>
-                        <a:schemeClr val="tx1"/>
-                      </a:solidFill>
-                      <a:prstDash val="solid"/>
-                      <a:round/>
-                      <a:headEnd type="none" w="med" len="med"/>
-                      <a:tailEnd type="none" w="med" len="med"/>
-                    </a:lnT>
-                    <a:lnB w="3175" cap="flat" cmpd="sng" algn="ctr">
-                      <a:solidFill>
-                        <a:schemeClr val="tx1"/>
-                      </a:solidFill>
-                      <a:prstDash val="solid"/>
-                      <a:round/>
-                      <a:headEnd type="none" w="med" len="med"/>
-                      <a:tailEnd type="none" w="med" len="med"/>
-                    </a:lnB>
-                  </a:tcPr>
-                </a:tc>
-                <a:tc>
-                  <a:txBody>
-                    <a:bodyPr/>
-                    <a:lstStyle/>
-                    <a:p>
-                      <a:pPr algn="l" latinLnBrk="1"/>
-                      <a:r>
-                        <a:rPr lang="en-US" altLang="ko-KR" sz="800" dirty="0">
-                          <a:solidFill>
-                            <a:schemeClr val="tx1"/>
-                          </a:solidFill>
-                        </a:rPr>
-                        <a:t>1. </a:t>
-                      </a:r>
-                      <a:r>
-                        <a:rPr lang="ko-KR" altLang="en-US" sz="800" dirty="0" err="1">
-                          <a:solidFill>
-                            <a:schemeClr val="tx1"/>
-                          </a:solidFill>
-                        </a:rPr>
-                        <a:t>데이터로거</a:t>
-                      </a:r>
-                      <a:r>
-                        <a:rPr lang="ko-KR" altLang="en-US" sz="800" dirty="0">
-                          <a:solidFill>
-                            <a:schemeClr val="tx1"/>
-                          </a:solidFill>
-                        </a:rPr>
-                        <a:t> 통신 </a:t>
-                      </a:r>
-                      <a:r>
-                        <a:rPr lang="en-US" altLang="ko-KR" sz="800" dirty="0">
-                          <a:solidFill>
-                            <a:schemeClr val="tx1"/>
-                          </a:solidFill>
-                        </a:rPr>
-                        <a:t>(??)</a:t>
-                      </a:r>
-                    </a:p>
-                    <a:p>
-                      <a:pPr algn="l" latinLnBrk="1"/>
-                      <a:r>
-                        <a:rPr lang="en-US" altLang="ko-KR" sz="800" dirty="0">
-                          <a:solidFill>
-                            <a:schemeClr val="tx1"/>
-                          </a:solidFill>
-                        </a:rPr>
-                        <a:t>2. </a:t>
-                      </a:r>
-                      <a:r>
-                        <a:rPr lang="ko-KR" altLang="en-US" sz="800" dirty="0" err="1">
-                          <a:solidFill>
-                            <a:schemeClr val="tx1"/>
-                          </a:solidFill>
-                        </a:rPr>
-                        <a:t>데이터로거</a:t>
-                      </a:r>
-                      <a:r>
-                        <a:rPr lang="ko-KR" altLang="en-US" sz="800" dirty="0">
-                          <a:solidFill>
-                            <a:schemeClr val="tx1"/>
-                          </a:solidFill>
-                        </a:rPr>
-                        <a:t> </a:t>
-                      </a:r>
-                      <a:r>
-                        <a:rPr lang="en-US" altLang="ko-KR" sz="800" dirty="0">
-                          <a:solidFill>
-                            <a:schemeClr val="tx1"/>
-                          </a:solidFill>
-                        </a:rPr>
-                        <a:t>raw data </a:t>
-                      </a:r>
-                      <a:r>
-                        <a:rPr lang="ko-KR" altLang="en-US" sz="800" dirty="0">
-                          <a:solidFill>
-                            <a:schemeClr val="tx1"/>
-                          </a:solidFill>
-                        </a:rPr>
-                        <a:t>생성 여부</a:t>
-                      </a:r>
-                      <a:endParaRPr lang="en-US" altLang="ko-KR" sz="800" dirty="0">
-                        <a:solidFill>
-                          <a:schemeClr val="tx1"/>
-                        </a:solidFill>
-                      </a:endParaRPr>
-                    </a:p>
-                    <a:p>
-                      <a:pPr algn="l" latinLnBrk="1"/>
-                      <a:r>
-                        <a:rPr lang="en-US" altLang="ko-KR" sz="800" dirty="0">
-                          <a:solidFill>
-                            <a:schemeClr val="tx1"/>
-                          </a:solidFill>
-                        </a:rPr>
-                        <a:t>3. raw data </a:t>
-                      </a:r>
-                      <a:r>
-                        <a:rPr lang="ko-KR" altLang="en-US" sz="800" dirty="0">
-                          <a:solidFill>
-                            <a:schemeClr val="tx1"/>
-                          </a:solidFill>
-                        </a:rPr>
-                        <a:t>검증 결과 이상 여부 </a:t>
-                      </a:r>
-                      <a:r>
-                        <a:rPr lang="en-US" altLang="ko-KR" sz="800" dirty="0">
-                          <a:solidFill>
-                            <a:schemeClr val="tx1"/>
-                          </a:solidFill>
-                        </a:rPr>
-                        <a:t>(60,000</a:t>
-                      </a:r>
-                      <a:r>
-                        <a:rPr lang="ko-KR" altLang="en-US" sz="800" dirty="0">
-                          <a:solidFill>
-                            <a:schemeClr val="tx1"/>
-                          </a:solidFill>
-                        </a:rPr>
-                        <a:t>건</a:t>
-                      </a:r>
-                      <a:r>
-                        <a:rPr lang="en-US" altLang="ko-KR" sz="800" dirty="0">
-                          <a:solidFill>
-                            <a:schemeClr val="tx1"/>
-                          </a:solidFill>
-                        </a:rPr>
-                        <a:t>?)</a:t>
-                      </a:r>
-                    </a:p>
-                    <a:p>
-                      <a:pPr algn="l" latinLnBrk="1"/>
-                      <a:endParaRPr lang="ko-KR" altLang="en-US" sz="800" dirty="0">
-                        <a:solidFill>
-                          <a:schemeClr val="tx1"/>
-                        </a:solidFill>
-                      </a:endParaRPr>
-                    </a:p>
-                  </a:txBody>
-                  <a:tcPr anchor="ctr">
-                    <a:lnL w="3175" cap="flat" cmpd="sng" algn="ctr">
-                      <a:solidFill>
-                        <a:schemeClr val="tx1"/>
-                      </a:solidFill>
-                      <a:prstDash val="solid"/>
-                      <a:round/>
-                      <a:headEnd type="none" w="med" len="med"/>
-                      <a:tailEnd type="none" w="med" len="med"/>
-                    </a:lnL>
-                    <a:lnR w="3175" cap="flat" cmpd="sng" algn="ctr">
-                      <a:solidFill>
-                        <a:schemeClr val="tx1"/>
-                      </a:solidFill>
-                      <a:prstDash val="solid"/>
-                      <a:round/>
-                      <a:headEnd type="none" w="med" len="med"/>
-                      <a:tailEnd type="none" w="med" len="med"/>
-                    </a:lnR>
-                    <a:lnT w="3175" cap="flat" cmpd="sng" algn="ctr">
-                      <a:solidFill>
-                        <a:schemeClr val="tx1"/>
-                      </a:solidFill>
-                      <a:prstDash val="solid"/>
-                      <a:round/>
-                      <a:headEnd type="none" w="med" len="med"/>
-                      <a:tailEnd type="none" w="med" len="med"/>
-                    </a:lnT>
-                    <a:lnB w="3175" cap="flat" cmpd="sng" algn="ctr">
-                      <a:solidFill>
-                        <a:schemeClr val="tx1"/>
-                      </a:solidFill>
-                      <a:prstDash val="solid"/>
-                      <a:round/>
-                      <a:headEnd type="none" w="med" len="med"/>
-                      <a:tailEnd type="none" w="med" len="med"/>
-                    </a:lnB>
-                  </a:tcPr>
-                </a:tc>
-                <a:tc>
-                  <a:txBody>
-                    <a:bodyPr/>
-                    <a:lstStyle/>
-                    <a:p>
-                      <a:pPr algn="l" latinLnBrk="1"/>
-                      <a:endParaRPr lang="ko-KR" altLang="en-US" sz="800" dirty="0">
-                        <a:solidFill>
-                          <a:schemeClr val="tx1"/>
-                        </a:solidFill>
-                      </a:endParaRPr>
-                    </a:p>
-                  </a:txBody>
-                  <a:tcPr anchor="ctr">
-                    <a:lnL w="3175" cap="flat" cmpd="sng" algn="ctr">
-                      <a:solidFill>
-                        <a:schemeClr val="tx1"/>
-                      </a:solidFill>
-                      <a:prstDash val="solid"/>
-                      <a:round/>
-                      <a:headEnd type="none" w="med" len="med"/>
-                      <a:tailEnd type="none" w="med" len="med"/>
-                    </a:lnL>
-                    <a:lnR w="3175" cap="flat" cmpd="sng" algn="ctr">
-                      <a:solidFill>
-                        <a:schemeClr val="tx1"/>
-                      </a:solidFill>
-                      <a:prstDash val="solid"/>
-                      <a:round/>
-                      <a:headEnd type="none" w="med" len="med"/>
-                      <a:tailEnd type="none" w="med" len="med"/>
-                    </a:lnR>
-                    <a:lnT w="3175" cap="flat" cmpd="sng" algn="ctr">
-                      <a:solidFill>
-                        <a:schemeClr val="tx1"/>
-                      </a:solidFill>
-                      <a:prstDash val="solid"/>
-                      <a:round/>
-                      <a:headEnd type="none" w="med" len="med"/>
-                      <a:tailEnd type="none" w="med" len="med"/>
-                    </a:lnT>
-                    <a:lnB w="3175" cap="flat" cmpd="sng" algn="ctr">
-                      <a:solidFill>
-                        <a:schemeClr val="tx1"/>
-                      </a:solidFill>
-                      <a:prstDash val="solid"/>
-                      <a:round/>
-                      <a:headEnd type="none" w="med" len="med"/>
-                      <a:tailEnd type="none" w="med" len="med"/>
-                    </a:lnB>
-                  </a:tcPr>
-                </a:tc>
-                <a:extLst>
-                  <a:ext uri="{0D108BD9-81ED-4DB2-BD59-A6C34878D82A}">
-                    <a16:rowId xmlns:a16="http://schemas.microsoft.com/office/drawing/2014/main" val="1676996294"/>
-                  </a:ext>
-                </a:extLst>
-              </a:tr>
-              <a:tr h="331072">
-                <a:tc>
-                  <a:txBody>
-                    <a:bodyPr/>
-                    <a:lstStyle/>
-                    <a:p>
-                      <a:pPr algn="l" latinLnBrk="1"/>
-                      <a:r>
-                        <a:rPr lang="ko-KR" altLang="en-US" sz="800" dirty="0" err="1">
-                          <a:solidFill>
-                            <a:schemeClr val="tx1"/>
-                          </a:solidFill>
-                        </a:rPr>
-                        <a:t>함체</a:t>
-                      </a:r>
-                      <a:endParaRPr lang="ko-KR" altLang="en-US" sz="800" dirty="0">
-                        <a:solidFill>
-                          <a:schemeClr val="tx1"/>
-                        </a:solidFill>
-                      </a:endParaRPr>
-                    </a:p>
-                  </a:txBody>
-                  <a:tcPr anchor="ctr">
-                    <a:lnL w="3175" cap="flat" cmpd="sng" algn="ctr">
-                      <a:solidFill>
-                        <a:schemeClr val="tx1"/>
-                      </a:solidFill>
-                      <a:prstDash val="solid"/>
-                      <a:round/>
-                      <a:headEnd type="none" w="med" len="med"/>
-                      <a:tailEnd type="none" w="med" len="med"/>
-                    </a:lnL>
-                    <a:lnR w="3175" cap="flat" cmpd="sng" algn="ctr">
-                      <a:solidFill>
-                        <a:schemeClr val="tx1"/>
-                      </a:solidFill>
-                      <a:prstDash val="solid"/>
-                      <a:round/>
-                      <a:headEnd type="none" w="med" len="med"/>
-                      <a:tailEnd type="none" w="med" len="med"/>
-                    </a:lnR>
-                    <a:lnT w="3175" cap="flat" cmpd="sng" algn="ctr">
-                      <a:solidFill>
-                        <a:schemeClr val="tx1"/>
-                      </a:solidFill>
-                      <a:prstDash val="solid"/>
-                      <a:round/>
-                      <a:headEnd type="none" w="med" len="med"/>
-                      <a:tailEnd type="none" w="med" len="med"/>
-                    </a:lnT>
-                    <a:lnB w="3175" cap="flat" cmpd="sng" algn="ctr">
-                      <a:solidFill>
-                        <a:schemeClr val="tx1"/>
-                      </a:solidFill>
-                      <a:prstDash val="solid"/>
-                      <a:round/>
-                      <a:headEnd type="none" w="med" len="med"/>
-                      <a:tailEnd type="none" w="med" len="med"/>
-                    </a:lnB>
-                  </a:tcPr>
-                </a:tc>
-                <a:tc>
-                  <a:txBody>
-                    <a:bodyPr/>
-                    <a:lstStyle/>
-                    <a:p>
-                      <a:pPr algn="l" latinLnBrk="1"/>
-                      <a:endParaRPr lang="ko-KR" altLang="en-US" sz="800" dirty="0">
-                        <a:solidFill>
-                          <a:schemeClr val="tx1"/>
-                        </a:solidFill>
-                      </a:endParaRPr>
-                    </a:p>
-                  </a:txBody>
-                  <a:tcPr anchor="ctr">
-                    <a:lnL w="3175" cap="flat" cmpd="sng" algn="ctr">
-                      <a:solidFill>
-                        <a:schemeClr val="tx1"/>
-                      </a:solidFill>
-                      <a:prstDash val="solid"/>
-                      <a:round/>
-                      <a:headEnd type="none" w="med" len="med"/>
-                      <a:tailEnd type="none" w="med" len="med"/>
-                    </a:lnL>
-                    <a:lnR w="3175" cap="flat" cmpd="sng" algn="ctr">
-                      <a:solidFill>
-                        <a:schemeClr val="tx1"/>
-                      </a:solidFill>
-                      <a:prstDash val="solid"/>
-                      <a:round/>
-                      <a:headEnd type="none" w="med" len="med"/>
-                      <a:tailEnd type="none" w="med" len="med"/>
-                    </a:lnR>
-                    <a:lnT w="3175" cap="flat" cmpd="sng" algn="ctr">
-                      <a:solidFill>
-                        <a:schemeClr val="tx1"/>
-                      </a:solidFill>
-                      <a:prstDash val="solid"/>
-                      <a:round/>
-                      <a:headEnd type="none" w="med" len="med"/>
-                      <a:tailEnd type="none" w="med" len="med"/>
-                    </a:lnT>
-                    <a:lnB w="3175" cap="flat" cmpd="sng" algn="ctr">
-                      <a:solidFill>
-                        <a:schemeClr val="tx1"/>
-                      </a:solidFill>
-                      <a:prstDash val="solid"/>
-                      <a:round/>
-                      <a:headEnd type="none" w="med" len="med"/>
-                      <a:tailEnd type="none" w="med" len="med"/>
-                    </a:lnB>
-                  </a:tcPr>
-                </a:tc>
-                <a:tc>
-                  <a:txBody>
-                    <a:bodyPr/>
-                    <a:lstStyle/>
-                    <a:p>
-                      <a:pPr algn="l" latinLnBrk="1"/>
-                      <a:endParaRPr lang="ko-KR" altLang="en-US" sz="800" dirty="0">
-                        <a:solidFill>
-                          <a:schemeClr val="tx1"/>
-                        </a:solidFill>
-                      </a:endParaRPr>
-                    </a:p>
-                  </a:txBody>
-                  <a:tcPr anchor="ctr">
-                    <a:lnL w="3175" cap="flat" cmpd="sng" algn="ctr">
-                      <a:solidFill>
-                        <a:schemeClr val="tx1"/>
-                      </a:solidFill>
-                      <a:prstDash val="solid"/>
-                      <a:round/>
-                      <a:headEnd type="none" w="med" len="med"/>
-                      <a:tailEnd type="none" w="med" len="med"/>
-                    </a:lnL>
-                    <a:lnR w="3175" cap="flat" cmpd="sng" algn="ctr">
-                      <a:solidFill>
-                        <a:schemeClr val="tx1"/>
-                      </a:solidFill>
-                      <a:prstDash val="solid"/>
-                      <a:round/>
-                      <a:headEnd type="none" w="med" len="med"/>
-                      <a:tailEnd type="none" w="med" len="med"/>
-                    </a:lnR>
-                    <a:lnT w="3175" cap="flat" cmpd="sng" algn="ctr">
-                      <a:solidFill>
-                        <a:schemeClr val="tx1"/>
-                      </a:solidFill>
-                      <a:prstDash val="solid"/>
-                      <a:round/>
-                      <a:headEnd type="none" w="med" len="med"/>
-                      <a:tailEnd type="none" w="med" len="med"/>
-                    </a:lnT>
-                    <a:lnB w="3175" cap="flat" cmpd="sng" algn="ctr">
-                      <a:solidFill>
-                        <a:schemeClr val="tx1"/>
-                      </a:solidFill>
-                      <a:prstDash val="solid"/>
-                      <a:round/>
-                      <a:headEnd type="none" w="med" len="med"/>
-                      <a:tailEnd type="none" w="med" len="med"/>
-                    </a:lnB>
-                  </a:tcPr>
-                </a:tc>
-                <a:tc>
-                  <a:txBody>
-                    <a:bodyPr/>
-                    <a:lstStyle/>
-                    <a:p>
-                      <a:pPr algn="l" latinLnBrk="1"/>
-                      <a:endParaRPr lang="ko-KR" altLang="en-US" sz="800" dirty="0">
-                        <a:solidFill>
-                          <a:schemeClr val="tx1"/>
-                        </a:solidFill>
-                      </a:endParaRPr>
-                    </a:p>
-                  </a:txBody>
-                  <a:tcPr anchor="ctr">
-                    <a:lnL w="3175" cap="flat" cmpd="sng" algn="ctr">
-                      <a:solidFill>
-                        <a:schemeClr val="tx1"/>
-                      </a:solidFill>
-                      <a:prstDash val="solid"/>
-                      <a:round/>
-                      <a:headEnd type="none" w="med" len="med"/>
-                      <a:tailEnd type="none" w="med" len="med"/>
-                    </a:lnL>
-                    <a:lnR w="3175" cap="flat" cmpd="sng" algn="ctr">
-                      <a:solidFill>
-                        <a:schemeClr val="tx1"/>
-                      </a:solidFill>
-                      <a:prstDash val="solid"/>
-                      <a:round/>
-                      <a:headEnd type="none" w="med" len="med"/>
-                      <a:tailEnd type="none" w="med" len="med"/>
-                    </a:lnR>
-                    <a:lnT w="3175" cap="flat" cmpd="sng" algn="ctr">
-                      <a:solidFill>
-                        <a:schemeClr val="tx1"/>
-                      </a:solidFill>
-                      <a:prstDash val="solid"/>
-                      <a:round/>
-                      <a:headEnd type="none" w="med" len="med"/>
-                      <a:tailEnd type="none" w="med" len="med"/>
-                    </a:lnT>
-                    <a:lnB w="3175" cap="flat" cmpd="sng" algn="ctr">
-                      <a:solidFill>
-                        <a:schemeClr val="tx1"/>
-                      </a:solidFill>
-                      <a:prstDash val="solid"/>
-                      <a:round/>
-                      <a:headEnd type="none" w="med" len="med"/>
-                      <a:tailEnd type="none" w="med" len="med"/>
-                    </a:lnB>
-                  </a:tcPr>
-                </a:tc>
-                <a:tc>
-                  <a:txBody>
-                    <a:bodyPr/>
-                    <a:lstStyle/>
-                    <a:p>
-                      <a:pPr algn="l" latinLnBrk="1"/>
-                      <a:endParaRPr lang="ko-KR" altLang="en-US" sz="800" dirty="0">
-                        <a:solidFill>
-                          <a:schemeClr val="tx1"/>
-                        </a:solidFill>
-                      </a:endParaRPr>
-                    </a:p>
-                  </a:txBody>
-                  <a:tcPr anchor="ctr">
-                    <a:lnL w="3175" cap="flat" cmpd="sng" algn="ctr">
-                      <a:solidFill>
-                        <a:schemeClr val="tx1"/>
-                      </a:solidFill>
-                      <a:prstDash val="solid"/>
-                      <a:round/>
-                      <a:headEnd type="none" w="med" len="med"/>
-                      <a:tailEnd type="none" w="med" len="med"/>
-                    </a:lnL>
-                    <a:lnR w="3175" cap="flat" cmpd="sng" algn="ctr">
-                      <a:solidFill>
-                        <a:schemeClr val="tx1"/>
-                      </a:solidFill>
-                      <a:prstDash val="solid"/>
-                      <a:round/>
-                      <a:headEnd type="none" w="med" len="med"/>
-                      <a:tailEnd type="none" w="med" len="med"/>
-                    </a:lnR>
-                    <a:lnT w="3175" cap="flat" cmpd="sng" algn="ctr">
-                      <a:solidFill>
-                        <a:schemeClr val="tx1"/>
-                      </a:solidFill>
-                      <a:prstDash val="solid"/>
-                      <a:round/>
-                      <a:headEnd type="none" w="med" len="med"/>
-                      <a:tailEnd type="none" w="med" len="med"/>
-                    </a:lnT>
-                    <a:lnB w="3175" cap="flat" cmpd="sng" algn="ctr">
-                      <a:solidFill>
-                        <a:schemeClr val="tx1"/>
-                      </a:solidFill>
-                      <a:prstDash val="solid"/>
-                      <a:round/>
-                      <a:headEnd type="none" w="med" len="med"/>
-                      <a:tailEnd type="none" w="med" len="med"/>
-                    </a:lnB>
-                  </a:tcPr>
-                </a:tc>
-                <a:extLst>
-                  <a:ext uri="{0D108BD9-81ED-4DB2-BD59-A6C34878D82A}">
-                    <a16:rowId xmlns:a16="http://schemas.microsoft.com/office/drawing/2014/main" val="3958756115"/>
-                  </a:ext>
-                </a:extLst>
-              </a:tr>
-            </a:tbl>
-          </a:graphicData>
-        </a:graphic>
-      </p:graphicFrame>
-      <p:sp>
-        <p:nvSpPr>
-          <p:cNvPr id="7" name="TextBox 6">
-            <a:extLst>
-              <a:ext uri="{FF2B5EF4-FFF2-40B4-BE49-F238E27FC236}">
-                <a16:creationId xmlns:a16="http://schemas.microsoft.com/office/drawing/2014/main" id="{23CCD320-94F9-51A9-7370-576F47110B02}"/>
-              </a:ext>
-            </a:extLst>
-          </p:cNvPr>
-          <p:cNvSpPr txBox="1"/>
-          <p:nvPr/>
-        </p:nvSpPr>
-        <p:spPr>
-          <a:xfrm>
-            <a:off x="233082" y="129540"/>
-            <a:ext cx="11734800" cy="261610"/>
-          </a:xfrm>
-          <a:prstGeom prst="rect">
-            <a:avLst/>
-          </a:prstGeom>
-          <a:noFill/>
-          <a:ln w="9525" cap="flat" cmpd="sng" algn="ctr">
-            <a:solidFill>
-              <a:schemeClr val="tx1"/>
-            </a:solidFill>
-            <a:prstDash val="solid"/>
-            <a:round/>
-            <a:headEnd type="none" w="med" len="med"/>
-            <a:tailEnd type="none" w="med" len="med"/>
-          </a:ln>
-        </p:spPr>
-        <p:style>
-          <a:lnRef idx="0">
-            <a:scrgbClr r="0" g="0" b="0"/>
-          </a:lnRef>
-          <a:fillRef idx="0">
-            <a:scrgbClr r="0" g="0" b="0"/>
-          </a:fillRef>
-          <a:effectRef idx="0">
-            <a:scrgbClr r="0" g="0" b="0"/>
-          </a:effectRef>
-          <a:fontRef idx="minor">
-            <a:schemeClr val="accent5"/>
-          </a:fontRef>
-        </p:style>
-        <p:txBody>
-          <a:bodyPr wrap="square" rtlCol="0">
-            <a:spAutoFit/>
-          </a:bodyPr>
-          <a:lstStyle/>
-          <a:p>
-            <a:r>
-              <a:rPr lang="ko-KR" altLang="en-US" sz="1100" dirty="0">
-                <a:solidFill>
-                  <a:schemeClr val="tx1"/>
-                </a:solidFill>
-              </a:rPr>
-              <a:t>충돌감시</a:t>
-            </a:r>
-          </a:p>
-        </p:txBody>
-      </p:sp>
     </p:spTree>
     <p:extLst>
       <p:ext uri="{BB962C8B-B14F-4D97-AF65-F5344CB8AC3E}">

--- a/데이터요소추출을위한검토.pptx
+++ b/데이터요소추출을위한검토.pptx
@@ -260,7 +260,7 @@
           <a:p>
             <a:fld id="{FDFA5DEF-9C31-4D46-8B30-273D3F2540A7}" type="datetimeFigureOut">
               <a:rPr lang="ko-KR" altLang="en-US" smtClean="0"/>
-              <a:t>2024-02-16</a:t>
+              <a:t>2024-02-19</a:t>
             </a:fld>
             <a:endParaRPr lang="ko-KR" altLang="en-US"/>
           </a:p>
@@ -458,7 +458,7 @@
           <a:p>
             <a:fld id="{FDFA5DEF-9C31-4D46-8B30-273D3F2540A7}" type="datetimeFigureOut">
               <a:rPr lang="ko-KR" altLang="en-US" smtClean="0"/>
-              <a:t>2024-02-16</a:t>
+              <a:t>2024-02-19</a:t>
             </a:fld>
             <a:endParaRPr lang="ko-KR" altLang="en-US"/>
           </a:p>
@@ -666,7 +666,7 @@
           <a:p>
             <a:fld id="{FDFA5DEF-9C31-4D46-8B30-273D3F2540A7}" type="datetimeFigureOut">
               <a:rPr lang="ko-KR" altLang="en-US" smtClean="0"/>
-              <a:t>2024-02-16</a:t>
+              <a:t>2024-02-19</a:t>
             </a:fld>
             <a:endParaRPr lang="ko-KR" altLang="en-US"/>
           </a:p>
@@ -864,7 +864,7 @@
           <a:p>
             <a:fld id="{FDFA5DEF-9C31-4D46-8B30-273D3F2540A7}" type="datetimeFigureOut">
               <a:rPr lang="ko-KR" altLang="en-US" smtClean="0"/>
-              <a:t>2024-02-16</a:t>
+              <a:t>2024-02-19</a:t>
             </a:fld>
             <a:endParaRPr lang="ko-KR" altLang="en-US"/>
           </a:p>
@@ -1139,7 +1139,7 @@
           <a:p>
             <a:fld id="{FDFA5DEF-9C31-4D46-8B30-273D3F2540A7}" type="datetimeFigureOut">
               <a:rPr lang="ko-KR" altLang="en-US" smtClean="0"/>
-              <a:t>2024-02-16</a:t>
+              <a:t>2024-02-19</a:t>
             </a:fld>
             <a:endParaRPr lang="ko-KR" altLang="en-US"/>
           </a:p>
@@ -1404,7 +1404,7 @@
           <a:p>
             <a:fld id="{FDFA5DEF-9C31-4D46-8B30-273D3F2540A7}" type="datetimeFigureOut">
               <a:rPr lang="ko-KR" altLang="en-US" smtClean="0"/>
-              <a:t>2024-02-16</a:t>
+              <a:t>2024-02-19</a:t>
             </a:fld>
             <a:endParaRPr lang="ko-KR" altLang="en-US"/>
           </a:p>
@@ -1816,7 +1816,7 @@
           <a:p>
             <a:fld id="{FDFA5DEF-9C31-4D46-8B30-273D3F2540A7}" type="datetimeFigureOut">
               <a:rPr lang="ko-KR" altLang="en-US" smtClean="0"/>
-              <a:t>2024-02-16</a:t>
+              <a:t>2024-02-19</a:t>
             </a:fld>
             <a:endParaRPr lang="ko-KR" altLang="en-US"/>
           </a:p>
@@ -1957,7 +1957,7 @@
           <a:p>
             <a:fld id="{FDFA5DEF-9C31-4D46-8B30-273D3F2540A7}" type="datetimeFigureOut">
               <a:rPr lang="ko-KR" altLang="en-US" smtClean="0"/>
-              <a:t>2024-02-16</a:t>
+              <a:t>2024-02-19</a:t>
             </a:fld>
             <a:endParaRPr lang="ko-KR" altLang="en-US"/>
           </a:p>
@@ -2070,7 +2070,7 @@
           <a:p>
             <a:fld id="{FDFA5DEF-9C31-4D46-8B30-273D3F2540A7}" type="datetimeFigureOut">
               <a:rPr lang="ko-KR" altLang="en-US" smtClean="0"/>
-              <a:t>2024-02-16</a:t>
+              <a:t>2024-02-19</a:t>
             </a:fld>
             <a:endParaRPr lang="ko-KR" altLang="en-US"/>
           </a:p>
@@ -2381,7 +2381,7 @@
           <a:p>
             <a:fld id="{FDFA5DEF-9C31-4D46-8B30-273D3F2540A7}" type="datetimeFigureOut">
               <a:rPr lang="ko-KR" altLang="en-US" smtClean="0"/>
-              <a:t>2024-02-16</a:t>
+              <a:t>2024-02-19</a:t>
             </a:fld>
             <a:endParaRPr lang="ko-KR" altLang="en-US"/>
           </a:p>
@@ -2669,7 +2669,7 @@
           <a:p>
             <a:fld id="{FDFA5DEF-9C31-4D46-8B30-273D3F2540A7}" type="datetimeFigureOut">
               <a:rPr lang="ko-KR" altLang="en-US" smtClean="0"/>
-              <a:t>2024-02-16</a:t>
+              <a:t>2024-02-19</a:t>
             </a:fld>
             <a:endParaRPr lang="ko-KR" altLang="en-US"/>
           </a:p>
@@ -2910,7 +2910,7 @@
           <a:p>
             <a:fld id="{FDFA5DEF-9C31-4D46-8B30-273D3F2540A7}" type="datetimeFigureOut">
               <a:rPr lang="ko-KR" altLang="en-US" smtClean="0"/>
-              <a:t>2024-02-16</a:t>
+              <a:t>2024-02-19</a:t>
             </a:fld>
             <a:endParaRPr lang="ko-KR" altLang="en-US"/>
           </a:p>
@@ -3342,14 +3342,14 @@
           <p:nvPr>
             <p:extLst>
               <p:ext uri="{D42A27DB-BD31-4B8C-83A1-F6EECF244321}">
-                <p14:modId xmlns:p14="http://schemas.microsoft.com/office/powerpoint/2010/main" val="2397478500"/>
+                <p14:modId xmlns:p14="http://schemas.microsoft.com/office/powerpoint/2010/main" val="4037670971"/>
               </p:ext>
             </p:extLst>
           </p:nvPr>
         </p:nvGraphicFramePr>
         <p:xfrm>
           <a:off x="233082" y="522442"/>
-          <a:ext cx="11734800" cy="4262992"/>
+          <a:ext cx="11734800" cy="5082315"/>
         </p:xfrm>
         <a:graphic>
           <a:graphicData uri="http://schemas.openxmlformats.org/drawingml/2006/table">
@@ -3394,7 +3394,7 @@
                   </a:extLst>
                 </a:gridCol>
               </a:tblGrid>
-              <a:tr h="331072">
+              <a:tr h="455341">
                 <a:tc>
                   <a:txBody>
                     <a:bodyPr/>
@@ -3412,7 +3412,7 @@
                     </a:p>
                   </a:txBody>
                   <a:tcPr anchor="ctr">
-                    <a:lnL w="3175" cap="flat" cmpd="sng" algn="ctr">
+                    <a:lnL w="6350" cap="flat" cmpd="sng" algn="ctr">
                       <a:solidFill>
                         <a:schemeClr val="tx1"/>
                       </a:solidFill>
@@ -3421,7 +3421,7 @@
                       <a:headEnd type="none" w="med" len="med"/>
                       <a:tailEnd type="none" w="med" len="med"/>
                     </a:lnL>
-                    <a:lnR w="3175" cap="flat" cmpd="sng" algn="ctr">
+                    <a:lnR w="6350" cap="flat" cmpd="sng" algn="ctr">
                       <a:solidFill>
                         <a:schemeClr val="tx1"/>
                       </a:solidFill>
@@ -3430,7 +3430,7 @@
                       <a:headEnd type="none" w="med" len="med"/>
                       <a:tailEnd type="none" w="med" len="med"/>
                     </a:lnR>
-                    <a:lnT w="3175" cap="flat" cmpd="sng" algn="ctr">
+                    <a:lnT w="6350" cap="flat" cmpd="sng" algn="ctr">
                       <a:solidFill>
                         <a:schemeClr val="tx1"/>
                       </a:solidFill>
@@ -3439,7 +3439,7 @@
                       <a:headEnd type="none" w="med" len="med"/>
                       <a:tailEnd type="none" w="med" len="med"/>
                     </a:lnT>
-                    <a:lnB w="3175" cap="flat" cmpd="sng" algn="ctr">
+                    <a:lnB w="6350" cap="flat" cmpd="sng" algn="ctr">
                       <a:solidFill>
                         <a:schemeClr val="tx1"/>
                       </a:solidFill>
@@ -3488,7 +3488,7 @@
                     </a:p>
                   </a:txBody>
                   <a:tcPr anchor="ctr">
-                    <a:lnL w="3175" cap="flat" cmpd="sng" algn="ctr">
+                    <a:lnL w="6350" cap="flat" cmpd="sng" algn="ctr">
                       <a:solidFill>
                         <a:schemeClr val="tx1"/>
                       </a:solidFill>
@@ -3497,7 +3497,7 @@
                       <a:headEnd type="none" w="med" len="med"/>
                       <a:tailEnd type="none" w="med" len="med"/>
                     </a:lnL>
-                    <a:lnR w="3175" cap="flat" cmpd="sng" algn="ctr">
+                    <a:lnR w="6350" cap="flat" cmpd="sng" algn="ctr">
                       <a:solidFill>
                         <a:schemeClr val="tx1"/>
                       </a:solidFill>
@@ -3506,7 +3506,7 @@
                       <a:headEnd type="none" w="med" len="med"/>
                       <a:tailEnd type="none" w="med" len="med"/>
                     </a:lnR>
-                    <a:lnT w="3175" cap="flat" cmpd="sng" algn="ctr">
+                    <a:lnT w="6350" cap="flat" cmpd="sng" algn="ctr">
                       <a:solidFill>
                         <a:schemeClr val="tx1"/>
                       </a:solidFill>
@@ -3515,7 +3515,7 @@
                       <a:headEnd type="none" w="med" len="med"/>
                       <a:tailEnd type="none" w="med" len="med"/>
                     </a:lnT>
-                    <a:lnB w="3175" cap="flat" cmpd="sng" algn="ctr">
+                    <a:lnB w="6350" cap="flat" cmpd="sng" algn="ctr">
                       <a:solidFill>
                         <a:schemeClr val="tx1"/>
                       </a:solidFill>
@@ -3548,7 +3548,7 @@
                     </a:p>
                   </a:txBody>
                   <a:tcPr anchor="ctr">
-                    <a:lnL w="3175" cap="flat" cmpd="sng" algn="ctr">
+                    <a:lnL w="6350" cap="flat" cmpd="sng" algn="ctr">
                       <a:solidFill>
                         <a:schemeClr val="tx1"/>
                       </a:solidFill>
@@ -3557,7 +3557,7 @@
                       <a:headEnd type="none" w="med" len="med"/>
                       <a:tailEnd type="none" w="med" len="med"/>
                     </a:lnL>
-                    <a:lnR w="3175" cap="flat" cmpd="sng" algn="ctr">
+                    <a:lnR w="6350" cap="flat" cmpd="sng" algn="ctr">
                       <a:solidFill>
                         <a:schemeClr val="tx1"/>
                       </a:solidFill>
@@ -3566,7 +3566,7 @@
                       <a:headEnd type="none" w="med" len="med"/>
                       <a:tailEnd type="none" w="med" len="med"/>
                     </a:lnR>
-                    <a:lnT w="3175" cap="flat" cmpd="sng" algn="ctr">
+                    <a:lnT w="6350" cap="flat" cmpd="sng" algn="ctr">
                       <a:solidFill>
                         <a:schemeClr val="tx1"/>
                       </a:solidFill>
@@ -3575,7 +3575,7 @@
                       <a:headEnd type="none" w="med" len="med"/>
                       <a:tailEnd type="none" w="med" len="med"/>
                     </a:lnT>
-                    <a:lnB w="3175" cap="flat" cmpd="sng" algn="ctr">
+                    <a:lnB w="6350" cap="flat" cmpd="sng" algn="ctr">
                       <a:solidFill>
                         <a:schemeClr val="tx1"/>
                       </a:solidFill>
@@ -3608,7 +3608,7 @@
                     </a:p>
                   </a:txBody>
                   <a:tcPr anchor="ctr">
-                    <a:lnL w="3175" cap="flat" cmpd="sng" algn="ctr">
+                    <a:lnL w="6350" cap="flat" cmpd="sng" algn="ctr">
                       <a:solidFill>
                         <a:schemeClr val="tx1"/>
                       </a:solidFill>
@@ -3617,7 +3617,7 @@
                       <a:headEnd type="none" w="med" len="med"/>
                       <a:tailEnd type="none" w="med" len="med"/>
                     </a:lnL>
-                    <a:lnR w="3175" cap="flat" cmpd="sng" algn="ctr">
+                    <a:lnR w="6350" cap="flat" cmpd="sng" algn="ctr">
                       <a:solidFill>
                         <a:schemeClr val="tx1"/>
                       </a:solidFill>
@@ -3626,7 +3626,7 @@
                       <a:headEnd type="none" w="med" len="med"/>
                       <a:tailEnd type="none" w="med" len="med"/>
                     </a:lnR>
-                    <a:lnT w="3175" cap="flat" cmpd="sng" algn="ctr">
+                    <a:lnT w="6350" cap="flat" cmpd="sng" algn="ctr">
                       <a:solidFill>
                         <a:schemeClr val="tx1"/>
                       </a:solidFill>
@@ -3635,7 +3635,7 @@
                       <a:headEnd type="none" w="med" len="med"/>
                       <a:tailEnd type="none" w="med" len="med"/>
                     </a:lnT>
-                    <a:lnB w="3175" cap="flat" cmpd="sng" algn="ctr">
+                    <a:lnB w="6350" cap="flat" cmpd="sng" algn="ctr">
                       <a:solidFill>
                         <a:schemeClr val="tx1"/>
                       </a:solidFill>
@@ -3684,7 +3684,7 @@
                     </a:p>
                   </a:txBody>
                   <a:tcPr anchor="ctr">
-                    <a:lnL w="3175" cap="flat" cmpd="sng" algn="ctr">
+                    <a:lnL w="6350" cap="flat" cmpd="sng" algn="ctr">
                       <a:solidFill>
                         <a:schemeClr val="tx1"/>
                       </a:solidFill>
@@ -3693,7 +3693,7 @@
                       <a:headEnd type="none" w="med" len="med"/>
                       <a:tailEnd type="none" w="med" len="med"/>
                     </a:lnL>
-                    <a:lnR w="3175" cap="flat" cmpd="sng" algn="ctr">
+                    <a:lnR w="6350" cap="flat" cmpd="sng" algn="ctr">
                       <a:solidFill>
                         <a:schemeClr val="tx1"/>
                       </a:solidFill>
@@ -3702,7 +3702,7 @@
                       <a:headEnd type="none" w="med" len="med"/>
                       <a:tailEnd type="none" w="med" len="med"/>
                     </a:lnR>
-                    <a:lnT w="3175" cap="flat" cmpd="sng" algn="ctr">
+                    <a:lnT w="6350" cap="flat" cmpd="sng" algn="ctr">
                       <a:solidFill>
                         <a:schemeClr val="tx1"/>
                       </a:solidFill>
@@ -3711,7 +3711,7 @@
                       <a:headEnd type="none" w="med" len="med"/>
                       <a:tailEnd type="none" w="med" len="med"/>
                     </a:lnT>
-                    <a:lnB w="3175" cap="flat" cmpd="sng" algn="ctr">
+                    <a:lnB w="6350" cap="flat" cmpd="sng" algn="ctr">
                       <a:solidFill>
                         <a:schemeClr val="tx1"/>
                       </a:solidFill>
@@ -3733,7 +3733,7 @@
                   </a:ext>
                 </a:extLst>
               </a:tr>
-              <a:tr h="331072">
+              <a:tr h="2535037">
                 <a:tc>
                   <a:txBody>
                     <a:bodyPr/>
@@ -3751,7 +3751,7 @@
                     </a:p>
                   </a:txBody>
                   <a:tcPr anchor="ctr">
-                    <a:lnL w="3175" cap="flat" cmpd="sng" algn="ctr">
+                    <a:lnL w="6350" cap="flat" cmpd="sng" algn="ctr">
                       <a:solidFill>
                         <a:schemeClr val="tx1"/>
                       </a:solidFill>
@@ -3760,7 +3760,7 @@
                       <a:headEnd type="none" w="med" len="med"/>
                       <a:tailEnd type="none" w="med" len="med"/>
                     </a:lnL>
-                    <a:lnR w="3175" cap="flat" cmpd="sng" algn="ctr">
+                    <a:lnR w="6350" cap="flat" cmpd="sng" algn="ctr">
                       <a:solidFill>
                         <a:schemeClr val="tx1"/>
                       </a:solidFill>
@@ -3769,7 +3769,7 @@
                       <a:headEnd type="none" w="med" len="med"/>
                       <a:tailEnd type="none" w="med" len="med"/>
                     </a:lnR>
-                    <a:lnT w="3175" cap="flat" cmpd="sng" algn="ctr">
+                    <a:lnT w="6350" cap="flat" cmpd="sng" algn="ctr">
                       <a:solidFill>
                         <a:schemeClr val="tx1"/>
                       </a:solidFill>
@@ -3778,7 +3778,7 @@
                       <a:headEnd type="none" w="med" len="med"/>
                       <a:tailEnd type="none" w="med" len="med"/>
                     </a:lnT>
-                    <a:lnB w="3175" cap="flat" cmpd="sng" algn="ctr">
+                    <a:lnB w="6350" cap="flat" cmpd="sng" algn="ctr">
                       <a:solidFill>
                         <a:schemeClr val="tx1"/>
                       </a:solidFill>
@@ -4036,7 +4036,23 @@
                             <a:schemeClr val="tx1"/>
                           </a:solidFill>
                         </a:rPr>
-                        <a:t>- 5</a:t>
+                        <a:t>- </a:t>
+                      </a:r>
+                      <a:r>
+                        <a:rPr lang="ko-KR" altLang="en-US" sz="800" dirty="0">
+                          <a:solidFill>
+                            <a:schemeClr val="tx1"/>
+                          </a:solidFill>
+                        </a:rPr>
+                        <a:t>경사</a:t>
+                      </a:r>
+                      <a:r>
+                        <a:rPr lang="en-US" altLang="ko-KR" sz="800" dirty="0">
+                          <a:solidFill>
+                            <a:schemeClr val="tx1"/>
+                          </a:solidFill>
+                        </a:rPr>
+                        <a:t>5</a:t>
                       </a:r>
                       <a:r>
                         <a:rPr lang="ko-KR" altLang="en-US" sz="800" dirty="0">
@@ -4060,7 +4076,7 @@
                             <a:schemeClr val="tx1"/>
                           </a:solidFill>
                         </a:rPr>
-                        <a:t> </a:t>
+                        <a:t> 변위</a:t>
                       </a:r>
                       <a:r>
                         <a:rPr lang="en-US" altLang="ko-KR" sz="800" dirty="0">
@@ -4273,7 +4289,7 @@
                     </a:p>
                   </a:txBody>
                   <a:tcPr>
-                    <a:lnL w="3175" cap="flat" cmpd="sng" algn="ctr">
+                    <a:lnL w="6350" cap="flat" cmpd="sng" algn="ctr">
                       <a:solidFill>
                         <a:schemeClr val="tx1"/>
                       </a:solidFill>
@@ -4282,7 +4298,7 @@
                       <a:headEnd type="none" w="med" len="med"/>
                       <a:tailEnd type="none" w="med" len="med"/>
                     </a:lnL>
-                    <a:lnR w="3175" cap="flat" cmpd="sng" algn="ctr">
+                    <a:lnR w="6350" cap="flat" cmpd="sng" algn="ctr">
                       <a:solidFill>
                         <a:schemeClr val="tx1"/>
                       </a:solidFill>
@@ -4291,7 +4307,7 @@
                       <a:headEnd type="none" w="med" len="med"/>
                       <a:tailEnd type="none" w="med" len="med"/>
                     </a:lnR>
-                    <a:lnT w="3175" cap="flat" cmpd="sng" algn="ctr">
+                    <a:lnT w="6350" cap="flat" cmpd="sng" algn="ctr">
                       <a:solidFill>
                         <a:schemeClr val="tx1"/>
                       </a:solidFill>
@@ -4300,7 +4316,7 @@
                       <a:headEnd type="none" w="med" len="med"/>
                       <a:tailEnd type="none" w="med" len="med"/>
                     </a:lnT>
-                    <a:lnB w="3175" cap="flat" cmpd="sng" algn="ctr">
+                    <a:lnB w="6350" cap="flat" cmpd="sng" algn="ctr">
                       <a:solidFill>
                         <a:schemeClr val="tx1"/>
                       </a:solidFill>
@@ -4376,7 +4392,7 @@
                     </a:p>
                   </a:txBody>
                   <a:tcPr>
-                    <a:lnL w="3175" cap="flat" cmpd="sng" algn="ctr">
+                    <a:lnL w="6350" cap="flat" cmpd="sng" algn="ctr">
                       <a:solidFill>
                         <a:schemeClr val="tx1"/>
                       </a:solidFill>
@@ -4385,7 +4401,7 @@
                       <a:headEnd type="none" w="med" len="med"/>
                       <a:tailEnd type="none" w="med" len="med"/>
                     </a:lnL>
-                    <a:lnR w="3175" cap="flat" cmpd="sng" algn="ctr">
+                    <a:lnR w="6350" cap="flat" cmpd="sng" algn="ctr">
                       <a:solidFill>
                         <a:schemeClr val="tx1"/>
                       </a:solidFill>
@@ -4394,7 +4410,7 @@
                       <a:headEnd type="none" w="med" len="med"/>
                       <a:tailEnd type="none" w="med" len="med"/>
                     </a:lnR>
-                    <a:lnT w="3175" cap="flat" cmpd="sng" algn="ctr">
+                    <a:lnT w="6350" cap="flat" cmpd="sng" algn="ctr">
                       <a:solidFill>
                         <a:schemeClr val="tx1"/>
                       </a:solidFill>
@@ -4403,7 +4419,7 @@
                       <a:headEnd type="none" w="med" len="med"/>
                       <a:tailEnd type="none" w="med" len="med"/>
                     </a:lnT>
-                    <a:lnB w="3175" cap="flat" cmpd="sng" algn="ctr">
+                    <a:lnB w="6350" cap="flat" cmpd="sng" algn="ctr">
                       <a:solidFill>
                         <a:schemeClr val="tx1"/>
                       </a:solidFill>
@@ -4515,9 +4531,57 @@
                       </a:endParaRPr>
                     </a:p>
                     <a:p>
+                      <a:pPr algn="l" latinLnBrk="1"/>
+                      <a:r>
+                        <a:rPr lang="en-US" altLang="ko-KR" sz="800" dirty="0">
+                          <a:solidFill>
+                            <a:schemeClr val="tx1"/>
+                          </a:solidFill>
+                        </a:rPr>
+                        <a:t>3. Raw</a:t>
+                      </a:r>
+                      <a:r>
+                        <a:rPr lang="ko-KR" altLang="en-US" sz="800" dirty="0">
+                          <a:solidFill>
+                            <a:schemeClr val="tx1"/>
+                          </a:solidFill>
+                        </a:rPr>
+                        <a:t> 데이터 분석 정상 여부</a:t>
+                      </a:r>
+                      <a:endParaRPr lang="en-US" altLang="ko-KR" sz="800" dirty="0">
+                        <a:solidFill>
+                          <a:schemeClr val="tx1"/>
+                        </a:solidFill>
+                      </a:endParaRPr>
+                    </a:p>
+                    <a:p>
+                      <a:pPr algn="l" latinLnBrk="1"/>
+                      <a:r>
+                        <a:rPr lang="en-US" altLang="ko-KR" sz="800" dirty="0">
+                          <a:solidFill>
+                            <a:schemeClr val="tx1"/>
+                          </a:solidFill>
+                        </a:rPr>
+                        <a:t>4. analysis</a:t>
+                      </a:r>
+                      <a:r>
+                        <a:rPr lang="ko-KR" altLang="en-US" sz="800" dirty="0">
+                          <a:solidFill>
+                            <a:schemeClr val="tx1"/>
+                          </a:solidFill>
+                        </a:rPr>
+                        <a:t> 데이터 분석 정상 여부</a:t>
+                      </a:r>
+                      <a:endParaRPr lang="en-US" altLang="ko-KR" sz="800" dirty="0">
+                        <a:solidFill>
+                          <a:schemeClr val="tx1"/>
+                        </a:solidFill>
+                      </a:endParaRPr>
+                    </a:p>
+                    <a:p>
                       <a:r>
                         <a:rPr lang="en-US" altLang="ko-KR" sz="800" dirty="0"/>
-                        <a:t>3. PC</a:t>
+                        <a:t>5. PC</a:t>
                       </a:r>
                       <a:r>
                         <a:rPr lang="ko-KR" altLang="en-US" sz="800" dirty="0"/>
@@ -4546,7 +4610,7 @@
                     </a:p>
                   </a:txBody>
                   <a:tcPr>
-                    <a:lnL w="3175" cap="flat" cmpd="sng" algn="ctr">
+                    <a:lnL w="6350" cap="flat" cmpd="sng" algn="ctr">
                       <a:solidFill>
                         <a:schemeClr val="tx1"/>
                       </a:solidFill>
@@ -4555,7 +4619,7 @@
                       <a:headEnd type="none" w="med" len="med"/>
                       <a:tailEnd type="none" w="med" len="med"/>
                     </a:lnL>
-                    <a:lnR w="3175" cap="flat" cmpd="sng" algn="ctr">
+                    <a:lnR w="6350" cap="flat" cmpd="sng" algn="ctr">
                       <a:solidFill>
                         <a:schemeClr val="tx1"/>
                       </a:solidFill>
@@ -4564,7 +4628,7 @@
                       <a:headEnd type="none" w="med" len="med"/>
                       <a:tailEnd type="none" w="med" len="med"/>
                     </a:lnR>
-                    <a:lnT w="3175" cap="flat" cmpd="sng" algn="ctr">
+                    <a:lnT w="6350" cap="flat" cmpd="sng" algn="ctr">
                       <a:solidFill>
                         <a:schemeClr val="tx1"/>
                       </a:solidFill>
@@ -4573,7 +4637,7 @@
                       <a:headEnd type="none" w="med" len="med"/>
                       <a:tailEnd type="none" w="med" len="med"/>
                     </a:lnT>
-                    <a:lnB w="3175" cap="flat" cmpd="sng" algn="ctr">
+                    <a:lnB w="6350" cap="flat" cmpd="sng" algn="ctr">
                       <a:solidFill>
                         <a:schemeClr val="tx1"/>
                       </a:solidFill>
@@ -4660,7 +4724,23 @@
                             <a:schemeClr val="tx1"/>
                           </a:solidFill>
                         </a:rPr>
-                        <a:t>(5</a:t>
+                        <a:t>(</a:t>
+                      </a:r>
+                      <a:r>
+                        <a:rPr lang="ko-KR" altLang="en-US" sz="800" dirty="0">
+                          <a:solidFill>
+                            <a:schemeClr val="tx1"/>
+                          </a:solidFill>
+                        </a:rPr>
+                        <a:t>각 </a:t>
+                      </a:r>
+                      <a:r>
+                        <a:rPr lang="en-US" altLang="ko-KR" sz="800" dirty="0">
+                          <a:solidFill>
+                            <a:schemeClr val="tx1"/>
+                          </a:solidFill>
+                        </a:rPr>
+                        <a:t>5</a:t>
                       </a:r>
                       <a:r>
                         <a:rPr lang="ko-KR" altLang="en-US" sz="800" dirty="0">
@@ -4800,7 +4880,23 @@
                             <a:schemeClr val="tx1"/>
                           </a:solidFill>
                         </a:rPr>
-                        <a:t>3. Interpolation 1</a:t>
+                        <a:t>3. Interpolation string</a:t>
+                      </a:r>
+                      <a:r>
+                        <a:rPr lang="ko-KR" altLang="en-US" sz="800" dirty="0">
+                          <a:solidFill>
+                            <a:schemeClr val="tx1"/>
+                          </a:solidFill>
+                        </a:rPr>
+                        <a:t> </a:t>
+                      </a:r>
+                      <a:r>
+                        <a:rPr lang="en-US" altLang="ko-KR" sz="800" dirty="0">
+                          <a:solidFill>
+                            <a:schemeClr val="tx1"/>
+                          </a:solidFill>
+                        </a:rPr>
+                        <a:t>1</a:t>
                       </a:r>
                       <a:r>
                         <a:rPr lang="ko-KR" altLang="en-US" sz="800" dirty="0">
@@ -5161,7 +5257,7 @@
                     </a:p>
                   </a:txBody>
                   <a:tcPr>
-                    <a:lnL w="3175" cap="flat" cmpd="sng" algn="ctr">
+                    <a:lnL w="6350" cap="flat" cmpd="sng" algn="ctr">
                       <a:solidFill>
                         <a:schemeClr val="tx1"/>
                       </a:solidFill>
@@ -5170,7 +5266,7 @@
                       <a:headEnd type="none" w="med" len="med"/>
                       <a:tailEnd type="none" w="med" len="med"/>
                     </a:lnL>
-                    <a:lnR w="3175" cap="flat" cmpd="sng" algn="ctr">
+                    <a:lnR w="6350" cap="flat" cmpd="sng" algn="ctr">
                       <a:solidFill>
                         <a:schemeClr val="tx1"/>
                       </a:solidFill>
@@ -5179,7 +5275,7 @@
                       <a:headEnd type="none" w="med" len="med"/>
                       <a:tailEnd type="none" w="med" len="med"/>
                     </a:lnR>
-                    <a:lnT w="3175" cap="flat" cmpd="sng" algn="ctr">
+                    <a:lnT w="6350" cap="flat" cmpd="sng" algn="ctr">
                       <a:solidFill>
                         <a:schemeClr val="tx1"/>
                       </a:solidFill>
@@ -5188,7 +5284,7 @@
                       <a:headEnd type="none" w="med" len="med"/>
                       <a:tailEnd type="none" w="med" len="med"/>
                     </a:lnT>
-                    <a:lnB w="3175" cap="flat" cmpd="sng" algn="ctr">
+                    <a:lnB w="6350" cap="flat" cmpd="sng" algn="ctr">
                       <a:solidFill>
                         <a:schemeClr val="tx1"/>
                       </a:solidFill>
@@ -5205,7 +5301,7 @@
                   </a:ext>
                 </a:extLst>
               </a:tr>
-              <a:tr h="331072">
+              <a:tr h="1127760">
                 <a:tc>
                   <a:txBody>
                     <a:bodyPr/>
@@ -5223,7 +5319,7 @@
                     </a:p>
                   </a:txBody>
                   <a:tcPr anchor="ctr">
-                    <a:lnL w="3175" cap="flat" cmpd="sng" algn="ctr">
+                    <a:lnL w="6350" cap="flat" cmpd="sng" algn="ctr">
                       <a:solidFill>
                         <a:schemeClr val="tx1"/>
                       </a:solidFill>
@@ -5232,7 +5328,7 @@
                       <a:headEnd type="none" w="med" len="med"/>
                       <a:tailEnd type="none" w="med" len="med"/>
                     </a:lnL>
-                    <a:lnR w="3175" cap="flat" cmpd="sng" algn="ctr">
+                    <a:lnR w="6350" cap="flat" cmpd="sng" algn="ctr">
                       <a:solidFill>
                         <a:schemeClr val="tx1"/>
                       </a:solidFill>
@@ -5241,7 +5337,7 @@
                       <a:headEnd type="none" w="med" len="med"/>
                       <a:tailEnd type="none" w="med" len="med"/>
                     </a:lnR>
-                    <a:lnT w="3175" cap="flat" cmpd="sng" algn="ctr">
+                    <a:lnT w="6350" cap="flat" cmpd="sng" algn="ctr">
                       <a:solidFill>
                         <a:schemeClr val="tx1"/>
                       </a:solidFill>
@@ -5250,7 +5346,7 @@
                       <a:headEnd type="none" w="med" len="med"/>
                       <a:tailEnd type="none" w="med" len="med"/>
                     </a:lnT>
-                    <a:lnB w="3175" cap="flat" cmpd="sng" algn="ctr">
+                    <a:lnB w="6350" cap="flat" cmpd="sng" algn="ctr">
                       <a:solidFill>
                         <a:schemeClr val="tx1"/>
                       </a:solidFill>
@@ -5311,7 +5407,7 @@
                             <a:schemeClr val="tx1"/>
                           </a:solidFill>
                         </a:rPr>
-                        <a:t>위치순번</a:t>
+                        <a:t>알람종류</a:t>
                       </a:r>
                       <a:r>
                         <a:rPr lang="en-US" altLang="ko-KR" sz="800" dirty="0">
@@ -5361,15 +5457,63 @@
                             <a:schemeClr val="tx1"/>
                           </a:solidFill>
                         </a:rPr>
-                        <a:t>2. </a:t>
-                      </a:r>
-                      <a:r>
-                        <a:rPr lang="ko-KR" altLang="en-US" sz="800" dirty="0">
-                          <a:solidFill>
-                            <a:schemeClr val="tx1"/>
-                          </a:solidFill>
-                        </a:rPr>
-                        <a:t>화재 영역 크기 변화</a:t>
+                        <a:t>   * </a:t>
+                      </a:r>
+                      <a:r>
+                        <a:rPr lang="ko-KR" altLang="en-US" sz="800" dirty="0">
+                          <a:solidFill>
+                            <a:schemeClr val="tx1"/>
+                          </a:solidFill>
+                        </a:rPr>
+                        <a:t>알람</a:t>
+                      </a:r>
+                      <a:r>
+                        <a:rPr lang="en-US" altLang="ko-KR" sz="800" dirty="0">
+                          <a:solidFill>
+                            <a:schemeClr val="tx1"/>
+                          </a:solidFill>
+                        </a:rPr>
+                        <a:t>: 0 </a:t>
+                      </a:r>
+                      <a:r>
+                        <a:rPr lang="ko-KR" altLang="en-US" sz="800" dirty="0">
+                          <a:solidFill>
+                            <a:schemeClr val="tx1"/>
+                          </a:solidFill>
+                        </a:rPr>
+                        <a:t>정상</a:t>
+                      </a:r>
+                      <a:r>
+                        <a:rPr lang="en-US" altLang="ko-KR" sz="800" dirty="0">
+                          <a:solidFill>
+                            <a:schemeClr val="tx1"/>
+                          </a:solidFill>
+                        </a:rPr>
+                        <a:t>, 1 </a:t>
+                      </a:r>
+                      <a:r>
+                        <a:rPr lang="ko-KR" altLang="en-US" sz="800" dirty="0">
+                          <a:solidFill>
+                            <a:schemeClr val="tx1"/>
+                          </a:solidFill>
+                        </a:rPr>
+                        <a:t>경계</a:t>
+                      </a:r>
+                      <a:r>
+                        <a:rPr lang="en-US" altLang="ko-KR" sz="800" dirty="0">
+                          <a:solidFill>
+                            <a:schemeClr val="tx1"/>
+                          </a:solidFill>
+                        </a:rPr>
+                        <a:t>, 2 </a:t>
+                      </a:r>
+                      <a:r>
+                        <a:rPr lang="ko-KR" altLang="en-US" sz="800" dirty="0">
+                          <a:solidFill>
+                            <a:schemeClr val="tx1"/>
+                          </a:solidFill>
+                        </a:rPr>
+                        <a:t>발생</a:t>
                       </a:r>
                       <a:endParaRPr lang="en-US" altLang="ko-KR" sz="800" dirty="0">
                         <a:solidFill>
@@ -5378,6 +5522,80 @@
                       </a:endParaRPr>
                     </a:p>
                     <a:p>
+                      <a:r>
+                        <a:rPr lang="en-US" altLang="ko-KR" sz="800" dirty="0">
+                          <a:solidFill>
+                            <a:schemeClr val="tx1"/>
+                          </a:solidFill>
+                        </a:rPr>
+                        <a:t>2. </a:t>
+                      </a:r>
+                      <a:r>
+                        <a:rPr lang="ko-KR" altLang="en-US" sz="800" dirty="0">
+                          <a:solidFill>
+                            <a:schemeClr val="tx1"/>
+                          </a:solidFill>
+                        </a:rPr>
+                        <a:t>화재 영역 크기 변화 </a:t>
+                      </a:r>
+                      <a:r>
+                        <a:rPr lang="en-US" altLang="ko-KR" sz="800" dirty="0">
+                          <a:solidFill>
+                            <a:schemeClr val="tx1"/>
+                          </a:solidFill>
+                        </a:rPr>
+                        <a:t>(</a:t>
+                      </a:r>
+                      <a:r>
+                        <a:rPr lang="ko-KR" altLang="en-US" sz="800" dirty="0">
+                          <a:solidFill>
+                            <a:schemeClr val="tx1"/>
+                          </a:solidFill>
+                        </a:rPr>
+                        <a:t>대각 길이 최대</a:t>
+                      </a:r>
+                      <a:r>
+                        <a:rPr lang="en-US" altLang="ko-KR" sz="800" dirty="0">
+                          <a:solidFill>
+                            <a:schemeClr val="tx1"/>
+                          </a:solidFill>
+                        </a:rPr>
+                        <a:t>, </a:t>
+                      </a:r>
+                      <a:r>
+                        <a:rPr lang="ko-KR" altLang="en-US" sz="800" dirty="0">
+                          <a:solidFill>
+                            <a:schemeClr val="tx1"/>
+                          </a:solidFill>
+                        </a:rPr>
+                        <a:t>최소 각 </a:t>
+                      </a:r>
+                      <a:r>
+                        <a:rPr lang="en-US" altLang="ko-KR" sz="800" dirty="0">
+                          <a:solidFill>
+                            <a:schemeClr val="tx1"/>
+                          </a:solidFill>
+                        </a:rPr>
+                        <a:t>1</a:t>
+                      </a:r>
+                      <a:r>
+                        <a:rPr lang="ko-KR" altLang="en-US" sz="800" dirty="0">
+                          <a:solidFill>
+                            <a:schemeClr val="tx1"/>
+                          </a:solidFill>
+                        </a:rPr>
+                        <a:t>건</a:t>
+                      </a:r>
+                      <a:r>
+                        <a:rPr lang="en-US" altLang="ko-KR" sz="800" dirty="0">
+                          <a:solidFill>
+                            <a:schemeClr val="tx1"/>
+                          </a:solidFill>
+                        </a:rPr>
+                        <a:t>)</a:t>
+                      </a:r>
+                    </a:p>
+                    <a:p>
                       <a:endParaRPr lang="en-US" altLang="ko-KR" sz="800" dirty="0">
                         <a:solidFill>
                           <a:schemeClr val="tx1"/>
@@ -5386,7 +5604,7 @@
                     </a:p>
                   </a:txBody>
                   <a:tcPr>
-                    <a:lnL w="3175" cap="flat" cmpd="sng" algn="ctr">
+                    <a:lnL w="6350" cap="flat" cmpd="sng" algn="ctr">
                       <a:solidFill>
                         <a:schemeClr val="tx1"/>
                       </a:solidFill>
@@ -5395,7 +5613,7 @@
                       <a:headEnd type="none" w="med" len="med"/>
                       <a:tailEnd type="none" w="med" len="med"/>
                     </a:lnL>
-                    <a:lnR w="3175" cap="flat" cmpd="sng" algn="ctr">
+                    <a:lnR w="6350" cap="flat" cmpd="sng" algn="ctr">
                       <a:solidFill>
                         <a:schemeClr val="tx1"/>
                       </a:solidFill>
@@ -5404,7 +5622,7 @@
                       <a:headEnd type="none" w="med" len="med"/>
                       <a:tailEnd type="none" w="med" len="med"/>
                     </a:lnR>
-                    <a:lnT w="3175" cap="flat" cmpd="sng" algn="ctr">
+                    <a:lnT w="6350" cap="flat" cmpd="sng" algn="ctr">
                       <a:solidFill>
                         <a:schemeClr val="tx1"/>
                       </a:solidFill>
@@ -5413,7 +5631,7 @@
                       <a:headEnd type="none" w="med" len="med"/>
                       <a:tailEnd type="none" w="med" len="med"/>
                     </a:lnT>
-                    <a:lnB w="3175" cap="flat" cmpd="sng" algn="ctr">
+                    <a:lnB w="6350" cap="flat" cmpd="sng" algn="ctr">
                       <a:solidFill>
                         <a:schemeClr val="tx1"/>
                       </a:solidFill>
@@ -5487,12 +5705,12 @@
                         <a:t>(</a:t>
                       </a:r>
                       <a:r>
-                        <a:rPr lang="ko-KR" altLang="en-US" sz="800" dirty="0">
-                          <a:solidFill>
-                            <a:schemeClr val="tx1"/>
-                          </a:solidFill>
-                        </a:rPr>
-                        <a:t>위치정보</a:t>
+                        <a:rPr lang="ko-KR" altLang="en-US" sz="800" dirty="0" err="1">
+                          <a:solidFill>
+                            <a:schemeClr val="tx1"/>
+                          </a:solidFill>
+                        </a:rPr>
+                        <a:t>알람종류</a:t>
                       </a:r>
                       <a:r>
                         <a:rPr lang="en-US" altLang="ko-KR" sz="800" dirty="0">
@@ -5610,12 +5828,12 @@
                         <a:t>(</a:t>
                       </a:r>
                       <a:r>
-                        <a:rPr lang="ko-KR" altLang="en-US" sz="800" dirty="0">
-                          <a:solidFill>
-                            <a:schemeClr val="tx1"/>
-                          </a:solidFill>
-                        </a:rPr>
-                        <a:t>위치정보</a:t>
+                        <a:rPr lang="ko-KR" altLang="en-US" sz="800" dirty="0" err="1">
+                          <a:solidFill>
+                            <a:schemeClr val="tx1"/>
+                          </a:solidFill>
+                        </a:rPr>
+                        <a:t>알람종류</a:t>
                       </a:r>
                       <a:r>
                         <a:rPr lang="en-US" altLang="ko-KR" sz="800" dirty="0">
@@ -5727,7 +5945,7 @@
                     </a:p>
                   </a:txBody>
                   <a:tcPr>
-                    <a:lnL w="3175" cap="flat" cmpd="sng" algn="ctr">
+                    <a:lnL w="6350" cap="flat" cmpd="sng" algn="ctr">
                       <a:solidFill>
                         <a:schemeClr val="tx1"/>
                       </a:solidFill>
@@ -5736,7 +5954,7 @@
                       <a:headEnd type="none" w="med" len="med"/>
                       <a:tailEnd type="none" w="med" len="med"/>
                     </a:lnL>
-                    <a:lnR w="3175" cap="flat" cmpd="sng" algn="ctr">
+                    <a:lnR w="6350" cap="flat" cmpd="sng" algn="ctr">
                       <a:solidFill>
                         <a:schemeClr val="tx1"/>
                       </a:solidFill>
@@ -5745,7 +5963,7 @@
                       <a:headEnd type="none" w="med" len="med"/>
                       <a:tailEnd type="none" w="med" len="med"/>
                     </a:lnR>
-                    <a:lnT w="3175" cap="flat" cmpd="sng" algn="ctr">
+                    <a:lnT w="6350" cap="flat" cmpd="sng" algn="ctr">
                       <a:solidFill>
                         <a:schemeClr val="tx1"/>
                       </a:solidFill>
@@ -5754,7 +5972,7 @@
                       <a:headEnd type="none" w="med" len="med"/>
                       <a:tailEnd type="none" w="med" len="med"/>
                     </a:lnT>
-                    <a:lnB w="3175" cap="flat" cmpd="sng" algn="ctr">
+                    <a:lnB w="6350" cap="flat" cmpd="sng" algn="ctr">
                       <a:solidFill>
                         <a:schemeClr val="tx1"/>
                       </a:solidFill>
@@ -5825,7 +6043,7 @@
                     </a:p>
                   </a:txBody>
                   <a:tcPr>
-                    <a:lnL w="3175" cap="flat" cmpd="sng" algn="ctr">
+                    <a:lnL w="6350" cap="flat" cmpd="sng" algn="ctr">
                       <a:solidFill>
                         <a:schemeClr val="tx1"/>
                       </a:solidFill>
@@ -5834,7 +6052,7 @@
                       <a:headEnd type="none" w="med" len="med"/>
                       <a:tailEnd type="none" w="med" len="med"/>
                     </a:lnL>
-                    <a:lnR w="3175" cap="flat" cmpd="sng" algn="ctr">
+                    <a:lnR w="6350" cap="flat" cmpd="sng" algn="ctr">
                       <a:solidFill>
                         <a:schemeClr val="tx1"/>
                       </a:solidFill>
@@ -5843,7 +6061,7 @@
                       <a:headEnd type="none" w="med" len="med"/>
                       <a:tailEnd type="none" w="med" len="med"/>
                     </a:lnR>
-                    <a:lnT w="3175" cap="flat" cmpd="sng" algn="ctr">
+                    <a:lnT w="6350" cap="flat" cmpd="sng" algn="ctr">
                       <a:solidFill>
                         <a:schemeClr val="tx1"/>
                       </a:solidFill>
@@ -5852,7 +6070,7 @@
                       <a:headEnd type="none" w="med" len="med"/>
                       <a:tailEnd type="none" w="med" len="med"/>
                     </a:lnT>
-                    <a:lnB w="3175" cap="flat" cmpd="sng" algn="ctr">
+                    <a:lnB w="6350" cap="flat" cmpd="sng" algn="ctr">
                       <a:solidFill>
                         <a:schemeClr val="tx1"/>
                       </a:solidFill>
@@ -5891,7 +6109,7 @@
                             <a:schemeClr val="tx1"/>
                           </a:solidFill>
                         </a:rPr>
-                        <a:t>Threshold</a:t>
+                        <a:t>Threshold double 1</a:t>
                       </a:r>
                     </a:p>
                     <a:p>
@@ -5910,13 +6128,16 @@
                             <a:schemeClr val="tx1"/>
                           </a:solidFill>
                         </a:rPr>
-                        <a:t>화영종료 대기 분</a:t>
-                      </a:r>
-                      <a:endParaRPr lang="en-US" altLang="ko-KR" sz="800" dirty="0">
-                        <a:solidFill>
-                          <a:schemeClr val="tx1"/>
-                        </a:solidFill>
-                      </a:endParaRPr>
+                        <a:t>화영종료 대기 분 </a:t>
+                      </a:r>
+                      <a:r>
+                        <a:rPr lang="en-US" altLang="ko-KR" sz="800" dirty="0">
+                          <a:solidFill>
+                            <a:schemeClr val="tx1"/>
+                          </a:solidFill>
+                        </a:rPr>
+                        <a:t>byte 1</a:t>
+                      </a:r>
                     </a:p>
                     <a:p>
                       <a:pPr algn="l" latinLnBrk="1"/>
@@ -5934,13 +6155,16 @@
                             <a:schemeClr val="tx1"/>
                           </a:solidFill>
                         </a:rPr>
-                        <a:t>화염 판단 주기 초</a:t>
-                      </a:r>
-                      <a:endParaRPr lang="en-US" altLang="ko-KR" sz="800" dirty="0">
-                        <a:solidFill>
-                          <a:schemeClr val="tx1"/>
-                        </a:solidFill>
-                      </a:endParaRPr>
+                        <a:t>화염 판단 주기 초 </a:t>
+                      </a:r>
+                      <a:r>
+                        <a:rPr lang="en-US" altLang="ko-KR" sz="800" dirty="0">
+                          <a:solidFill>
+                            <a:schemeClr val="tx1"/>
+                          </a:solidFill>
+                        </a:rPr>
+                        <a:t>byte 1</a:t>
+                      </a:r>
                     </a:p>
                     <a:p>
                       <a:pPr algn="l" latinLnBrk="1"/>
@@ -5966,7 +6190,7 @@
                             <a:schemeClr val="tx1"/>
                           </a:solidFill>
                         </a:rPr>
-                        <a:t>Threshold (%)</a:t>
+                        <a:t>Threshold (%) double 1</a:t>
                       </a:r>
                     </a:p>
                     <a:p>
@@ -6001,13 +6225,16 @@
                             <a:schemeClr val="tx1"/>
                           </a:solidFill>
                         </a:rPr>
-                        <a:t>수</a:t>
-                      </a:r>
-                      <a:endParaRPr lang="en-US" altLang="ko-KR" sz="800" dirty="0">
-                        <a:solidFill>
-                          <a:schemeClr val="tx1"/>
-                        </a:solidFill>
-                      </a:endParaRPr>
+                        <a:t>수 </a:t>
+                      </a:r>
+                      <a:r>
+                        <a:rPr lang="en-US" altLang="ko-KR" sz="800" dirty="0">
+                          <a:solidFill>
+                            <a:schemeClr val="tx1"/>
+                          </a:solidFill>
+                        </a:rPr>
+                        <a:t>byte 1</a:t>
+                      </a:r>
                     </a:p>
                     <a:p>
                       <a:pPr algn="l" latinLnBrk="1"/>
@@ -6033,7 +6260,7 @@
                             <a:schemeClr val="tx1"/>
                           </a:solidFill>
                         </a:rPr>
-                        <a:t>Threshold (%)</a:t>
+                        <a:t>Threshold (%) double 1</a:t>
                       </a:r>
                     </a:p>
                     <a:p>
@@ -6068,17 +6295,20 @@
                             <a:schemeClr val="tx1"/>
                           </a:solidFill>
                         </a:rPr>
-                        <a:t>수</a:t>
-                      </a:r>
-                      <a:endParaRPr lang="en-US" altLang="ko-KR" sz="800" dirty="0">
-                        <a:solidFill>
-                          <a:schemeClr val="tx1"/>
-                        </a:solidFill>
-                      </a:endParaRPr>
+                        <a:t>수 </a:t>
+                      </a:r>
+                      <a:r>
+                        <a:rPr lang="en-US" altLang="ko-KR" sz="800" dirty="0">
+                          <a:solidFill>
+                            <a:schemeClr val="tx1"/>
+                          </a:solidFill>
+                        </a:rPr>
+                        <a:t>byte 1</a:t>
+                      </a:r>
                     </a:p>
                   </a:txBody>
                   <a:tcPr>
-                    <a:lnL w="3175" cap="flat" cmpd="sng" algn="ctr">
+                    <a:lnL w="6350" cap="flat" cmpd="sng" algn="ctr">
                       <a:solidFill>
                         <a:schemeClr val="tx1"/>
                       </a:solidFill>
@@ -6087,7 +6317,7 @@
                       <a:headEnd type="none" w="med" len="med"/>
                       <a:tailEnd type="none" w="med" len="med"/>
                     </a:lnL>
-                    <a:lnR w="3175" cap="flat" cmpd="sng" algn="ctr">
+                    <a:lnR w="6350" cap="flat" cmpd="sng" algn="ctr">
                       <a:solidFill>
                         <a:schemeClr val="tx1"/>
                       </a:solidFill>
@@ -6096,7 +6326,7 @@
                       <a:headEnd type="none" w="med" len="med"/>
                       <a:tailEnd type="none" w="med" len="med"/>
                     </a:lnR>
-                    <a:lnT w="3175" cap="flat" cmpd="sng" algn="ctr">
+                    <a:lnT w="6350" cap="flat" cmpd="sng" algn="ctr">
                       <a:solidFill>
                         <a:schemeClr val="tx1"/>
                       </a:solidFill>
@@ -6105,7 +6335,7 @@
                       <a:headEnd type="none" w="med" len="med"/>
                       <a:tailEnd type="none" w="med" len="med"/>
                     </a:lnT>
-                    <a:lnB w="3175" cap="flat" cmpd="sng" algn="ctr">
+                    <a:lnB w="6350" cap="flat" cmpd="sng" algn="ctr">
                       <a:solidFill>
                         <a:schemeClr val="tx1"/>
                       </a:solidFill>
@@ -6122,7 +6352,7 @@
                   </a:ext>
                 </a:extLst>
               </a:tr>
-              <a:tr h="331072">
+              <a:tr h="964177">
                 <a:tc>
                   <a:txBody>
                     <a:bodyPr/>
@@ -6140,7 +6370,7 @@
                     </a:p>
                   </a:txBody>
                   <a:tcPr anchor="ctr">
-                    <a:lnL w="3175" cap="flat" cmpd="sng" algn="ctr">
+                    <a:lnL w="6350" cap="flat" cmpd="sng" algn="ctr">
                       <a:solidFill>
                         <a:schemeClr val="tx1"/>
                       </a:solidFill>
@@ -6149,7 +6379,7 @@
                       <a:headEnd type="none" w="med" len="med"/>
                       <a:tailEnd type="none" w="med" len="med"/>
                     </a:lnL>
-                    <a:lnR w="3175" cap="flat" cmpd="sng" algn="ctr">
+                    <a:lnR w="6350" cap="flat" cmpd="sng" algn="ctr">
                       <a:solidFill>
                         <a:schemeClr val="tx1"/>
                       </a:solidFill>
@@ -6158,7 +6388,7 @@
                       <a:headEnd type="none" w="med" len="med"/>
                       <a:tailEnd type="none" w="med" len="med"/>
                     </a:lnR>
-                    <a:lnT w="3175" cap="flat" cmpd="sng" algn="ctr">
+                    <a:lnT w="6350" cap="flat" cmpd="sng" algn="ctr">
                       <a:solidFill>
                         <a:schemeClr val="tx1"/>
                       </a:solidFill>
@@ -6167,7 +6397,7 @@
                       <a:headEnd type="none" w="med" len="med"/>
                       <a:tailEnd type="none" w="med" len="med"/>
                     </a:lnT>
-                    <a:lnB w="3175" cap="flat" cmpd="sng" algn="ctr">
+                    <a:lnB w="6350" cap="flat" cmpd="sng" algn="ctr">
                       <a:solidFill>
                         <a:schemeClr val="tx1"/>
                       </a:solidFill>
@@ -6336,7 +6566,7 @@
                     </a:p>
                   </a:txBody>
                   <a:tcPr>
-                    <a:lnL w="3175" cap="flat" cmpd="sng" algn="ctr">
+                    <a:lnL w="6350" cap="flat" cmpd="sng" algn="ctr">
                       <a:solidFill>
                         <a:schemeClr val="tx1"/>
                       </a:solidFill>
@@ -6345,7 +6575,7 @@
                       <a:headEnd type="none" w="med" len="med"/>
                       <a:tailEnd type="none" w="med" len="med"/>
                     </a:lnL>
-                    <a:lnR w="3175" cap="flat" cmpd="sng" algn="ctr">
+                    <a:lnR w="6350" cap="flat" cmpd="sng" algn="ctr">
                       <a:solidFill>
                         <a:schemeClr val="tx1"/>
                       </a:solidFill>
@@ -6354,7 +6584,7 @@
                       <a:headEnd type="none" w="med" len="med"/>
                       <a:tailEnd type="none" w="med" len="med"/>
                     </a:lnR>
-                    <a:lnT w="3175" cap="flat" cmpd="sng" algn="ctr">
+                    <a:lnT w="6350" cap="flat" cmpd="sng" algn="ctr">
                       <a:solidFill>
                         <a:schemeClr val="tx1"/>
                       </a:solidFill>
@@ -6363,7 +6593,7 @@
                       <a:headEnd type="none" w="med" len="med"/>
                       <a:tailEnd type="none" w="med" len="med"/>
                     </a:lnT>
-                    <a:lnB w="3175" cap="flat" cmpd="sng" algn="ctr">
+                    <a:lnB w="6350" cap="flat" cmpd="sng" algn="ctr">
                       <a:solidFill>
                         <a:schemeClr val="tx1"/>
                       </a:solidFill>
@@ -6426,7 +6656,7 @@
                             <a:schemeClr val="tx1"/>
                           </a:solidFill>
                         </a:rPr>
-                        <a:t>값 이상 </a:t>
+                        <a:t>초과 </a:t>
                       </a:r>
                       <a:r>
                         <a:rPr lang="en-US" altLang="ko-KR" sz="800" dirty="0">
@@ -6517,7 +6747,7 @@
                             <a:schemeClr val="tx1"/>
                           </a:solidFill>
                         </a:rPr>
-                        <a:t>값 이상 </a:t>
+                        <a:t>초과 </a:t>
                       </a:r>
                       <a:r>
                         <a:rPr lang="en-US" altLang="ko-KR" sz="800" dirty="0">
@@ -6613,7 +6843,7 @@
                     </a:p>
                   </a:txBody>
                   <a:tcPr>
-                    <a:lnL w="3175" cap="flat" cmpd="sng" algn="ctr">
+                    <a:lnL w="6350" cap="flat" cmpd="sng" algn="ctr">
                       <a:solidFill>
                         <a:schemeClr val="tx1"/>
                       </a:solidFill>
@@ -6622,7 +6852,7 @@
                       <a:headEnd type="none" w="med" len="med"/>
                       <a:tailEnd type="none" w="med" len="med"/>
                     </a:lnL>
-                    <a:lnR w="3175" cap="flat" cmpd="sng" algn="ctr">
+                    <a:lnR w="6350" cap="flat" cmpd="sng" algn="ctr">
                       <a:solidFill>
                         <a:schemeClr val="tx1"/>
                       </a:solidFill>
@@ -6631,7 +6861,7 @@
                       <a:headEnd type="none" w="med" len="med"/>
                       <a:tailEnd type="none" w="med" len="med"/>
                     </a:lnR>
-                    <a:lnT w="3175" cap="flat" cmpd="sng" algn="ctr">
+                    <a:lnT w="6350" cap="flat" cmpd="sng" algn="ctr">
                       <a:solidFill>
                         <a:schemeClr val="tx1"/>
                       </a:solidFill>
@@ -6640,7 +6870,7 @@
                       <a:headEnd type="none" w="med" len="med"/>
                       <a:tailEnd type="none" w="med" len="med"/>
                     </a:lnT>
-                    <a:lnB w="3175" cap="flat" cmpd="sng" algn="ctr">
+                    <a:lnB w="6350" cap="flat" cmpd="sng" algn="ctr">
                       <a:solidFill>
                         <a:schemeClr val="tx1"/>
                       </a:solidFill>
@@ -6703,7 +6933,7 @@
                     </a:p>
                   </a:txBody>
                   <a:tcPr>
-                    <a:lnL w="3175" cap="flat" cmpd="sng" algn="ctr">
+                    <a:lnL w="6350" cap="flat" cmpd="sng" algn="ctr">
                       <a:solidFill>
                         <a:schemeClr val="tx1"/>
                       </a:solidFill>
@@ -6712,7 +6942,7 @@
                       <a:headEnd type="none" w="med" len="med"/>
                       <a:tailEnd type="none" w="med" len="med"/>
                     </a:lnL>
-                    <a:lnR w="3175" cap="flat" cmpd="sng" algn="ctr">
+                    <a:lnR w="6350" cap="flat" cmpd="sng" algn="ctr">
                       <a:solidFill>
                         <a:schemeClr val="tx1"/>
                       </a:solidFill>
@@ -6721,7 +6951,7 @@
                       <a:headEnd type="none" w="med" len="med"/>
                       <a:tailEnd type="none" w="med" len="med"/>
                     </a:lnR>
-                    <a:lnT w="3175" cap="flat" cmpd="sng" algn="ctr">
+                    <a:lnT w="6350" cap="flat" cmpd="sng" algn="ctr">
                       <a:solidFill>
                         <a:schemeClr val="tx1"/>
                       </a:solidFill>
@@ -6730,7 +6960,7 @@
                       <a:headEnd type="none" w="med" len="med"/>
                       <a:tailEnd type="none" w="med" len="med"/>
                     </a:lnT>
-                    <a:lnB w="3175" cap="flat" cmpd="sng" algn="ctr">
+                    <a:lnB w="6350" cap="flat" cmpd="sng" algn="ctr">
                       <a:solidFill>
                         <a:schemeClr val="tx1"/>
                       </a:solidFill>
@@ -6769,7 +6999,7 @@
                             <a:schemeClr val="tx1"/>
                           </a:solidFill>
                         </a:rPr>
-                        <a:t>Threshold</a:t>
+                        <a:t>Threshold double 1</a:t>
                       </a:r>
                     </a:p>
                     <a:p>
@@ -6796,7 +7026,7 @@
                             <a:schemeClr val="tx1"/>
                           </a:solidFill>
                         </a:rPr>
-                        <a:t>Threshold</a:t>
+                        <a:t>Threshold double 1</a:t>
                       </a:r>
                     </a:p>
                     <a:p>
@@ -6823,7 +7053,7 @@
                             <a:schemeClr val="tx1"/>
                           </a:solidFill>
                         </a:rPr>
-                        <a:t>Threshold</a:t>
+                        <a:t>Threshold double 1</a:t>
                       </a:r>
                     </a:p>
                     <a:p>
@@ -6866,7 +7096,7 @@
                             <a:schemeClr val="tx1"/>
                           </a:solidFill>
                         </a:rPr>
-                        <a:t>)</a:t>
+                        <a:t>) byte 1</a:t>
                       </a:r>
                     </a:p>
                     <a:p>
@@ -6909,12 +7139,12 @@
                             <a:schemeClr val="tx1"/>
                           </a:solidFill>
                         </a:rPr>
-                        <a:t>)</a:t>
+                        <a:t>) byte 1</a:t>
                       </a:r>
                     </a:p>
                   </a:txBody>
                   <a:tcPr>
-                    <a:lnL w="3175" cap="flat" cmpd="sng" algn="ctr">
+                    <a:lnL w="6350" cap="flat" cmpd="sng" algn="ctr">
                       <a:solidFill>
                         <a:schemeClr val="tx1"/>
                       </a:solidFill>
@@ -6923,7 +7153,7 @@
                       <a:headEnd type="none" w="med" len="med"/>
                       <a:tailEnd type="none" w="med" len="med"/>
                     </a:lnL>
-                    <a:lnR w="3175" cap="flat" cmpd="sng" algn="ctr">
+                    <a:lnR w="6350" cap="flat" cmpd="sng" algn="ctr">
                       <a:solidFill>
                         <a:schemeClr val="tx1"/>
                       </a:solidFill>
@@ -6932,7 +7162,7 @@
                       <a:headEnd type="none" w="med" len="med"/>
                       <a:tailEnd type="none" w="med" len="med"/>
                     </a:lnR>
-                    <a:lnT w="3175" cap="flat" cmpd="sng" algn="ctr">
+                    <a:lnT w="6350" cap="flat" cmpd="sng" algn="ctr">
                       <a:solidFill>
                         <a:schemeClr val="tx1"/>
                       </a:solidFill>
@@ -6941,7 +7171,7 @@
                       <a:headEnd type="none" w="med" len="med"/>
                       <a:tailEnd type="none" w="med" len="med"/>
                     </a:lnT>
-                    <a:lnB w="3175" cap="flat" cmpd="sng" algn="ctr">
+                    <a:lnB w="6350" cap="flat" cmpd="sng" algn="ctr">
                       <a:solidFill>
                         <a:schemeClr val="tx1"/>
                       </a:solidFill>
